--- a/受控文档/00-PPT/PRD2018-G11-UML图.pptx
+++ b/受控文档/00-PPT/PRD2018-G11-UML图.pptx
@@ -5,45 +5,47 @@
     <p:sldMasterId id="2147483648" r:id="rId1"/>
   </p:sldMasterIdLst>
   <p:notesMasterIdLst>
-    <p:notesMasterId r:id="rId4"/>
+    <p:notesMasterId r:id="rId35"/>
   </p:notesMasterIdLst>
   <p:handoutMasterIdLst>
-    <p:handoutMasterId r:id="rId35"/>
+    <p:handoutMasterId r:id="rId36"/>
   </p:handoutMasterIdLst>
   <p:sldIdLst>
-    <p:sldId id="370" r:id="rId3"/>
-    <p:sldId id="492" r:id="rId5"/>
-    <p:sldId id="439" r:id="rId6"/>
-    <p:sldId id="506" r:id="rId7"/>
-    <p:sldId id="507" r:id="rId8"/>
-    <p:sldId id="545" r:id="rId9"/>
-    <p:sldId id="546" r:id="rId10"/>
-    <p:sldId id="547" r:id="rId11"/>
-    <p:sldId id="548" r:id="rId12"/>
-    <p:sldId id="549" r:id="rId13"/>
-    <p:sldId id="508" r:id="rId14"/>
-    <p:sldId id="550" r:id="rId15"/>
-    <p:sldId id="551" r:id="rId16"/>
-    <p:sldId id="552" r:id="rId17"/>
-    <p:sldId id="553" r:id="rId18"/>
-    <p:sldId id="554" r:id="rId19"/>
-    <p:sldId id="555" r:id="rId20"/>
-    <p:sldId id="556" r:id="rId21"/>
-    <p:sldId id="576" r:id="rId22"/>
-    <p:sldId id="577" r:id="rId23"/>
-    <p:sldId id="578" r:id="rId24"/>
-    <p:sldId id="579" r:id="rId25"/>
-    <p:sldId id="580" r:id="rId26"/>
-    <p:sldId id="581" r:id="rId27"/>
-    <p:sldId id="561" r:id="rId28"/>
-    <p:sldId id="562" r:id="rId29"/>
-    <p:sldId id="564" r:id="rId30"/>
-    <p:sldId id="566" r:id="rId31"/>
+    <p:sldId id="370" r:id="rId2"/>
+    <p:sldId id="492" r:id="rId3"/>
+    <p:sldId id="439" r:id="rId4"/>
+    <p:sldId id="506" r:id="rId5"/>
+    <p:sldId id="507" r:id="rId6"/>
+    <p:sldId id="545" r:id="rId7"/>
+    <p:sldId id="546" r:id="rId8"/>
+    <p:sldId id="547" r:id="rId9"/>
+    <p:sldId id="548" r:id="rId10"/>
+    <p:sldId id="549" r:id="rId11"/>
+    <p:sldId id="508" r:id="rId12"/>
+    <p:sldId id="550" r:id="rId13"/>
+    <p:sldId id="551" r:id="rId14"/>
+    <p:sldId id="552" r:id="rId15"/>
+    <p:sldId id="553" r:id="rId16"/>
+    <p:sldId id="554" r:id="rId17"/>
+    <p:sldId id="555" r:id="rId18"/>
+    <p:sldId id="556" r:id="rId19"/>
+    <p:sldId id="576" r:id="rId20"/>
+    <p:sldId id="577" r:id="rId21"/>
+    <p:sldId id="578" r:id="rId22"/>
+    <p:sldId id="579" r:id="rId23"/>
+    <p:sldId id="580" r:id="rId24"/>
+    <p:sldId id="581" r:id="rId25"/>
+    <p:sldId id="561" r:id="rId26"/>
+    <p:sldId id="562" r:id="rId27"/>
+    <p:sldId id="564" r:id="rId28"/>
+    <p:sldId id="566" r:id="rId29"/>
+    <p:sldId id="582" r:id="rId30"/>
+    <p:sldId id="583" r:id="rId31"/>
     <p:sldId id="455" r:id="rId32"/>
     <p:sldId id="532" r:id="rId33"/>
     <p:sldId id="436" r:id="rId34"/>
   </p:sldIdLst>
-  <p:sldSz cx="12190095" cy="6859270"/>
+  <p:sldSz cx="12190413" cy="6859588"/>
   <p:notesSz cx="6858000" cy="9144000"/>
   <p:defaultTextStyle>
     <a:defPPr>
@@ -140,6 +142,51 @@
       </a:defRPr>
     </a:lvl9pPr>
   </p:defaultTextStyle>
+  <p:extLst>
+    <p:ext uri="{EFAFB233-063F-42B5-8137-9DF3F51BA10A}">
+      <p15:sldGuideLst xmlns:p15="http://schemas.microsoft.com/office/powerpoint/2012/main">
+        <p15:guide id="1" orient="horz" pos="2160">
+          <p15:clr>
+            <a:srgbClr val="A4A3A4"/>
+          </p15:clr>
+        </p15:guide>
+        <p15:guide id="2" orient="horz" pos="3884">
+          <p15:clr>
+            <a:srgbClr val="A4A3A4"/>
+          </p15:clr>
+        </p15:guide>
+        <p15:guide id="3" pos="3839">
+          <p15:clr>
+            <a:srgbClr val="A4A3A4"/>
+          </p15:clr>
+        </p15:guide>
+        <p15:guide id="4" pos="7170">
+          <p15:clr>
+            <a:srgbClr val="A4A3A4"/>
+          </p15:clr>
+        </p15:guide>
+        <p15:guide id="5" pos="554">
+          <p15:clr>
+            <a:srgbClr val="A4A3A4"/>
+          </p15:clr>
+        </p15:guide>
+      </p15:sldGuideLst>
+    </p:ext>
+    <p:ext uri="{2D200454-40CA-4A62-9FC3-DE9A4176ACB9}">
+      <p15:notesGuideLst xmlns:p15="http://schemas.microsoft.com/office/powerpoint/2012/main">
+        <p15:guide id="1" orient="horz" pos="2880">
+          <p15:clr>
+            <a:srgbClr val="A4A3A4"/>
+          </p15:clr>
+        </p15:guide>
+        <p15:guide id="2" pos="2160">
+          <p15:clr>
+            <a:srgbClr val="A4A3A4"/>
+          </p15:clr>
+        </p15:guide>
+      </p15:notesGuideLst>
+    </p:ext>
+  </p:extLst>
 </p:presentation>
 </file>
 
@@ -225,6 +272,7 @@
           <a:p>
             <a:fld id="{5D1C15E6-6BD2-4E4B-B1D4-218C26E1B228}" type="datetimeFigureOut">
               <a:rPr lang="zh-CN" altLang="en-US" smtClean="0"/>
+              <a:t>2018/10/28</a:t>
             </a:fld>
             <a:endParaRPr lang="zh-CN" altLang="en-US"/>
           </a:p>
@@ -290,6 +338,7 @@
           <a:p>
             <a:fld id="{E655EDCA-2189-4435-B38B-6F3C2C044356}" type="slidenum">
               <a:rPr lang="zh-CN" altLang="en-US" smtClean="0"/>
+              <a:t>‹#›</a:t>
             </a:fld>
             <a:endParaRPr lang="zh-CN" altLang="en-US"/>
           </a:p>
@@ -383,6 +432,7 @@
           <a:p>
             <a:fld id="{0B17430C-5A66-4BD0-A971-34190B6C6019}" type="datetimeFigureOut">
               <a:rPr lang="zh-CN" altLang="en-US" smtClean="0"/>
+              <a:t>2018/10/28</a:t>
             </a:fld>
             <a:endParaRPr lang="zh-CN" altLang="en-US"/>
           </a:p>
@@ -449,7 +499,6 @@
               <a:rPr lang="zh-CN" altLang="en-US" smtClean="0"/>
               <a:t>单击此处编辑母版文本样式</a:t>
             </a:r>
-            <a:endParaRPr lang="zh-CN" altLang="en-US" smtClean="0"/>
           </a:p>
           <a:p>
             <a:pPr lvl="1"/>
@@ -457,7 +506,6 @@
               <a:rPr lang="zh-CN" altLang="en-US" smtClean="0"/>
               <a:t>第二级</a:t>
             </a:r>
-            <a:endParaRPr lang="zh-CN" altLang="en-US" smtClean="0"/>
           </a:p>
           <a:p>
             <a:pPr lvl="2"/>
@@ -465,7 +513,6 @@
               <a:rPr lang="zh-CN" altLang="en-US" smtClean="0"/>
               <a:t>第三级</a:t>
             </a:r>
-            <a:endParaRPr lang="zh-CN" altLang="en-US" smtClean="0"/>
           </a:p>
           <a:p>
             <a:pPr lvl="3"/>
@@ -473,7 +520,6 @@
               <a:rPr lang="zh-CN" altLang="en-US" smtClean="0"/>
               <a:t>第四级</a:t>
             </a:r>
-            <a:endParaRPr lang="zh-CN" altLang="en-US" smtClean="0"/>
           </a:p>
           <a:p>
             <a:pPr lvl="4"/>
@@ -545,6 +591,7 @@
           <a:p>
             <a:fld id="{74AC173A-3DA8-4893-B28A-1E15F55C330A}" type="slidenum">
               <a:rPr lang="zh-CN" altLang="en-US" smtClean="0"/>
+              <a:t>‹#›</a:t>
             </a:fld>
             <a:endParaRPr lang="zh-CN" altLang="en-US"/>
           </a:p>
@@ -713,6 +760,7 @@
           <a:p>
             <a:fld id="{74AC173A-3DA8-4893-B28A-1E15F55C330A}" type="slidenum">
               <a:rPr lang="zh-CN" altLang="en-US" smtClean="0"/>
+              <a:t>1</a:t>
             </a:fld>
             <a:endParaRPr lang="zh-CN" altLang="en-US"/>
           </a:p>
@@ -791,6 +839,7 @@
           <a:p>
             <a:fld id="{74AC173A-3DA8-4893-B28A-1E15F55C330A}" type="slidenum">
               <a:rPr lang="zh-CN" altLang="en-US" smtClean="0"/>
+              <a:t>2</a:t>
             </a:fld>
             <a:endParaRPr lang="zh-CN" altLang="en-US"/>
           </a:p>
@@ -869,6 +918,7 @@
           <a:p>
             <a:fld id="{74AC173A-3DA8-4893-B28A-1E15F55C330A}" type="slidenum">
               <a:rPr lang="zh-CN" altLang="en-US" smtClean="0"/>
+              <a:t>31</a:t>
             </a:fld>
             <a:endParaRPr lang="zh-CN" altLang="en-US"/>
           </a:p>
@@ -947,6 +997,7 @@
           <a:p>
             <a:fld id="{74AC173A-3DA8-4893-B28A-1E15F55C330A}" type="slidenum">
               <a:rPr lang="zh-CN" altLang="en-US" smtClean="0"/>
+              <a:t>32</a:t>
             </a:fld>
             <a:endParaRPr lang="zh-CN" altLang="en-US"/>
           </a:p>
@@ -1025,6 +1076,7 @@
           <a:p>
             <a:fld id="{74AC173A-3DA8-4893-B28A-1E15F55C330A}" type="slidenum">
               <a:rPr lang="zh-CN" altLang="en-US" smtClean="0"/>
+              <a:t>33</a:t>
             </a:fld>
             <a:endParaRPr lang="zh-CN" altLang="en-US"/>
           </a:p>
@@ -1236,6 +1288,7 @@
                 <a:latin typeface="微软雅黑" panose="020B0503020204020204" pitchFamily="34" charset="-122"/>
                 <a:ea typeface="微软雅黑" panose="020B0503020204020204" pitchFamily="34" charset="-122"/>
               </a:rPr>
+              <a:t>‹#›</a:t>
             </a:fld>
             <a:r>
               <a:rPr lang="zh-CN" altLang="en-US" sz="1800" dirty="0" smtClean="0">
@@ -2165,6 +2218,7 @@
           <a:p>
             <a:fld id="{530820CF-B880-4189-942D-D702A7CBA730}" type="datetimeFigureOut">
               <a:rPr lang="zh-CN" altLang="en-US" smtClean="0"/>
+              <a:t>2018/10/28</a:t>
             </a:fld>
             <a:endParaRPr lang="zh-CN" altLang="en-US"/>
           </a:p>
@@ -2222,6 +2276,7 @@
           <a:p>
             <a:fld id="{0C913308-F349-4B6D-A68A-DD1791B4A57B}" type="slidenum">
               <a:rPr lang="zh-CN" altLang="en-US" smtClean="0"/>
+              <a:t>‹#›</a:t>
             </a:fld>
             <a:endParaRPr lang="zh-CN" altLang="en-US"/>
           </a:p>
@@ -2280,6 +2335,7 @@
           <a:p>
             <a:fld id="{530820CF-B880-4189-942D-D702A7CBA730}" type="datetimeFigureOut">
               <a:rPr lang="zh-CN" altLang="en-US" smtClean="0"/>
+              <a:t>2018/10/28</a:t>
             </a:fld>
             <a:endParaRPr lang="zh-CN" altLang="en-US"/>
           </a:p>
@@ -2337,6 +2393,7 @@
           <a:p>
             <a:fld id="{0C913308-F349-4B6D-A68A-DD1791B4A57B}" type="slidenum">
               <a:rPr lang="zh-CN" altLang="en-US" smtClean="0"/>
+              <a:t>‹#›</a:t>
             </a:fld>
             <a:endParaRPr lang="zh-CN" altLang="en-US"/>
           </a:p>
@@ -3145,13 +3202,6 @@
               </a:rPr>
               <a:t>图</a:t>
             </a:r>
-            <a:endParaRPr lang="zh-CN" altLang="en-US" sz="5400" dirty="0" smtClean="0">
-              <a:solidFill>
-                <a:srgbClr val="38B1BF"/>
-              </a:solidFill>
-              <a:latin typeface="微软雅黑" panose="020B0503020204020204" pitchFamily="34" charset="-122"/>
-              <a:ea typeface="微软雅黑" panose="020B0503020204020204" pitchFamily="34" charset="-122"/>
-            </a:endParaRPr>
           </a:p>
           <a:p>
             <a:pPr fontAlgn="auto">
@@ -3169,13 +3219,6 @@
               </a:rPr>
               <a:t>用例图，类图，状态机图，通信图，顺序图，部署图</a:t>
             </a:r>
-            <a:endParaRPr lang="zh-CN" altLang="en-US" sz="2000" dirty="0" smtClean="0">
-              <a:solidFill>
-                <a:srgbClr val="38B1BF"/>
-              </a:solidFill>
-              <a:latin typeface="微软雅黑" panose="020B0503020204020204" pitchFamily="34" charset="-122"/>
-              <a:ea typeface="微软雅黑" panose="020B0503020204020204" pitchFamily="34" charset="-122"/>
-            </a:endParaRPr>
           </a:p>
         </p:txBody>
       </p:sp>
@@ -3475,14 +3518,6 @@
               </a:rPr>
               <a:t>浙江大学城市学院</a:t>
             </a:r>
-            <a:endParaRPr lang="zh-CN" altLang="en-US" kern="300" spc="2000">
-              <a:solidFill>
-                <a:schemeClr val="tx1"/>
-              </a:solidFill>
-              <a:uFillTx/>
-              <a:latin typeface="+中文标题" charset="0"/>
-              <a:ea typeface="+mj-ea"/>
-            </a:endParaRPr>
           </a:p>
         </p:txBody>
       </p:sp>
@@ -3491,13 +3526,13 @@
   <p:clrMapOvr>
     <a:masterClrMapping/>
   </p:clrMapOvr>
-  <mc:AlternateContent xmlns:mc="http://schemas.openxmlformats.org/markup-compatibility/2006">
-    <mc:Choice xmlns:p14="http://schemas.microsoft.com/office/powerpoint/2010/main" Requires="p14">
+  <mc:AlternateContent xmlns:mc="http://schemas.openxmlformats.org/markup-compatibility/2006" xmlns:p14="http://schemas.microsoft.com/office/powerpoint/2010/main">
+    <mc:Choice Requires="p14">
       <p:transition spd="slow" p14:dur="1600" advClick="0" advTm="0">
         <p:blinds dir="vert"/>
       </p:transition>
     </mc:Choice>
-    <mc:Fallback>
+    <mc:Fallback xmlns="">
       <p:transition spd="slow" advClick="0" advTm="0">
         <p:blinds dir="vert"/>
       </p:transition>
@@ -4409,7 +4444,6 @@
               <a:rPr lang="en-US" sz="2400" dirty="0"/>
               <a:t>3</a:t>
             </a:r>
-            <a:endParaRPr lang="en-US" sz="2400" dirty="0"/>
           </a:p>
         </p:txBody>
       </p:sp>
@@ -4667,7 +4701,7 @@
           <p:nvPr/>
         </p:nvPicPr>
         <p:blipFill>
-          <a:blip r:embed="rId1"/>
+          <a:blip r:embed="rId2"/>
           <a:stretch>
             <a:fillRect/>
           </a:stretch>
@@ -4691,7 +4725,7 @@
           <p:nvPr/>
         </p:nvPicPr>
         <p:blipFill>
-          <a:blip r:embed="rId2"/>
+          <a:blip r:embed="rId3"/>
           <a:stretch>
             <a:fillRect/>
           </a:stretch>
@@ -4833,7 +4867,6 @@
               <a:rPr lang="en-US" sz="2400" dirty="0"/>
               <a:t>3</a:t>
             </a:r>
-            <a:endParaRPr lang="en-US" sz="2400" dirty="0"/>
           </a:p>
         </p:txBody>
       </p:sp>
@@ -4901,13 +4934,6 @@
               </a:rPr>
               <a:t>类图</a:t>
             </a:r>
-            <a:endParaRPr lang="zh-CN" altLang="en-US" sz="2665" dirty="0">
-              <a:solidFill>
-                <a:srgbClr val="183A5D"/>
-              </a:solidFill>
-              <a:latin typeface="微软雅黑" panose="020B0503020204020204" pitchFamily="34" charset="-122"/>
-              <a:ea typeface="微软雅黑" panose="020B0503020204020204" pitchFamily="34" charset="-122"/>
-            </a:endParaRPr>
           </a:p>
         </p:txBody>
       </p:sp>
@@ -4956,13 +4982,6 @@
                 </a:rPr>
                 <a:t>关联关系</a:t>
               </a:r>
-              <a:endParaRPr lang="zh-CN" altLang="en-US" b="0" i="0" dirty="0">
-                <a:solidFill>
-                  <a:srgbClr val="000000"/>
-                </a:solidFill>
-                <a:effectLst/>
-                <a:latin typeface="Verdana" panose="020B0604030504040204" pitchFamily="34" charset="0"/>
-              </a:endParaRPr>
             </a:p>
             <a:p>
               <a:r>
@@ -4985,13 +5004,6 @@
                 </a:rPr>
                 <a:t>直接使用名称</a:t>
               </a:r>
-              <a:endParaRPr lang="zh-CN" altLang="en-US" b="0" i="0" dirty="0">
-                <a:solidFill>
-                  <a:srgbClr val="000000"/>
-                </a:solidFill>
-                <a:effectLst/>
-                <a:latin typeface="Verdana" panose="020B0604030504040204" pitchFamily="34" charset="0"/>
-              </a:endParaRPr>
             </a:p>
             <a:p>
               <a:r>
@@ -5014,13 +5026,6 @@
                 </a:rPr>
                 <a:t>角色，即玩家可以名为拥有者，英雄可以为被拥有者，学生为学习者，教师为教学者。</a:t>
               </a:r>
-              <a:endParaRPr lang="zh-CN" altLang="en-US" b="0" i="0" dirty="0">
-                <a:solidFill>
-                  <a:srgbClr val="000000"/>
-                </a:solidFill>
-                <a:effectLst/>
-                <a:latin typeface="Verdana" panose="020B0604030504040204" pitchFamily="34" charset="0"/>
-              </a:endParaRPr>
             </a:p>
           </p:txBody>
         </p:sp>
@@ -5141,7 +5146,7 @@
           <p:nvPr/>
         </p:nvPicPr>
         <p:blipFill>
-          <a:blip r:embed="rId1"/>
+          <a:blip r:embed="rId2"/>
           <a:stretch>
             <a:fillRect/>
           </a:stretch>
@@ -5283,7 +5288,6 @@
               <a:rPr lang="en-US" sz="2400" dirty="0"/>
               <a:t>3</a:t>
             </a:r>
-            <a:endParaRPr lang="en-US" sz="2400" dirty="0"/>
           </a:p>
         </p:txBody>
       </p:sp>
@@ -5426,13 +5430,6 @@
                 </a:rPr>
                 <a:t>多重性</a:t>
               </a:r>
-              <a:endParaRPr lang="zh-CN" altLang="en-US" b="0" i="0" dirty="0">
-                <a:solidFill>
-                  <a:srgbClr val="000000"/>
-                </a:solidFill>
-                <a:effectLst/>
-                <a:latin typeface="Verdana" panose="020B0604030504040204" pitchFamily="34" charset="0"/>
-              </a:endParaRPr>
             </a:p>
             <a:p>
               <a:endParaRPr lang="zh-CN" altLang="en-US" b="0" i="0" dirty="0">
@@ -5562,7 +5559,7 @@
           <p:nvPr/>
         </p:nvPicPr>
         <p:blipFill>
-          <a:blip r:embed="rId1"/>
+          <a:blip r:embed="rId2"/>
           <a:stretch>
             <a:fillRect/>
           </a:stretch>
@@ -5704,7 +5701,6 @@
               <a:rPr lang="en-US" sz="2400" dirty="0"/>
               <a:t>3</a:t>
             </a:r>
-            <a:endParaRPr lang="en-US" sz="2400" dirty="0"/>
           </a:p>
         </p:txBody>
       </p:sp>
@@ -5838,13 +5834,6 @@
                 </a:rPr>
                 <a:t>聚合</a:t>
               </a:r>
-              <a:endParaRPr lang="zh-CN" altLang="en-US" b="0" i="0" dirty="0">
-                <a:solidFill>
-                  <a:srgbClr val="000000"/>
-                </a:solidFill>
-                <a:effectLst/>
-                <a:latin typeface="Verdana" panose="020B0604030504040204" pitchFamily="34" charset="0"/>
-              </a:endParaRPr>
             </a:p>
             <a:p>
               <a:endParaRPr lang="zh-CN" altLang="en-US" b="0" i="0" dirty="0">
@@ -5974,7 +5963,7 @@
           <p:nvPr/>
         </p:nvPicPr>
         <p:blipFill>
-          <a:blip r:embed="rId1"/>
+          <a:blip r:embed="rId2"/>
           <a:stretch>
             <a:fillRect/>
           </a:stretch>
@@ -6116,7 +6105,6 @@
               <a:rPr lang="en-US" sz="2400" dirty="0"/>
               <a:t>3</a:t>
             </a:r>
-            <a:endParaRPr lang="en-US" sz="2400" dirty="0"/>
           </a:p>
         </p:txBody>
       </p:sp>
@@ -6259,13 +6247,6 @@
                 </a:rPr>
                 <a:t>组合</a:t>
               </a:r>
-              <a:endParaRPr lang="zh-CN" altLang="en-US" b="0" i="0" dirty="0">
-                <a:solidFill>
-                  <a:srgbClr val="000000"/>
-                </a:solidFill>
-                <a:effectLst/>
-                <a:latin typeface="Verdana" panose="020B0604030504040204" pitchFamily="34" charset="0"/>
-              </a:endParaRPr>
             </a:p>
             <a:p>
               <a:endParaRPr lang="zh-CN" altLang="en-US" b="0" i="0" dirty="0">
@@ -6416,7 +6397,6 @@
               <a:rPr lang="zh-CN" altLang="en-US"/>
               <a:t>一个对象可以被几个其他聚集对象所拥有。如果一个对象只归属于一个聚集对象，那么它和聚集对象之间的关系就称为组合（composition）。例如：“一个学生有一个名字”就是组合关系，“一个学生有一个地址”就是聚集关系，因为一个地址可以被几个学生所共享。</a:t>
             </a:r>
-            <a:endParaRPr lang="zh-CN" altLang="en-US"/>
           </a:p>
           <a:p>
             <a:r>
@@ -6566,7 +6546,6 @@
               <a:rPr lang="en-US" sz="2400" dirty="0"/>
               <a:t>3</a:t>
             </a:r>
-            <a:endParaRPr lang="en-US" sz="2400" dirty="0"/>
           </a:p>
         </p:txBody>
       </p:sp>
@@ -6709,13 +6688,6 @@
                 </a:rPr>
                 <a:t>导航性（单向与双向）</a:t>
               </a:r>
-              <a:endParaRPr lang="zh-CN" altLang="en-US" b="0" i="0" dirty="0">
-                <a:solidFill>
-                  <a:srgbClr val="000000"/>
-                </a:solidFill>
-                <a:effectLst/>
-                <a:latin typeface="Verdana" panose="020B0604030504040204" pitchFamily="34" charset="0"/>
-              </a:endParaRPr>
             </a:p>
             <a:p>
               <a:endParaRPr lang="zh-CN" altLang="en-US" b="0" i="0" dirty="0">
@@ -6845,7 +6817,7 @@
           <p:nvPr/>
         </p:nvPicPr>
         <p:blipFill>
-          <a:blip r:embed="rId1"/>
+          <a:blip r:embed="rId2"/>
           <a:stretch>
             <a:fillRect/>
           </a:stretch>
@@ -6869,7 +6841,7 @@
           <p:nvPr/>
         </p:nvPicPr>
         <p:blipFill>
-          <a:blip r:embed="rId2"/>
+          <a:blip r:embed="rId3"/>
           <a:stretch>
             <a:fillRect/>
           </a:stretch>
@@ -7011,7 +6983,6 @@
               <a:rPr lang="en-US" sz="2400" dirty="0"/>
               <a:t>3</a:t>
             </a:r>
-            <a:endParaRPr lang="en-US" sz="2400" dirty="0"/>
           </a:p>
         </p:txBody>
       </p:sp>
@@ -7154,13 +7125,6 @@
                 </a:rPr>
                 <a:t>关联类</a:t>
               </a:r>
-              <a:endParaRPr lang="zh-CN" altLang="en-US" b="0" i="0" dirty="0">
-                <a:solidFill>
-                  <a:srgbClr val="000000"/>
-                </a:solidFill>
-                <a:effectLst/>
-                <a:latin typeface="Verdana" panose="020B0604030504040204" pitchFamily="34" charset="0"/>
-              </a:endParaRPr>
             </a:p>
             <a:p>
               <a:endParaRPr lang="zh-CN" altLang="en-US" b="0" i="0" dirty="0">
@@ -7290,7 +7254,7 @@
           <p:nvPr/>
         </p:nvPicPr>
         <p:blipFill>
-          <a:blip r:embed="rId1"/>
+          <a:blip r:embed="rId2"/>
           <a:stretch>
             <a:fillRect/>
           </a:stretch>
@@ -7432,7 +7396,6 @@
               <a:rPr lang="en-US" sz="2400" dirty="0"/>
               <a:t>3</a:t>
             </a:r>
-            <a:endParaRPr lang="en-US" sz="2400" dirty="0"/>
           </a:p>
         </p:txBody>
       </p:sp>
@@ -7575,13 +7538,6 @@
                 </a:rPr>
                 <a:t>约束</a:t>
               </a:r>
-              <a:endParaRPr lang="zh-CN" altLang="en-US" b="0" i="0" dirty="0">
-                <a:solidFill>
-                  <a:srgbClr val="000000"/>
-                </a:solidFill>
-                <a:effectLst/>
-                <a:latin typeface="Verdana" panose="020B0604030504040204" pitchFamily="34" charset="0"/>
-              </a:endParaRPr>
             </a:p>
             <a:p>
               <a:endParaRPr lang="zh-CN" altLang="en-US" b="0" i="0" dirty="0">
@@ -7711,7 +7667,7 @@
           <p:nvPr/>
         </p:nvPicPr>
         <p:blipFill>
-          <a:blip r:embed="rId1"/>
+          <a:blip r:embed="rId2"/>
           <a:stretch>
             <a:fillRect/>
           </a:stretch>
@@ -7853,7 +7809,6 @@
               <a:rPr lang="en-US" sz="2400" dirty="0"/>
               <a:t>3</a:t>
             </a:r>
-            <a:endParaRPr lang="en-US" sz="2400" dirty="0"/>
           </a:p>
         </p:txBody>
       </p:sp>
@@ -7996,13 +7951,6 @@
                 </a:rPr>
                 <a:t>实现关系</a:t>
               </a:r>
-              <a:endParaRPr lang="zh-CN" altLang="en-US" b="0" i="0" dirty="0">
-                <a:solidFill>
-                  <a:srgbClr val="000000"/>
-                </a:solidFill>
-                <a:effectLst/>
-                <a:latin typeface="Verdana" panose="020B0604030504040204" pitchFamily="34" charset="0"/>
-              </a:endParaRPr>
             </a:p>
             <a:p>
               <a:endParaRPr lang="zh-CN" altLang="en-US" b="0" i="0" dirty="0">
@@ -8132,7 +8080,7 @@
           <p:nvPr/>
         </p:nvPicPr>
         <p:blipFill>
-          <a:blip r:embed="rId1"/>
+          <a:blip r:embed="rId2"/>
           <a:stretch>
             <a:fillRect/>
           </a:stretch>
@@ -8550,7 +8498,6 @@
               <a:rPr lang="zh-CN" altLang="en-US" dirty="0"/>
               <a:t>顺序图是用来描述对象自身及对象间信息传递顺序的视图。它用来表示用例中的行为顺序。当执行一个用例行为时，顺序图中的每条消息对应了一个类操作或状态机中引起转换的触发事件。它着重显示了参与相互作用的对象和所交换消息的顺序。</a:t>
             </a:r>
-            <a:endParaRPr lang="zh-CN" altLang="en-US" dirty="0"/>
           </a:p>
           <a:p>
             <a:pPr indent="457200"/>
@@ -8570,7 +8517,6 @@
               <a:rPr lang="zh-CN" altLang="en-US" dirty="0"/>
               <a:t>个标记符：对象、生命线、消息和激活。</a:t>
             </a:r>
-            <a:endParaRPr lang="zh-CN" altLang="en-US" dirty="0"/>
           </a:p>
         </p:txBody>
       </p:sp>
@@ -8583,7 +8529,7 @@
           <p:nvPr/>
         </p:nvPicPr>
         <p:blipFill>
-          <a:blip r:embed="rId1">
+          <a:blip r:embed="rId2">
             <a:extLst>
               <a:ext uri="{28A0092B-C50C-407E-A947-70E740481C1C}">
                 <a14:useLocalDpi xmlns:a14="http://schemas.microsoft.com/office/drawing/2010/main" val="0"/>
@@ -10561,13 +10507,13 @@
   <p:clrMapOvr>
     <a:masterClrMapping/>
   </p:clrMapOvr>
-  <mc:AlternateContent xmlns:mc="http://schemas.openxmlformats.org/markup-compatibility/2006">
-    <mc:Choice xmlns:p14="http://schemas.microsoft.com/office/powerpoint/2010/main" Requires="p14">
+  <mc:AlternateContent xmlns:mc="http://schemas.openxmlformats.org/markup-compatibility/2006" xmlns:p14="http://schemas.microsoft.com/office/powerpoint/2010/main">
+    <mc:Choice Requires="p14">
       <p:transition spd="slow" p14:dur="1200" advClick="0" advTm="0">
         <p14:prism/>
       </p:transition>
     </mc:Choice>
-    <mc:Fallback>
+    <mc:Fallback xmlns="">
       <p:transition spd="slow" advClick="0" advTm="0">
         <p:fade/>
       </p:transition>
@@ -12523,7 +12469,7 @@
           <p:nvPr/>
         </p:nvPicPr>
         <p:blipFill>
-          <a:blip r:embed="rId1">
+          <a:blip r:embed="rId2">
             <a:extLst>
               <a:ext uri="{28A0092B-C50C-407E-A947-70E740481C1C}">
                 <a14:useLocalDpi xmlns:a14="http://schemas.microsoft.com/office/drawing/2010/main" val="0"/>
@@ -12974,7 +12920,6 @@
               <a:rPr lang="zh-CN" altLang="en-US" dirty="0"/>
               <a:t>对象是特定行为与属性的集合。</a:t>
             </a:r>
-            <a:endParaRPr lang="zh-CN" altLang="en-US" dirty="0"/>
           </a:p>
           <a:p>
             <a:pPr>
@@ -12986,7 +12931,6 @@
               <a:rPr lang="zh-CN" altLang="en-US" dirty="0"/>
               <a:t>对象的表示方式有三种：</a:t>
             </a:r>
-            <a:endParaRPr lang="zh-CN" altLang="en-US" dirty="0"/>
           </a:p>
           <a:p>
             <a:pPr>
@@ -13042,7 +12986,6 @@
               <a:rPr lang="zh-CN" altLang="en-US" dirty="0"/>
               <a:t>只有对象名</a:t>
             </a:r>
-            <a:endParaRPr lang="zh-CN" altLang="en-US" dirty="0"/>
           </a:p>
         </p:txBody>
       </p:sp>
@@ -13055,7 +12998,7 @@
           <p:nvPr/>
         </p:nvPicPr>
         <p:blipFill>
-          <a:blip r:embed="rId1">
+          <a:blip r:embed="rId2">
             <a:extLst>
               <a:ext uri="{28A0092B-C50C-407E-A947-70E740481C1C}">
                 <a14:useLocalDpi xmlns:a14="http://schemas.microsoft.com/office/drawing/2010/main" val="0"/>
@@ -13630,11 +13573,6 @@
                   </a:rPr>
                   <a:t>激活</a:t>
                 </a:r>
-                <a:endParaRPr lang="zh-CN" altLang="en-US" sz="1350" dirty="0">
-                  <a:solidFill>
-                    <a:prstClr val="white"/>
-                  </a:solidFill>
-                </a:endParaRPr>
               </a:p>
             </p:txBody>
           </p:sp>
@@ -13666,7 +13604,6 @@
               <a:rPr lang="zh-CN" altLang="en-US" dirty="0"/>
               <a:t>生命线用于描述对象的存在周期，对象下方的虚线就是改对象的生命线。</a:t>
             </a:r>
-            <a:endParaRPr lang="zh-CN" altLang="en-US" dirty="0"/>
           </a:p>
         </p:txBody>
       </p:sp>
@@ -13679,7 +13616,7 @@
           <p:nvPr/>
         </p:nvPicPr>
         <p:blipFill>
-          <a:blip r:embed="rId1">
+          <a:blip r:embed="rId2">
             <a:extLst>
               <a:ext uri="{28A0092B-C50C-407E-A947-70E740481C1C}">
                 <a14:useLocalDpi xmlns:a14="http://schemas.microsoft.com/office/drawing/2010/main" val="0"/>
@@ -13733,7 +13670,7 @@
           <p:nvPr/>
         </p:nvPicPr>
         <p:blipFill>
-          <a:blip r:embed="rId2">
+          <a:blip r:embed="rId3">
             <a:extLst>
               <a:ext uri="{28A0092B-C50C-407E-A947-70E740481C1C}">
                 <a14:useLocalDpi xmlns:a14="http://schemas.microsoft.com/office/drawing/2010/main" val="0"/>
@@ -13804,7 +13741,6 @@
               <a:rPr lang="zh-CN" altLang="en-US" dirty="0"/>
               <a:t>控制焦点是指活动者或对象处于执行状态的时间段。</a:t>
             </a:r>
-            <a:endParaRPr lang="zh-CN" altLang="en-US" dirty="0"/>
           </a:p>
         </p:txBody>
       </p:sp>
@@ -14183,11 +14119,6 @@
                   </a:rPr>
                   <a:t>消息</a:t>
                 </a:r>
-                <a:endParaRPr lang="zh-CN" altLang="en-US" sz="1350" dirty="0">
-                  <a:solidFill>
-                    <a:prstClr val="white"/>
-                  </a:solidFill>
-                </a:endParaRPr>
               </a:p>
             </p:txBody>
           </p:sp>
@@ -14274,7 +14205,6 @@
               <a:rPr lang="zh-CN" altLang="en-US" sz="1600" dirty="0"/>
               <a:t>异步消息：一个对象向另一个对象发出异步消息后，这个对象可以进行其他的操作，不需要等到另一个对象的响应。</a:t>
             </a:r>
-            <a:endParaRPr lang="zh-CN" altLang="en-US" sz="1600" dirty="0"/>
           </a:p>
           <a:p>
             <a:r>
@@ -14299,7 +14229,6 @@
               <a:rPr lang="zh-CN" altLang="en-US" sz="1600" dirty="0"/>
               <a:t>返回消息：同步消息的返回消息</a:t>
             </a:r>
-            <a:endParaRPr lang="zh-CN" altLang="en-US" sz="1600" dirty="0"/>
           </a:p>
           <a:p>
             <a:r>
@@ -14355,7 +14284,7 @@
           <p:nvPr/>
         </p:nvPicPr>
         <p:blipFill>
-          <a:blip r:embed="rId1">
+          <a:blip r:embed="rId2">
             <a:extLst>
               <a:ext uri="{28A0092B-C50C-407E-A947-70E740481C1C}">
                 <a14:useLocalDpi xmlns:a14="http://schemas.microsoft.com/office/drawing/2010/main" val="0"/>
@@ -14409,7 +14338,7 @@
           <p:nvPr/>
         </p:nvPicPr>
         <p:blipFill>
-          <a:blip r:embed="rId2">
+          <a:blip r:embed="rId3">
             <a:extLst>
               <a:ext uri="{28A0092B-C50C-407E-A947-70E740481C1C}">
                 <a14:useLocalDpi xmlns:a14="http://schemas.microsoft.com/office/drawing/2010/main" val="0"/>
@@ -14463,7 +14392,7 @@
           <p:nvPr/>
         </p:nvPicPr>
         <p:blipFill>
-          <a:blip r:embed="rId3">
+          <a:blip r:embed="rId4">
             <a:extLst>
               <a:ext uri="{28A0092B-C50C-407E-A947-70E740481C1C}">
                 <a14:useLocalDpi xmlns:a14="http://schemas.microsoft.com/office/drawing/2010/main" val="0"/>
@@ -14517,7 +14446,7 @@
           <p:nvPr/>
         </p:nvPicPr>
         <p:blipFill>
-          <a:blip r:embed="rId4">
+          <a:blip r:embed="rId5">
             <a:extLst>
               <a:ext uri="{28A0092B-C50C-407E-A947-70E740481C1C}">
                 <a14:useLocalDpi xmlns:a14="http://schemas.microsoft.com/office/drawing/2010/main" val="0"/>
@@ -14948,7 +14877,7 @@
           <p:nvPr/>
         </p:nvPicPr>
         <p:blipFill>
-          <a:blip r:embed="rId1">
+          <a:blip r:embed="rId2">
             <a:extLst>
               <a:ext uri="{28A0092B-C50C-407E-A947-70E740481C1C}">
                 <a14:useLocalDpi xmlns:a14="http://schemas.microsoft.com/office/drawing/2010/main" val="0"/>
@@ -15006,7 +14935,6 @@
               <a:rPr lang="zh-CN" altLang="en-US" dirty="0"/>
               <a:t>画顺序图的步骤：</a:t>
             </a:r>
-            <a:endParaRPr lang="zh-CN" altLang="en-US" dirty="0"/>
           </a:p>
           <a:p>
             <a:endParaRPr lang="zh-CN" altLang="en-US" dirty="0"/>
@@ -15020,7 +14948,6 @@
               <a:rPr lang="zh-CN" altLang="en-US" dirty="0"/>
               <a:t>确定交互的范围</a:t>
             </a:r>
-            <a:endParaRPr lang="zh-CN" altLang="en-US" dirty="0"/>
           </a:p>
           <a:p>
             <a:endParaRPr lang="zh-CN" altLang="en-US" dirty="0"/>
@@ -15034,7 +14961,6 @@
               <a:rPr lang="zh-CN" altLang="en-US" dirty="0"/>
               <a:t>确定参与交互的活动者与对象</a:t>
             </a:r>
-            <a:endParaRPr lang="zh-CN" altLang="en-US" dirty="0"/>
           </a:p>
           <a:p>
             <a:endParaRPr lang="zh-CN" altLang="en-US" dirty="0"/>
@@ -15048,7 +14974,6 @@
               <a:rPr lang="zh-CN" altLang="en-US" dirty="0"/>
               <a:t>确定活动者、对象的生存周期</a:t>
             </a:r>
-            <a:endParaRPr lang="zh-CN" altLang="en-US" dirty="0"/>
           </a:p>
           <a:p>
             <a:endParaRPr lang="zh-CN" altLang="en-US" dirty="0"/>
@@ -15062,7 +14987,6 @@
               <a:rPr lang="zh-CN" altLang="en-US" dirty="0"/>
               <a:t>确定交互中产生的消息</a:t>
             </a:r>
-            <a:endParaRPr lang="zh-CN" altLang="en-US" dirty="0"/>
           </a:p>
           <a:p>
             <a:endParaRPr lang="zh-CN" altLang="en-US" dirty="0"/>
@@ -15076,7 +15000,6 @@
               <a:rPr lang="zh-CN" altLang="en-US" dirty="0"/>
               <a:t>细化消息的内容</a:t>
             </a:r>
-            <a:endParaRPr lang="zh-CN" altLang="en-US" dirty="0"/>
           </a:p>
         </p:txBody>
       </p:sp>
@@ -15207,7 +15130,6 @@
               <a:rPr lang="en-US" sz="2400" dirty="0"/>
               <a:t>6</a:t>
             </a:r>
-            <a:endParaRPr lang="en-US" sz="2400" dirty="0"/>
           </a:p>
         </p:txBody>
       </p:sp>
@@ -15275,13 +15197,6 @@
               </a:rPr>
               <a:t>通信图</a:t>
             </a:r>
-            <a:endParaRPr lang="zh-CN" altLang="zh-CN" sz="2665" dirty="0">
-              <a:solidFill>
-                <a:srgbClr val="183A5D"/>
-              </a:solidFill>
-              <a:latin typeface="微软雅黑" panose="020B0503020204020204" pitchFamily="34" charset="-122"/>
-              <a:ea typeface="微软雅黑" panose="020B0503020204020204" pitchFamily="34" charset="-122"/>
-            </a:endParaRPr>
           </a:p>
         </p:txBody>
       </p:sp>
@@ -15367,13 +15282,6 @@
                 </a:rPr>
                 <a:t>	</a:t>
               </a:r>
-              <a:endParaRPr lang="en-US" altLang="zh-CN" b="0" i="0" dirty="0">
-                <a:solidFill>
-                  <a:schemeClr val="accent4"/>
-                </a:solidFill>
-                <a:effectLst/>
-                <a:latin typeface="Verdana" panose="020B0604030504040204" pitchFamily="34" charset="0"/>
-              </a:endParaRPr>
             </a:p>
             <a:p>
               <a:endParaRPr lang="en-US" altLang="zh-CN" b="0" i="0" dirty="0">
@@ -15503,7 +15411,7 @@
           <p:nvPr/>
         </p:nvPicPr>
         <p:blipFill>
-          <a:blip r:embed="rId1"/>
+          <a:blip r:embed="rId2"/>
           <a:stretch>
             <a:fillRect/>
           </a:stretch>
@@ -15645,7 +15553,6 @@
               <a:rPr lang="en-US" sz="2400" dirty="0"/>
               <a:t>6</a:t>
             </a:r>
-            <a:endParaRPr lang="en-US" sz="2400" dirty="0"/>
           </a:p>
         </p:txBody>
       </p:sp>
@@ -15713,13 +15620,6 @@
               </a:rPr>
               <a:t>通信图</a:t>
             </a:r>
-            <a:endParaRPr lang="zh-CN" altLang="zh-CN" sz="2665" dirty="0">
-              <a:solidFill>
-                <a:srgbClr val="183A5D"/>
-              </a:solidFill>
-              <a:latin typeface="微软雅黑" panose="020B0503020204020204" pitchFamily="34" charset="-122"/>
-              <a:ea typeface="微软雅黑" panose="020B0503020204020204" pitchFamily="34" charset="-122"/>
-            </a:endParaRPr>
           </a:p>
         </p:txBody>
       </p:sp>
@@ -15774,7 +15674,6 @@
                 <a:rPr dirty="0"/>
                 <a:t>。</a:t>
               </a:r>
-              <a:endParaRPr dirty="0"/>
             </a:p>
             <a:p>
               <a:endParaRPr dirty="0"/>
@@ -15830,7 +15729,6 @@
                 <a:rPr dirty="0"/>
                 <a:t>，但时间次序必须从顺序号来获得。</a:t>
               </a:r>
-              <a:endParaRPr dirty="0"/>
             </a:p>
             <a:p>
               <a:endParaRPr dirty="0"/>
@@ -15867,7 +15765,6 @@
                 <a:rPr dirty="0"/>
                 <a:t>。</a:t>
               </a:r>
-              <a:endParaRPr dirty="0"/>
             </a:p>
             <a:p>
               <a:endParaRPr dirty="0"/>
@@ -15891,13 +15788,6 @@
                 </a:rPr>
                 <a:t>	</a:t>
               </a:r>
-              <a:endParaRPr lang="en-US" altLang="zh-CN" b="0" i="0" dirty="0">
-                <a:solidFill>
-                  <a:schemeClr val="accent4"/>
-                </a:solidFill>
-                <a:effectLst/>
-                <a:latin typeface="Verdana" panose="020B0604030504040204" pitchFamily="34" charset="0"/>
-              </a:endParaRPr>
             </a:p>
             <a:p>
               <a:endParaRPr lang="en-US" altLang="zh-CN" b="0" i="0" dirty="0">
@@ -16027,7 +15917,7 @@
           <p:nvPr/>
         </p:nvPicPr>
         <p:blipFill>
-          <a:blip r:embed="rId1"/>
+          <a:blip r:embed="rId2"/>
           <a:stretch>
             <a:fillRect/>
           </a:stretch>
@@ -16169,7 +16059,6 @@
               <a:rPr lang="en-US" sz="2400" dirty="0"/>
               <a:t>6</a:t>
             </a:r>
-            <a:endParaRPr lang="en-US" sz="2400" dirty="0"/>
           </a:p>
         </p:txBody>
       </p:sp>
@@ -16237,13 +16126,6 @@
               </a:rPr>
               <a:t>通信图</a:t>
             </a:r>
-            <a:endParaRPr lang="zh-CN" sz="2665" dirty="0">
-              <a:solidFill>
-                <a:srgbClr val="183A5D"/>
-              </a:solidFill>
-              <a:latin typeface="微软雅黑" panose="020B0503020204020204" pitchFamily="34" charset="-122"/>
-              <a:ea typeface="微软雅黑" panose="020B0503020204020204" pitchFamily="34" charset="-122"/>
-            </a:endParaRPr>
           </a:p>
         </p:txBody>
       </p:sp>
@@ -16363,7 +16245,7 @@
           <p:nvPr/>
         </p:nvPicPr>
         <p:blipFill>
-          <a:blip r:embed="rId1"/>
+          <a:blip r:embed="rId2"/>
           <a:stretch>
             <a:fillRect/>
           </a:stretch>
@@ -16437,7 +16319,6 @@
               <a:rPr lang="zh-CN" altLang="en-US"/>
               <a:t>1，通信图由以下基本元素组成：执行者(Actor)、对象(Object)、连接(Link，也称为链)、消息(Message)和守护条件(Condition)。</a:t>
             </a:r>
-            <a:endParaRPr lang="zh-CN" altLang="en-US"/>
           </a:p>
           <a:p>
             <a:endParaRPr lang="zh-CN" altLang="en-US"/>
@@ -16447,7 +16328,6 @@
               <a:rPr lang="zh-CN" altLang="en-US"/>
               <a:t>2，在UML中，使用实线表示两个对象之间的连接；通信图中的消息，由在连接上方的带有标记的箭头表示，同时可以用数字注明消息的次序。</a:t>
             </a:r>
-            <a:endParaRPr lang="zh-CN" altLang="en-US"/>
           </a:p>
         </p:txBody>
       </p:sp>
@@ -16491,7 +16371,6 @@
               <a:rPr lang="zh-CN" altLang="en-US"/>
               <a:t>连接</a:t>
             </a:r>
-            <a:endParaRPr lang="zh-CN" altLang="en-US"/>
           </a:p>
         </p:txBody>
       </p:sp>
@@ -16568,7 +16447,6 @@
               <a:rPr lang="zh-CN" altLang="en-US"/>
               <a:t>执行者</a:t>
             </a:r>
-            <a:endParaRPr lang="zh-CN" altLang="en-US"/>
           </a:p>
         </p:txBody>
       </p:sp>
@@ -16645,7 +16523,6 @@
               <a:rPr lang="zh-CN" altLang="en-US"/>
               <a:t>消息</a:t>
             </a:r>
-            <a:endParaRPr lang="zh-CN" altLang="en-US"/>
           </a:p>
         </p:txBody>
       </p:sp>
@@ -16722,7 +16599,6 @@
               <a:rPr lang="zh-CN" altLang="en-US"/>
               <a:t>对象</a:t>
             </a:r>
-            <a:endParaRPr lang="zh-CN" altLang="en-US"/>
           </a:p>
         </p:txBody>
       </p:sp>
@@ -16886,7 +16762,6 @@
               <a:rPr lang="en-US" sz="2400" dirty="0"/>
               <a:t>6</a:t>
             </a:r>
-            <a:endParaRPr lang="en-US" sz="2400" dirty="0"/>
           </a:p>
         </p:txBody>
       </p:sp>
@@ -17008,12 +16883,6 @@
                 </a:rPr>
                 <a:t>绘画技巧：</a:t>
               </a:r>
-              <a:endParaRPr lang="zh-CN" dirty="0">
-                <a:solidFill>
-                  <a:srgbClr val="000000"/>
-                </a:solidFill>
-                <a:latin typeface="Verdana" panose="020B0604030504040204" pitchFamily="34" charset="0"/>
-              </a:endParaRPr>
             </a:p>
             <a:p>
               <a:r>
@@ -17052,13 +16921,6 @@
                 </a:rPr>
                 <a:t>；</a:t>
               </a:r>
-              <a:endParaRPr lang="zh-CN" altLang="en-US" b="0" i="0" dirty="0">
-                <a:solidFill>
-                  <a:srgbClr val="000000"/>
-                </a:solidFill>
-                <a:effectLst/>
-                <a:latin typeface="Verdana" panose="020B0604030504040204" pitchFamily="34" charset="0"/>
-              </a:endParaRPr>
             </a:p>
             <a:p>
               <a:endParaRPr lang="zh-CN" altLang="en-US" b="0" i="0" dirty="0">
@@ -17106,13 +16968,6 @@
                 </a:rPr>
                 <a:t>，因此无法显式表示对象的创建和销毁；</a:t>
               </a:r>
-              <a:endParaRPr lang="zh-CN" altLang="en-US" b="0" i="0" dirty="0">
-                <a:solidFill>
-                  <a:srgbClr val="000000"/>
-                </a:solidFill>
-                <a:effectLst/>
-                <a:latin typeface="Verdana" panose="020B0604030504040204" pitchFamily="34" charset="0"/>
-              </a:endParaRPr>
             </a:p>
             <a:p>
               <a:endParaRPr lang="zh-CN" altLang="en-US" b="0" i="0" dirty="0">
@@ -17160,13 +17015,6 @@
                 </a:rPr>
                 <a:t>，用于说明交互过程中消息的时间顺序；</a:t>
               </a:r>
-              <a:endParaRPr lang="zh-CN" altLang="en-US" b="0" i="0" dirty="0">
-                <a:solidFill>
-                  <a:srgbClr val="000000"/>
-                </a:solidFill>
-                <a:effectLst/>
-                <a:latin typeface="Verdana" panose="020B0604030504040204" pitchFamily="34" charset="0"/>
-              </a:endParaRPr>
             </a:p>
             <a:p>
               <a:endParaRPr lang="zh-CN" altLang="en-US" b="0" i="0" dirty="0">
@@ -17214,13 +17062,6 @@
                 </a:rPr>
                 <a:t>，即强调参与交互的对象的组织。</a:t>
               </a:r>
-              <a:endParaRPr lang="zh-CN" altLang="en-US" b="0" i="0" dirty="0">
-                <a:solidFill>
-                  <a:srgbClr val="000000"/>
-                </a:solidFill>
-                <a:effectLst/>
-                <a:latin typeface="Verdana" panose="020B0604030504040204" pitchFamily="34" charset="0"/>
-              </a:endParaRPr>
             </a:p>
             <a:p>
               <a:endParaRPr lang="zh-CN" altLang="en-US" b="0" i="0" dirty="0">
@@ -17378,6 +17219,1167 @@
       </p:grpSpPr>
       <p:sp>
         <p:nvSpPr>
+          <p:cNvPr id="2" name="矩形 1"/>
+          <p:cNvSpPr/>
+          <p:nvPr/>
+        </p:nvSpPr>
+        <p:spPr>
+          <a:xfrm>
+            <a:off x="237030" y="1171"/>
+            <a:ext cx="1608415" cy="135446"/>
+          </a:xfrm>
+          <a:prstGeom prst="rect">
+            <a:avLst/>
+          </a:prstGeom>
+          <a:solidFill>
+            <a:srgbClr val="183A5D"/>
+          </a:solidFill>
+          <a:ln>
+            <a:noFill/>
+          </a:ln>
+        </p:spPr>
+        <p:style>
+          <a:lnRef idx="2">
+            <a:schemeClr val="accent1">
+              <a:shade val="50000"/>
+            </a:schemeClr>
+          </a:lnRef>
+          <a:fillRef idx="1">
+            <a:schemeClr val="accent1"/>
+          </a:fillRef>
+          <a:effectRef idx="0">
+            <a:schemeClr val="accent1"/>
+          </a:effectRef>
+          <a:fontRef idx="minor">
+            <a:schemeClr val="lt1"/>
+          </a:fontRef>
+        </p:style>
+        <p:txBody>
+          <a:bodyPr rtlCol="0" anchor="ctr"/>
+          <a:lstStyle/>
+          <a:p>
+            <a:pPr algn="ctr"/>
+            <a:endParaRPr lang="zh-CN" altLang="en-US" sz="2800"/>
+          </a:p>
+        </p:txBody>
+      </p:sp>
+      <p:sp>
+        <p:nvSpPr>
+          <p:cNvPr id="3" name="矩形 2"/>
+          <p:cNvSpPr/>
+          <p:nvPr/>
+        </p:nvSpPr>
+        <p:spPr>
+          <a:xfrm>
+            <a:off x="237030" y="255131"/>
+            <a:ext cx="1608415" cy="406336"/>
+          </a:xfrm>
+          <a:prstGeom prst="rect">
+            <a:avLst/>
+          </a:prstGeom>
+          <a:solidFill>
+            <a:srgbClr val="183A5D"/>
+          </a:solidFill>
+          <a:ln>
+            <a:noFill/>
+          </a:ln>
+        </p:spPr>
+        <p:style>
+          <a:lnRef idx="2">
+            <a:schemeClr val="accent1">
+              <a:shade val="50000"/>
+            </a:schemeClr>
+          </a:lnRef>
+          <a:fillRef idx="1">
+            <a:schemeClr val="accent1"/>
+          </a:fillRef>
+          <a:effectRef idx="0">
+            <a:schemeClr val="accent1"/>
+          </a:effectRef>
+          <a:fontRef idx="minor">
+            <a:schemeClr val="lt1"/>
+          </a:fontRef>
+        </p:style>
+        <p:txBody>
+          <a:bodyPr rtlCol="0" anchor="ctr"/>
+          <a:lstStyle/>
+          <a:p>
+            <a:pPr algn="ctr"/>
+            <a:r>
+              <a:rPr lang="en-US" sz="2400" dirty="0"/>
+              <a:t>7</a:t>
+            </a:r>
+            <a:endParaRPr lang="en-US" sz="2400" dirty="0"/>
+          </a:p>
+        </p:txBody>
+      </p:sp>
+      <p:sp>
+        <p:nvSpPr>
+          <p:cNvPr id="4" name="文本框 3"/>
+          <p:cNvSpPr txBox="1"/>
+          <p:nvPr/>
+        </p:nvSpPr>
+        <p:spPr>
+          <a:xfrm>
+            <a:off x="2236548" y="136356"/>
+            <a:ext cx="6052718" cy="501650"/>
+          </a:xfrm>
+          <a:prstGeom prst="rect">
+            <a:avLst/>
+          </a:prstGeom>
+          <a:noFill/>
+        </p:spPr>
+        <p:txBody>
+          <a:bodyPr wrap="square" rtlCol="0">
+            <a:spAutoFit/>
+          </a:bodyPr>
+          <a:lstStyle/>
+          <a:p>
+            <a:endParaRPr lang="zh-CN" sz="2665" dirty="0">
+              <a:solidFill>
+                <a:srgbClr val="183A5D"/>
+              </a:solidFill>
+              <a:latin typeface="微软雅黑" panose="020B0503020204020204" pitchFamily="34" charset="-122"/>
+              <a:ea typeface="微软雅黑" panose="020B0503020204020204" pitchFamily="34" charset="-122"/>
+            </a:endParaRPr>
+          </a:p>
+        </p:txBody>
+      </p:sp>
+      <p:sp>
+        <p:nvSpPr>
+          <p:cNvPr id="6" name="文本框 5"/>
+          <p:cNvSpPr txBox="1"/>
+          <p:nvPr/>
+        </p:nvSpPr>
+        <p:spPr>
+          <a:xfrm>
+            <a:off x="2134766" y="159817"/>
+            <a:ext cx="6052718" cy="501650"/>
+          </a:xfrm>
+          <a:prstGeom prst="rect">
+            <a:avLst/>
+          </a:prstGeom>
+          <a:noFill/>
+        </p:spPr>
+        <p:txBody>
+          <a:bodyPr wrap="square" rtlCol="0">
+            <a:spAutoFit/>
+          </a:bodyPr>
+          <a:lstStyle/>
+          <a:p>
+            <a:r>
+              <a:rPr lang="zh-CN" altLang="en-US" sz="2665" dirty="0" smtClean="0">
+                <a:solidFill>
+                  <a:srgbClr val="183A5D"/>
+                </a:solidFill>
+                <a:latin typeface="微软雅黑" panose="020B0503020204020204" pitchFamily="34" charset="-122"/>
+                <a:ea typeface="微软雅黑" panose="020B0503020204020204" pitchFamily="34" charset="-122"/>
+              </a:rPr>
+              <a:t>部署图</a:t>
+            </a:r>
+            <a:endParaRPr lang="zh-CN" sz="2665" dirty="0">
+              <a:solidFill>
+                <a:srgbClr val="183A5D"/>
+              </a:solidFill>
+              <a:latin typeface="微软雅黑" panose="020B0503020204020204" pitchFamily="34" charset="-122"/>
+              <a:ea typeface="微软雅黑" panose="020B0503020204020204" pitchFamily="34" charset="-122"/>
+            </a:endParaRPr>
+          </a:p>
+        </p:txBody>
+      </p:sp>
+      <p:grpSp>
+        <p:nvGrpSpPr>
+          <p:cNvPr id="10" name="组合 9"/>
+          <p:cNvGrpSpPr/>
+          <p:nvPr/>
+        </p:nvGrpSpPr>
+        <p:grpSpPr>
+          <a:xfrm>
+            <a:off x="236855" y="1269365"/>
+            <a:ext cx="9032240" cy="4896485"/>
+            <a:chOff x="1285643" y="1772435"/>
+            <a:chExt cx="7135479" cy="3572664"/>
+          </a:xfrm>
+        </p:grpSpPr>
+        <p:sp>
+          <p:nvSpPr>
+            <p:cNvPr id="11" name="矩形 10"/>
+            <p:cNvSpPr/>
+            <p:nvPr/>
+          </p:nvSpPr>
+          <p:spPr>
+            <a:xfrm>
+              <a:off x="1285644" y="2104682"/>
+              <a:ext cx="7135478" cy="3240417"/>
+            </a:xfrm>
+            <a:prstGeom prst="rect">
+              <a:avLst/>
+            </a:prstGeom>
+            <a:noFill/>
+            <a:ln w="12700">
+              <a:solidFill>
+                <a:srgbClr val="346182"/>
+              </a:solidFill>
+            </a:ln>
+          </p:spPr>
+          <p:style>
+            <a:lnRef idx="2">
+              <a:schemeClr val="accent1">
+                <a:shade val="50000"/>
+              </a:schemeClr>
+            </a:lnRef>
+            <a:fillRef idx="1">
+              <a:schemeClr val="accent1"/>
+            </a:fillRef>
+            <a:effectRef idx="0">
+              <a:schemeClr val="accent1"/>
+            </a:effectRef>
+            <a:fontRef idx="minor">
+              <a:schemeClr val="lt1"/>
+            </a:fontRef>
+          </p:style>
+          <p:txBody>
+            <a:bodyPr rtlCol="0" anchor="ctr"/>
+            <a:lstStyle/>
+            <a:p>
+              <a:pPr algn="ctr"/>
+              <a:endParaRPr lang="zh-CN" altLang="en-US" sz="1350"/>
+            </a:p>
+          </p:txBody>
+        </p:sp>
+        <p:sp>
+          <p:nvSpPr>
+            <p:cNvPr id="12" name="矩形 11"/>
+            <p:cNvSpPr/>
+            <p:nvPr/>
+          </p:nvSpPr>
+          <p:spPr>
+            <a:xfrm>
+              <a:off x="1285643" y="1772435"/>
+              <a:ext cx="2114216" cy="338554"/>
+            </a:xfrm>
+            <a:prstGeom prst="rect">
+              <a:avLst/>
+            </a:prstGeom>
+            <a:solidFill>
+              <a:srgbClr val="183A5D"/>
+            </a:solidFill>
+            <a:ln>
+              <a:noFill/>
+            </a:ln>
+          </p:spPr>
+          <p:style>
+            <a:lnRef idx="2">
+              <a:schemeClr val="accent1">
+                <a:shade val="50000"/>
+              </a:schemeClr>
+            </a:lnRef>
+            <a:fillRef idx="1">
+              <a:schemeClr val="accent1"/>
+            </a:fillRef>
+            <a:effectRef idx="0">
+              <a:schemeClr val="accent1"/>
+            </a:effectRef>
+            <a:fontRef idx="minor">
+              <a:schemeClr val="lt1"/>
+            </a:fontRef>
+          </p:style>
+          <p:txBody>
+            <a:bodyPr rtlCol="0" anchor="ctr"/>
+            <a:lstStyle/>
+            <a:p>
+              <a:pPr algn="ctr"/>
+              <a:endParaRPr lang="zh-CN" altLang="en-US" sz="1350"/>
+            </a:p>
+          </p:txBody>
+        </p:sp>
+      </p:grpSp>
+      <p:sp>
+        <p:nvSpPr>
+          <p:cNvPr id="13" name="矩形 12"/>
+          <p:cNvSpPr/>
+          <p:nvPr/>
+        </p:nvSpPr>
+        <p:spPr>
+          <a:xfrm>
+            <a:off x="406574" y="1989634"/>
+            <a:ext cx="6092825" cy="2825389"/>
+          </a:xfrm>
+          <a:prstGeom prst="rect">
+            <a:avLst/>
+          </a:prstGeom>
+        </p:spPr>
+        <p:txBody>
+          <a:bodyPr>
+            <a:spAutoFit/>
+          </a:bodyPr>
+          <a:lstStyle/>
+          <a:p>
+            <a:pPr>
+              <a:lnSpc>
+                <a:spcPct val="120000"/>
+              </a:lnSpc>
+              <a:buFont typeface="Arial" charset="0"/>
+              <a:buNone/>
+            </a:pPr>
+            <a:r>
+              <a:rPr lang="zh-CN" altLang="en-US" sz="2400" b="1" dirty="0">
+                <a:solidFill>
+                  <a:srgbClr val="FF0000"/>
+                </a:solidFill>
+              </a:rPr>
+              <a:t>部署图</a:t>
+            </a:r>
+            <a:endParaRPr lang="en-US" altLang="zh-CN" sz="2400" b="1" dirty="0">
+              <a:solidFill>
+                <a:srgbClr val="FF0000"/>
+              </a:solidFill>
+            </a:endParaRPr>
+          </a:p>
+          <a:p>
+            <a:pPr>
+              <a:lnSpc>
+                <a:spcPct val="120000"/>
+              </a:lnSpc>
+              <a:buFont typeface="Arial" charset="0"/>
+              <a:buNone/>
+            </a:pPr>
+            <a:r>
+              <a:rPr lang="zh-CN" altLang="en-US" sz="2000" dirty="0"/>
+              <a:t>用于静态建模，表示运行时过程结点、组件实例以及对象结构的图。可显示计算结点的拓扑结构，通信路径，结点上运行的软件，软件包含的逻辑单元等</a:t>
+            </a:r>
+            <a:r>
+              <a:rPr lang="zh-CN" altLang="en-US" sz="2000" dirty="0" smtClean="0"/>
+              <a:t>。</a:t>
+            </a:r>
+            <a:endParaRPr lang="en-US" altLang="zh-CN" sz="2000" dirty="0" smtClean="0"/>
+          </a:p>
+          <a:p>
+            <a:pPr>
+              <a:lnSpc>
+                <a:spcPct val="120000"/>
+              </a:lnSpc>
+              <a:buFont typeface="Arial" charset="0"/>
+              <a:buNone/>
+            </a:pPr>
+            <a:endParaRPr lang="en-US" altLang="zh-CN" sz="2000" dirty="0"/>
+          </a:p>
+          <a:p>
+            <a:pPr>
+              <a:lnSpc>
+                <a:spcPct val="120000"/>
+              </a:lnSpc>
+            </a:pPr>
+            <a:r>
+              <a:rPr lang="zh-CN" altLang="en-US" sz="2400" b="1" dirty="0" smtClean="0">
+                <a:solidFill>
+                  <a:srgbClr val="FF0000"/>
+                </a:solidFill>
+              </a:rPr>
+              <a:t>部署图的</a:t>
+            </a:r>
+            <a:r>
+              <a:rPr lang="zh-CN" altLang="en-US" sz="2400" b="1" dirty="0">
+                <a:solidFill>
+                  <a:srgbClr val="FF0000"/>
+                </a:solidFill>
+              </a:rPr>
+              <a:t>基本内容</a:t>
+            </a:r>
+            <a:endParaRPr lang="en-US" altLang="zh-CN" sz="2400" b="1" dirty="0">
+              <a:solidFill>
+                <a:srgbClr val="FF0000"/>
+              </a:solidFill>
+            </a:endParaRPr>
+          </a:p>
+          <a:p>
+            <a:pPr>
+              <a:lnSpc>
+                <a:spcPct val="120000"/>
+              </a:lnSpc>
+            </a:pPr>
+            <a:r>
+              <a:rPr lang="zh-CN" altLang="en-US" sz="2000" dirty="0"/>
+              <a:t>结点，组件，关系</a:t>
+            </a:r>
+          </a:p>
+        </p:txBody>
+      </p:sp>
+    </p:spTree>
+    <p:extLst>
+      <p:ext uri="{BB962C8B-B14F-4D97-AF65-F5344CB8AC3E}">
+        <p14:creationId xmlns:p14="http://schemas.microsoft.com/office/powerpoint/2010/main" val="366192706"/>
+      </p:ext>
+    </p:extLst>
+  </p:cSld>
+  <p:clrMapOvr>
+    <a:masterClrMapping/>
+  </p:clrMapOvr>
+  <p:transition spd="slow" advClick="0" advTm="0">
+    <p:wipe/>
+  </p:transition>
+  <p:timing>
+    <p:tnLst>
+      <p:par>
+        <p:cTn id="1" dur="indefinite" restart="never" nodeType="tmRoot"/>
+      </p:par>
+    </p:tnLst>
+  </p:timing>
+</p:sld>
+</file>
+
+<file path=ppt/slides/slide3.xml><?xml version="1.0" encoding="utf-8"?>
+<p:sld xmlns:a="http://schemas.openxmlformats.org/drawingml/2006/main" xmlns:r="http://schemas.openxmlformats.org/officeDocument/2006/relationships" xmlns:p="http://schemas.openxmlformats.org/presentationml/2006/main">
+  <p:cSld>
+    <p:spTree>
+      <p:nvGrpSpPr>
+        <p:cNvPr id="1" name=""/>
+        <p:cNvGrpSpPr/>
+        <p:nvPr/>
+      </p:nvGrpSpPr>
+      <p:grpSpPr>
+        <a:xfrm>
+          <a:off x="0" y="0"/>
+          <a:ext cx="0" cy="0"/>
+          <a:chOff x="0" y="0"/>
+          <a:chExt cx="0" cy="0"/>
+        </a:xfrm>
+      </p:grpSpPr>
+      <p:sp>
+        <p:nvSpPr>
+          <p:cNvPr id="2" name="矩形 1"/>
+          <p:cNvSpPr/>
+          <p:nvPr/>
+        </p:nvSpPr>
+        <p:spPr>
+          <a:xfrm>
+            <a:off x="237030" y="1171"/>
+            <a:ext cx="1608415" cy="135446"/>
+          </a:xfrm>
+          <a:prstGeom prst="rect">
+            <a:avLst/>
+          </a:prstGeom>
+          <a:solidFill>
+            <a:srgbClr val="183A5D"/>
+          </a:solidFill>
+          <a:ln>
+            <a:noFill/>
+          </a:ln>
+        </p:spPr>
+        <p:style>
+          <a:lnRef idx="2">
+            <a:schemeClr val="accent1">
+              <a:shade val="50000"/>
+            </a:schemeClr>
+          </a:lnRef>
+          <a:fillRef idx="1">
+            <a:schemeClr val="accent1"/>
+          </a:fillRef>
+          <a:effectRef idx="0">
+            <a:schemeClr val="accent1"/>
+          </a:effectRef>
+          <a:fontRef idx="minor">
+            <a:schemeClr val="lt1"/>
+          </a:fontRef>
+        </p:style>
+        <p:txBody>
+          <a:bodyPr rtlCol="0" anchor="ctr"/>
+          <a:lstStyle/>
+          <a:p>
+            <a:pPr algn="ctr"/>
+            <a:endParaRPr lang="zh-CN" altLang="en-US" sz="2800"/>
+          </a:p>
+        </p:txBody>
+      </p:sp>
+      <p:sp>
+        <p:nvSpPr>
+          <p:cNvPr id="3" name="矩形 2"/>
+          <p:cNvSpPr/>
+          <p:nvPr/>
+        </p:nvSpPr>
+        <p:spPr>
+          <a:xfrm>
+            <a:off x="237030" y="255131"/>
+            <a:ext cx="1608415" cy="406336"/>
+          </a:xfrm>
+          <a:prstGeom prst="rect">
+            <a:avLst/>
+          </a:prstGeom>
+          <a:solidFill>
+            <a:srgbClr val="183A5D"/>
+          </a:solidFill>
+          <a:ln>
+            <a:noFill/>
+          </a:ln>
+        </p:spPr>
+        <p:style>
+          <a:lnRef idx="2">
+            <a:schemeClr val="accent1">
+              <a:shade val="50000"/>
+            </a:schemeClr>
+          </a:lnRef>
+          <a:fillRef idx="1">
+            <a:schemeClr val="accent1"/>
+          </a:fillRef>
+          <a:effectRef idx="0">
+            <a:schemeClr val="accent1"/>
+          </a:effectRef>
+          <a:fontRef idx="minor">
+            <a:schemeClr val="lt1"/>
+          </a:fontRef>
+        </p:style>
+        <p:txBody>
+          <a:bodyPr rtlCol="0" anchor="ctr"/>
+          <a:lstStyle/>
+          <a:p>
+            <a:pPr algn="ctr"/>
+            <a:r>
+              <a:rPr lang="en-US" sz="2400" dirty="0" smtClean="0"/>
+              <a:t>1</a:t>
+            </a:r>
+            <a:endParaRPr lang="en-US" sz="2400" dirty="0"/>
+          </a:p>
+        </p:txBody>
+      </p:sp>
+      <p:sp>
+        <p:nvSpPr>
+          <p:cNvPr id="4" name="文本框 3"/>
+          <p:cNvSpPr txBox="1"/>
+          <p:nvPr/>
+        </p:nvSpPr>
+        <p:spPr>
+          <a:xfrm>
+            <a:off x="2236548" y="136356"/>
+            <a:ext cx="6052718" cy="501650"/>
+          </a:xfrm>
+          <a:prstGeom prst="rect">
+            <a:avLst/>
+          </a:prstGeom>
+          <a:noFill/>
+        </p:spPr>
+        <p:txBody>
+          <a:bodyPr wrap="square" rtlCol="0">
+            <a:spAutoFit/>
+          </a:bodyPr>
+          <a:lstStyle/>
+          <a:p>
+            <a:endParaRPr lang="zh-CN" sz="2665" dirty="0">
+              <a:solidFill>
+                <a:srgbClr val="183A5D"/>
+              </a:solidFill>
+              <a:latin typeface="微软雅黑" panose="020B0503020204020204" pitchFamily="34" charset="-122"/>
+              <a:ea typeface="微软雅黑" panose="020B0503020204020204" pitchFamily="34" charset="-122"/>
+            </a:endParaRPr>
+          </a:p>
+        </p:txBody>
+      </p:sp>
+      <p:sp>
+        <p:nvSpPr>
+          <p:cNvPr id="6" name="文本框 5"/>
+          <p:cNvSpPr txBox="1"/>
+          <p:nvPr/>
+        </p:nvSpPr>
+        <p:spPr>
+          <a:xfrm>
+            <a:off x="2226388" y="159851"/>
+            <a:ext cx="6052718" cy="501650"/>
+          </a:xfrm>
+          <a:prstGeom prst="rect">
+            <a:avLst/>
+          </a:prstGeom>
+          <a:noFill/>
+        </p:spPr>
+        <p:txBody>
+          <a:bodyPr wrap="square" rtlCol="0">
+            <a:spAutoFit/>
+          </a:bodyPr>
+          <a:lstStyle/>
+          <a:p>
+            <a:r>
+              <a:rPr lang="zh-CN" sz="2665" dirty="0">
+                <a:solidFill>
+                  <a:srgbClr val="183A5D"/>
+                </a:solidFill>
+                <a:latin typeface="微软雅黑" panose="020B0503020204020204" pitchFamily="34" charset="-122"/>
+                <a:ea typeface="微软雅黑" panose="020B0503020204020204" pitchFamily="34" charset="-122"/>
+              </a:rPr>
+              <a:t>引言</a:t>
+            </a:r>
+          </a:p>
+        </p:txBody>
+      </p:sp>
+      <p:sp>
+        <p:nvSpPr>
+          <p:cNvPr id="5" name="矩形 4"/>
+          <p:cNvSpPr/>
+          <p:nvPr/>
+        </p:nvSpPr>
+        <p:spPr>
+          <a:xfrm>
+            <a:off x="2071117" y="950918"/>
+            <a:ext cx="8046720" cy="583565"/>
+          </a:xfrm>
+          <a:prstGeom prst="rect">
+            <a:avLst/>
+          </a:prstGeom>
+        </p:spPr>
+        <p:txBody>
+          <a:bodyPr wrap="none">
+            <a:spAutoFit/>
+          </a:bodyPr>
+          <a:lstStyle/>
+          <a:p>
+            <a:pPr lvl="1" algn="l"/>
+            <a:r>
+              <a:rPr lang="zh-CN" altLang="en-US" sz="3200" b="1" dirty="0">
+                <a:sym typeface="+mn-ea"/>
+              </a:rPr>
+              <a:t>统一建模语言</a:t>
+            </a:r>
+            <a:r>
+              <a:rPr lang="en-US" altLang="zh-CN" sz="3200" b="1" dirty="0">
+                <a:sym typeface="+mn-ea"/>
+              </a:rPr>
+              <a:t>(</a:t>
+            </a:r>
+            <a:r>
+              <a:rPr lang="en-US" altLang="zh-CN" sz="3200" b="1" dirty="0"/>
+              <a:t>Unified Modeling Language)</a:t>
+            </a:r>
+            <a:endParaRPr lang="zh-CN" altLang="en-US" sz="3200" b="1" dirty="0"/>
+          </a:p>
+        </p:txBody>
+      </p:sp>
+      <p:sp>
+        <p:nvSpPr>
+          <p:cNvPr id="10" name="圆角矩形 9"/>
+          <p:cNvSpPr/>
+          <p:nvPr/>
+        </p:nvSpPr>
+        <p:spPr>
+          <a:xfrm>
+            <a:off x="1080135" y="2281555"/>
+            <a:ext cx="10242550" cy="3083560"/>
+          </a:xfrm>
+          <a:prstGeom prst="roundRect">
+            <a:avLst/>
+          </a:prstGeom>
+          <a:solidFill>
+            <a:schemeClr val="accent1">
+              <a:lumMod val="40000"/>
+              <a:lumOff val="60000"/>
+            </a:schemeClr>
+          </a:solidFill>
+        </p:spPr>
+        <p:style>
+          <a:lnRef idx="2">
+            <a:schemeClr val="accent1">
+              <a:shade val="50000"/>
+            </a:schemeClr>
+          </a:lnRef>
+          <a:fillRef idx="1">
+            <a:schemeClr val="accent1"/>
+          </a:fillRef>
+          <a:effectRef idx="0">
+            <a:schemeClr val="accent1"/>
+          </a:effectRef>
+          <a:fontRef idx="minor">
+            <a:schemeClr val="lt1"/>
+          </a:fontRef>
+        </p:style>
+        <p:txBody>
+          <a:bodyPr rtlCol="0" anchor="ctr"/>
+          <a:lstStyle/>
+          <a:p>
+            <a:pPr algn="ctr"/>
+            <a:endParaRPr lang="zh-CN" altLang="en-US"/>
+          </a:p>
+        </p:txBody>
+      </p:sp>
+      <p:sp>
+        <p:nvSpPr>
+          <p:cNvPr id="9" name="文本框 8"/>
+          <p:cNvSpPr txBox="1"/>
+          <p:nvPr/>
+        </p:nvSpPr>
+        <p:spPr>
+          <a:xfrm>
+            <a:off x="2457450" y="2526665"/>
+            <a:ext cx="7488555" cy="2676525"/>
+          </a:xfrm>
+          <a:prstGeom prst="rect">
+            <a:avLst/>
+          </a:prstGeom>
+          <a:noFill/>
+        </p:spPr>
+        <p:txBody>
+          <a:bodyPr wrap="square" rtlCol="0">
+            <a:spAutoFit/>
+          </a:bodyPr>
+          <a:lstStyle/>
+          <a:p>
+            <a:pPr lvl="0"/>
+            <a:r>
+              <a:rPr lang="en-US" altLang="zh-CN" sz="2400" dirty="0"/>
+              <a:t>	</a:t>
+            </a:r>
+            <a:r>
+              <a:rPr lang="zh-CN" altLang="zh-CN" sz="2400" dirty="0"/>
+              <a:t>是一种能够描述问题、描述解决方案、起到沟通作用的语言。通俗地说，它是一种用文本、图形和符号的集合来描述现实生活中各类食物、活动及其之间关系的语言。</a:t>
+            </a:r>
+          </a:p>
+          <a:p>
+            <a:pPr lvl="0"/>
+            <a:endParaRPr lang="zh-CN" altLang="zh-CN" sz="2400" dirty="0"/>
+          </a:p>
+          <a:p>
+            <a:pPr lvl="0"/>
+            <a:r>
+              <a:rPr lang="en-US" altLang="zh-CN" sz="2400" dirty="0"/>
+              <a:t>	</a:t>
+            </a:r>
+            <a:r>
+              <a:rPr lang="zh-CN" altLang="zh-CN" sz="2400" dirty="0">
+                <a:ln w="12700">
+                  <a:solidFill>
+                    <a:schemeClr val="accent3">
+                      <a:lumMod val="50000"/>
+                    </a:schemeClr>
+                  </a:solidFill>
+                  <a:prstDash val="solid"/>
+                </a:ln>
+                <a:pattFill prst="narHorz">
+                  <a:fgClr>
+                    <a:schemeClr val="accent3"/>
+                  </a:fgClr>
+                  <a:bgClr>
+                    <a:schemeClr val="accent3">
+                      <a:lumMod val="40000"/>
+                      <a:lumOff val="60000"/>
+                    </a:schemeClr>
+                  </a:bgClr>
+                </a:pattFill>
+                <a:effectLst>
+                  <a:innerShdw blurRad="177800">
+                    <a:schemeClr val="accent3">
+                      <a:lumMod val="50000"/>
+                    </a:schemeClr>
+                  </a:innerShdw>
+                </a:effectLst>
+              </a:rPr>
+              <a:t>本</a:t>
+            </a:r>
+            <a:r>
+              <a:rPr lang="en-US" altLang="zh-CN" sz="2400" dirty="0">
+                <a:ln w="12700">
+                  <a:solidFill>
+                    <a:schemeClr val="accent3">
+                      <a:lumMod val="50000"/>
+                    </a:schemeClr>
+                  </a:solidFill>
+                  <a:prstDash val="solid"/>
+                </a:ln>
+                <a:pattFill prst="narHorz">
+                  <a:fgClr>
+                    <a:schemeClr val="accent3"/>
+                  </a:fgClr>
+                  <a:bgClr>
+                    <a:schemeClr val="accent3">
+                      <a:lumMod val="40000"/>
+                      <a:lumOff val="60000"/>
+                    </a:schemeClr>
+                  </a:bgClr>
+                </a:pattFill>
+                <a:effectLst>
+                  <a:innerShdw blurRad="177800">
+                    <a:schemeClr val="accent3">
+                      <a:lumMod val="50000"/>
+                    </a:schemeClr>
+                  </a:innerShdw>
+                </a:effectLst>
+              </a:rPr>
+              <a:t>PPT</a:t>
+            </a:r>
+            <a:r>
+              <a:rPr lang="zh-CN" altLang="en-US" sz="2400" dirty="0">
+                <a:ln w="12700">
+                  <a:solidFill>
+                    <a:schemeClr val="accent3">
+                      <a:lumMod val="50000"/>
+                    </a:schemeClr>
+                  </a:solidFill>
+                  <a:prstDash val="solid"/>
+                </a:ln>
+                <a:pattFill prst="narHorz">
+                  <a:fgClr>
+                    <a:schemeClr val="accent3"/>
+                  </a:fgClr>
+                  <a:bgClr>
+                    <a:schemeClr val="accent3">
+                      <a:lumMod val="40000"/>
+                      <a:lumOff val="60000"/>
+                    </a:schemeClr>
+                  </a:bgClr>
+                </a:pattFill>
+                <a:effectLst>
+                  <a:innerShdw blurRad="177800">
+                    <a:schemeClr val="accent3">
+                      <a:lumMod val="50000"/>
+                    </a:schemeClr>
+                  </a:innerShdw>
+                </a:effectLst>
+              </a:rPr>
+              <a:t>主要讲解</a:t>
+            </a:r>
+            <a:r>
+              <a:rPr lang="en-US" altLang="zh-CN" sz="2400" dirty="0">
+                <a:ln w="12700">
+                  <a:solidFill>
+                    <a:schemeClr val="accent3">
+                      <a:lumMod val="50000"/>
+                    </a:schemeClr>
+                  </a:solidFill>
+                  <a:prstDash val="solid"/>
+                </a:ln>
+                <a:pattFill prst="narHorz">
+                  <a:fgClr>
+                    <a:schemeClr val="accent3"/>
+                  </a:fgClr>
+                  <a:bgClr>
+                    <a:schemeClr val="accent3">
+                      <a:lumMod val="40000"/>
+                      <a:lumOff val="60000"/>
+                    </a:schemeClr>
+                  </a:bgClr>
+                </a:pattFill>
+                <a:effectLst>
+                  <a:innerShdw blurRad="177800">
+                    <a:schemeClr val="accent3">
+                      <a:lumMod val="50000"/>
+                    </a:schemeClr>
+                  </a:innerShdw>
+                </a:effectLst>
+              </a:rPr>
+              <a:t>UML</a:t>
+            </a:r>
+            <a:r>
+              <a:rPr lang="zh-CN" altLang="en-US" sz="2400" dirty="0">
+                <a:ln w="12700">
+                  <a:solidFill>
+                    <a:schemeClr val="accent3">
+                      <a:lumMod val="50000"/>
+                    </a:schemeClr>
+                  </a:solidFill>
+                  <a:prstDash val="solid"/>
+                </a:ln>
+                <a:pattFill prst="narHorz">
+                  <a:fgClr>
+                    <a:schemeClr val="accent3"/>
+                  </a:fgClr>
+                  <a:bgClr>
+                    <a:schemeClr val="accent3">
+                      <a:lumMod val="40000"/>
+                      <a:lumOff val="60000"/>
+                    </a:schemeClr>
+                  </a:bgClr>
+                </a:pattFill>
+                <a:effectLst>
+                  <a:innerShdw blurRad="177800">
+                    <a:schemeClr val="accent3">
+                      <a:lumMod val="50000"/>
+                    </a:schemeClr>
+                  </a:innerShdw>
+                </a:effectLst>
+              </a:rPr>
+              <a:t>的用例图，类图，顺序图，状态机图，通信图，部署图</a:t>
+            </a:r>
+          </a:p>
+        </p:txBody>
+      </p:sp>
+    </p:spTree>
+  </p:cSld>
+  <p:clrMapOvr>
+    <a:masterClrMapping/>
+  </p:clrMapOvr>
+  <p:transition spd="slow" advClick="0" advTm="0">
+    <p:wipe/>
+  </p:transition>
+  <p:timing>
+    <p:tnLst>
+      <p:par>
+        <p:cTn id="1" dur="indefinite" restart="never" nodeType="tmRoot"/>
+      </p:par>
+    </p:tnLst>
+  </p:timing>
+</p:sld>
+</file>
+
+<file path=ppt/slides/slide30.xml><?xml version="1.0" encoding="utf-8"?>
+<p:sld xmlns:a="http://schemas.openxmlformats.org/drawingml/2006/main" xmlns:r="http://schemas.openxmlformats.org/officeDocument/2006/relationships" xmlns:p="http://schemas.openxmlformats.org/presentationml/2006/main">
+  <p:cSld>
+    <p:spTree>
+      <p:nvGrpSpPr>
+        <p:cNvPr id="1" name=""/>
+        <p:cNvGrpSpPr/>
+        <p:nvPr/>
+      </p:nvGrpSpPr>
+      <p:grpSpPr>
+        <a:xfrm>
+          <a:off x="0" y="0"/>
+          <a:ext cx="0" cy="0"/>
+          <a:chOff x="0" y="0"/>
+          <a:chExt cx="0" cy="0"/>
+        </a:xfrm>
+      </p:grpSpPr>
+      <p:sp>
+        <p:nvSpPr>
+          <p:cNvPr id="2" name="矩形 1"/>
+          <p:cNvSpPr/>
+          <p:nvPr/>
+        </p:nvSpPr>
+        <p:spPr>
+          <a:xfrm>
+            <a:off x="237030" y="1171"/>
+            <a:ext cx="1608415" cy="135446"/>
+          </a:xfrm>
+          <a:prstGeom prst="rect">
+            <a:avLst/>
+          </a:prstGeom>
+          <a:solidFill>
+            <a:srgbClr val="183A5D"/>
+          </a:solidFill>
+          <a:ln>
+            <a:noFill/>
+          </a:ln>
+        </p:spPr>
+        <p:style>
+          <a:lnRef idx="2">
+            <a:schemeClr val="accent1">
+              <a:shade val="50000"/>
+            </a:schemeClr>
+          </a:lnRef>
+          <a:fillRef idx="1">
+            <a:schemeClr val="accent1"/>
+          </a:fillRef>
+          <a:effectRef idx="0">
+            <a:schemeClr val="accent1"/>
+          </a:effectRef>
+          <a:fontRef idx="minor">
+            <a:schemeClr val="lt1"/>
+          </a:fontRef>
+        </p:style>
+        <p:txBody>
+          <a:bodyPr rtlCol="0" anchor="ctr"/>
+          <a:lstStyle/>
+          <a:p>
+            <a:pPr algn="ctr"/>
+            <a:endParaRPr lang="zh-CN" altLang="en-US" sz="2800"/>
+          </a:p>
+        </p:txBody>
+      </p:sp>
+      <p:sp>
+        <p:nvSpPr>
+          <p:cNvPr id="3" name="矩形 2"/>
+          <p:cNvSpPr/>
+          <p:nvPr/>
+        </p:nvSpPr>
+        <p:spPr>
+          <a:xfrm>
+            <a:off x="237030" y="255131"/>
+            <a:ext cx="1608415" cy="406336"/>
+          </a:xfrm>
+          <a:prstGeom prst="rect">
+            <a:avLst/>
+          </a:prstGeom>
+          <a:solidFill>
+            <a:srgbClr val="183A5D"/>
+          </a:solidFill>
+          <a:ln>
+            <a:noFill/>
+          </a:ln>
+        </p:spPr>
+        <p:style>
+          <a:lnRef idx="2">
+            <a:schemeClr val="accent1">
+              <a:shade val="50000"/>
+            </a:schemeClr>
+          </a:lnRef>
+          <a:fillRef idx="1">
+            <a:schemeClr val="accent1"/>
+          </a:fillRef>
+          <a:effectRef idx="0">
+            <a:schemeClr val="accent1"/>
+          </a:effectRef>
+          <a:fontRef idx="minor">
+            <a:schemeClr val="lt1"/>
+          </a:fontRef>
+        </p:style>
+        <p:txBody>
+          <a:bodyPr rtlCol="0" anchor="ctr"/>
+          <a:lstStyle/>
+          <a:p>
+            <a:pPr algn="ctr"/>
+            <a:r>
+              <a:rPr lang="en-US" sz="2400" dirty="0"/>
+              <a:t>7</a:t>
+            </a:r>
+            <a:endParaRPr lang="en-US" sz="2400" dirty="0"/>
+          </a:p>
+        </p:txBody>
+      </p:sp>
+      <p:sp>
+        <p:nvSpPr>
+          <p:cNvPr id="4" name="文本框 3"/>
+          <p:cNvSpPr txBox="1"/>
+          <p:nvPr/>
+        </p:nvSpPr>
+        <p:spPr>
+          <a:xfrm>
+            <a:off x="2187911" y="159817"/>
+            <a:ext cx="6052718" cy="501650"/>
+          </a:xfrm>
+          <a:prstGeom prst="rect">
+            <a:avLst/>
+          </a:prstGeom>
+          <a:noFill/>
+        </p:spPr>
+        <p:txBody>
+          <a:bodyPr wrap="square" rtlCol="0">
+            <a:spAutoFit/>
+          </a:bodyPr>
+          <a:lstStyle/>
+          <a:p>
+            <a:r>
+              <a:rPr lang="zh-CN" altLang="en-US" sz="2665" dirty="0" smtClean="0">
+                <a:solidFill>
+                  <a:srgbClr val="183A5D"/>
+                </a:solidFill>
+                <a:latin typeface="微软雅黑" panose="020B0503020204020204" pitchFamily="34" charset="-122"/>
+                <a:ea typeface="微软雅黑" panose="020B0503020204020204" pitchFamily="34" charset="-122"/>
+              </a:rPr>
+              <a:t>部署图</a:t>
+            </a:r>
+            <a:endParaRPr lang="zh-CN" sz="2665" dirty="0" smtClean="0">
+              <a:solidFill>
+                <a:srgbClr val="183A5D"/>
+              </a:solidFill>
+              <a:latin typeface="微软雅黑" panose="020B0503020204020204" pitchFamily="34" charset="-122"/>
+              <a:ea typeface="微软雅黑" panose="020B0503020204020204" pitchFamily="34" charset="-122"/>
+            </a:endParaRPr>
+          </a:p>
+        </p:txBody>
+      </p:sp>
+      <p:sp>
+        <p:nvSpPr>
+          <p:cNvPr id="8" name="矩形 7"/>
+          <p:cNvSpPr/>
+          <p:nvPr/>
+        </p:nvSpPr>
+        <p:spPr>
+          <a:xfrm>
+            <a:off x="628304" y="1557586"/>
+            <a:ext cx="3119214" cy="3323987"/>
+          </a:xfrm>
+          <a:prstGeom prst="rect">
+            <a:avLst/>
+          </a:prstGeom>
+        </p:spPr>
+        <p:txBody>
+          <a:bodyPr wrap="square">
+            <a:spAutoFit/>
+          </a:bodyPr>
+          <a:lstStyle/>
+          <a:p>
+            <a:pPr>
+              <a:spcBef>
+                <a:spcPct val="50000"/>
+              </a:spcBef>
+            </a:pPr>
+            <a:r>
+              <a:rPr lang="en-US" altLang="zh-CN" dirty="0"/>
+              <a:t> </a:t>
+            </a:r>
+            <a:r>
+              <a:rPr lang="en-US" altLang="zh-CN" dirty="0" smtClean="0"/>
+              <a:t>       </a:t>
+            </a:r>
+            <a:r>
+              <a:rPr lang="zh-CN" altLang="en-US" dirty="0" smtClean="0"/>
+              <a:t>部署</a:t>
+            </a:r>
+            <a:r>
+              <a:rPr lang="zh-CN" altLang="en-US" dirty="0"/>
+              <a:t>图显示网络的物理布局，系统中涉及的处理器、设备、连接和过程。处理器是网络中处理功能所在的机器，包括服务器和工作站，不包括打印机扫描仪之类的设备。处理器用来运行进程（执行代码）。一个项目只有一个部署图。</a:t>
+            </a:r>
+          </a:p>
+        </p:txBody>
+      </p:sp>
+      <p:pic>
+        <p:nvPicPr>
+          <p:cNvPr id="7" name="图片 6"/>
+          <p:cNvPicPr>
+            <a:picLocks noChangeAspect="1"/>
+          </p:cNvPicPr>
+          <p:nvPr/>
+        </p:nvPicPr>
+        <p:blipFill>
+          <a:blip r:embed="rId2"/>
+          <a:stretch>
+            <a:fillRect/>
+          </a:stretch>
+        </p:blipFill>
+        <p:spPr>
+          <a:xfrm>
+            <a:off x="3790950" y="1269554"/>
+            <a:ext cx="8399463" cy="4436913"/>
+          </a:xfrm>
+          <a:prstGeom prst="rect">
+            <a:avLst/>
+          </a:prstGeom>
+        </p:spPr>
+      </p:pic>
+    </p:spTree>
+    <p:extLst>
+      <p:ext uri="{BB962C8B-B14F-4D97-AF65-F5344CB8AC3E}">
+        <p14:creationId xmlns:p14="http://schemas.microsoft.com/office/powerpoint/2010/main" val="1982852395"/>
+      </p:ext>
+    </p:extLst>
+  </p:cSld>
+  <p:clrMapOvr>
+    <a:masterClrMapping/>
+  </p:clrMapOvr>
+  <p:transition spd="slow" advClick="0" advTm="0">
+    <p:wipe/>
+  </p:transition>
+  <p:timing>
+    <p:tnLst>
+      <p:par>
+        <p:cTn id="1" dur="indefinite" restart="never" nodeType="tmRoot"/>
+      </p:par>
+    </p:tnLst>
+  </p:timing>
+</p:sld>
+</file>
+
+<file path=ppt/slides/slide31.xml><?xml version="1.0" encoding="utf-8"?>
+<p:sld xmlns:a="http://schemas.openxmlformats.org/drawingml/2006/main" xmlns:r="http://schemas.openxmlformats.org/officeDocument/2006/relationships" xmlns:p="http://schemas.openxmlformats.org/presentationml/2006/main">
+  <p:cSld>
+    <p:spTree>
+      <p:nvGrpSpPr>
+        <p:cNvPr id="1" name=""/>
+        <p:cNvGrpSpPr/>
+        <p:nvPr/>
+      </p:nvGrpSpPr>
+      <p:grpSpPr>
+        <a:xfrm>
+          <a:off x="0" y="0"/>
+          <a:ext cx="0" cy="0"/>
+          <a:chOff x="0" y="0"/>
+          <a:chExt cx="0" cy="0"/>
+        </a:xfrm>
+      </p:grpSpPr>
+      <p:sp>
+        <p:nvSpPr>
           <p:cNvPr id="36" name="矩形 35"/>
           <p:cNvSpPr/>
           <p:nvPr/>
@@ -17496,8 +18498,20 @@
                 <a:tableStyleId>{5C22544A-7EE6-4342-B048-85BDC9FD1C3A}</a:tableStyleId>
               </a:tblPr>
               <a:tblGrid>
-                <a:gridCol w="2738864"/>
-                <a:gridCol w="4245610"/>
+                <a:gridCol w="2738864">
+                  <a:extLst>
+                    <a:ext uri="{9D8B030D-6E8A-4147-A177-3AD203B41FA5}">
+                      <a16:colId xmlns:a16="http://schemas.microsoft.com/office/drawing/2014/main" val="20000"/>
+                    </a:ext>
+                  </a:extLst>
+                </a:gridCol>
+                <a:gridCol w="4245610">
+                  <a:extLst>
+                    <a:ext uri="{9D8B030D-6E8A-4147-A177-3AD203B41FA5}">
+                      <a16:colId xmlns:a16="http://schemas.microsoft.com/office/drawing/2014/main" val="20001"/>
+                    </a:ext>
+                  </a:extLst>
+                </a:gridCol>
               </a:tblGrid>
               <a:tr h="1322630">
                 <a:tc>
@@ -17529,11 +18543,6 @@
                         </a:rPr>
                         <a:t>UML用户指南（第2版·修订版）</a:t>
                       </a:r>
-                      <a:endParaRPr sz="2400" b="0" dirty="0" smtClean="0">
-                        <a:solidFill>
-                          <a:schemeClr val="tx1"/>
-                        </a:solidFill>
-                      </a:endParaRPr>
                     </a:p>
                     <a:p>
                       <a:pPr algn="l">
@@ -17609,11 +18618,6 @@
                         </a:rPr>
                         <a:t>Ivar Jacobson</a:t>
                       </a:r>
-                      <a:endParaRPr lang="en-US" altLang="zh-CN" sz="2400" b="0" dirty="0" smtClean="0">
-                        <a:solidFill>
-                          <a:schemeClr val="tx1"/>
-                        </a:solidFill>
-                      </a:endParaRPr>
                     </a:p>
                     <a:p>
                       <a:pPr algn="l"/>
@@ -17681,11 +18685,6 @@
                         </a:rPr>
                         <a:t>版</a:t>
                       </a:r>
-                      <a:endParaRPr lang="zh-CN" altLang="en-US" sz="2400" b="0" dirty="0" smtClean="0">
-                        <a:solidFill>
-                          <a:schemeClr val="tx1"/>
-                        </a:solidFill>
-                      </a:endParaRPr>
                     </a:p>
                   </a:txBody>
                   <a:tcPr>
@@ -17697,6 +18696,11 @@
                     </a:solidFill>
                   </a:tcPr>
                 </a:tc>
+                <a:extLst>
+                  <a:ext uri="{0D108BD9-81ED-4DB2-BD59-A6C34878D82A}">
+                    <a16:rowId xmlns:a16="http://schemas.microsoft.com/office/drawing/2014/main" val="10000"/>
+                  </a:ext>
+                </a:extLst>
               </a:tr>
               <a:tr h="894720">
                 <a:tc>
@@ -17715,11 +18719,6 @@
                         </a:rPr>
                         <a:t>UML2基础、建模与设计教程</a:t>
                       </a:r>
-                      <a:endParaRPr dirty="0" smtClean="0">
-                        <a:solidFill>
-                          <a:schemeClr val="tx1"/>
-                        </a:solidFill>
-                      </a:endParaRPr>
                     </a:p>
                   </a:txBody>
                   <a:tcPr/>
@@ -17793,6 +18792,11 @@
                   </a:txBody>
                   <a:tcPr/>
                 </a:tc>
+                <a:extLst>
+                  <a:ext uri="{0D108BD9-81ED-4DB2-BD59-A6C34878D82A}">
+                    <a16:rowId xmlns:a16="http://schemas.microsoft.com/office/drawing/2014/main" val="10001"/>
+                  </a:ext>
+                </a:extLst>
               </a:tr>
             </a:tbl>
           </a:graphicData>
@@ -17803,13 +18807,13 @@
   <p:clrMapOvr>
     <a:masterClrMapping/>
   </p:clrMapOvr>
-  <mc:AlternateContent xmlns:mc="http://schemas.openxmlformats.org/markup-compatibility/2006">
-    <mc:Choice xmlns:p14="http://schemas.microsoft.com/office/powerpoint/2010/main" Requires="p14">
+  <mc:AlternateContent xmlns:mc="http://schemas.openxmlformats.org/markup-compatibility/2006" xmlns:p14="http://schemas.microsoft.com/office/powerpoint/2010/main">
+    <mc:Choice Requires="p14">
       <p:transition spd="slow" p14:dur="1200" advClick="0" advTm="0">
         <p14:prism/>
       </p:transition>
     </mc:Choice>
-    <mc:Fallback>
+    <mc:Fallback xmlns="">
       <p:transition spd="slow" advClick="0" advTm="0">
         <p:fade/>
       </p:transition>
@@ -18077,529 +19081,7 @@
 </p:sld>
 </file>
 
-<file path=ppt/slides/slide3.xml><?xml version="1.0" encoding="utf-8"?>
-<p:sld xmlns:a="http://schemas.openxmlformats.org/drawingml/2006/main" xmlns:r="http://schemas.openxmlformats.org/officeDocument/2006/relationships" xmlns:p="http://schemas.openxmlformats.org/presentationml/2006/main">
-  <p:cSld>
-    <p:spTree>
-      <p:nvGrpSpPr>
-        <p:cNvPr id="1" name=""/>
-        <p:cNvGrpSpPr/>
-        <p:nvPr/>
-      </p:nvGrpSpPr>
-      <p:grpSpPr>
-        <a:xfrm>
-          <a:off x="0" y="0"/>
-          <a:ext cx="0" cy="0"/>
-          <a:chOff x="0" y="0"/>
-          <a:chExt cx="0" cy="0"/>
-        </a:xfrm>
-      </p:grpSpPr>
-      <p:sp>
-        <p:nvSpPr>
-          <p:cNvPr id="2" name="矩形 1"/>
-          <p:cNvSpPr/>
-          <p:nvPr/>
-        </p:nvSpPr>
-        <p:spPr>
-          <a:xfrm>
-            <a:off x="237030" y="1171"/>
-            <a:ext cx="1608415" cy="135446"/>
-          </a:xfrm>
-          <a:prstGeom prst="rect">
-            <a:avLst/>
-          </a:prstGeom>
-          <a:solidFill>
-            <a:srgbClr val="183A5D"/>
-          </a:solidFill>
-          <a:ln>
-            <a:noFill/>
-          </a:ln>
-        </p:spPr>
-        <p:style>
-          <a:lnRef idx="2">
-            <a:schemeClr val="accent1">
-              <a:shade val="50000"/>
-            </a:schemeClr>
-          </a:lnRef>
-          <a:fillRef idx="1">
-            <a:schemeClr val="accent1"/>
-          </a:fillRef>
-          <a:effectRef idx="0">
-            <a:schemeClr val="accent1"/>
-          </a:effectRef>
-          <a:fontRef idx="minor">
-            <a:schemeClr val="lt1"/>
-          </a:fontRef>
-        </p:style>
-        <p:txBody>
-          <a:bodyPr rtlCol="0" anchor="ctr"/>
-          <a:lstStyle/>
-          <a:p>
-            <a:pPr algn="ctr"/>
-            <a:endParaRPr lang="zh-CN" altLang="en-US" sz="2800"/>
-          </a:p>
-        </p:txBody>
-      </p:sp>
-      <p:sp>
-        <p:nvSpPr>
-          <p:cNvPr id="3" name="矩形 2"/>
-          <p:cNvSpPr/>
-          <p:nvPr/>
-        </p:nvSpPr>
-        <p:spPr>
-          <a:xfrm>
-            <a:off x="237030" y="255131"/>
-            <a:ext cx="1608415" cy="406336"/>
-          </a:xfrm>
-          <a:prstGeom prst="rect">
-            <a:avLst/>
-          </a:prstGeom>
-          <a:solidFill>
-            <a:srgbClr val="183A5D"/>
-          </a:solidFill>
-          <a:ln>
-            <a:noFill/>
-          </a:ln>
-        </p:spPr>
-        <p:style>
-          <a:lnRef idx="2">
-            <a:schemeClr val="accent1">
-              <a:shade val="50000"/>
-            </a:schemeClr>
-          </a:lnRef>
-          <a:fillRef idx="1">
-            <a:schemeClr val="accent1"/>
-          </a:fillRef>
-          <a:effectRef idx="0">
-            <a:schemeClr val="accent1"/>
-          </a:effectRef>
-          <a:fontRef idx="minor">
-            <a:schemeClr val="lt1"/>
-          </a:fontRef>
-        </p:style>
-        <p:txBody>
-          <a:bodyPr rtlCol="0" anchor="ctr"/>
-          <a:lstStyle/>
-          <a:p>
-            <a:pPr algn="ctr"/>
-            <a:r>
-              <a:rPr lang="en-US" sz="2400" dirty="0" smtClean="0"/>
-              <a:t>1</a:t>
-            </a:r>
-            <a:endParaRPr lang="en-US" sz="2400" dirty="0"/>
-          </a:p>
-        </p:txBody>
-      </p:sp>
-      <p:sp>
-        <p:nvSpPr>
-          <p:cNvPr id="4" name="文本框 3"/>
-          <p:cNvSpPr txBox="1"/>
-          <p:nvPr/>
-        </p:nvSpPr>
-        <p:spPr>
-          <a:xfrm>
-            <a:off x="2236548" y="136356"/>
-            <a:ext cx="6052718" cy="501650"/>
-          </a:xfrm>
-          <a:prstGeom prst="rect">
-            <a:avLst/>
-          </a:prstGeom>
-          <a:noFill/>
-        </p:spPr>
-        <p:txBody>
-          <a:bodyPr wrap="square" rtlCol="0">
-            <a:spAutoFit/>
-          </a:bodyPr>
-          <a:lstStyle/>
-          <a:p>
-            <a:endParaRPr lang="zh-CN" sz="2665" dirty="0">
-              <a:solidFill>
-                <a:srgbClr val="183A5D"/>
-              </a:solidFill>
-              <a:latin typeface="微软雅黑" panose="020B0503020204020204" pitchFamily="34" charset="-122"/>
-              <a:ea typeface="微软雅黑" panose="020B0503020204020204" pitchFamily="34" charset="-122"/>
-            </a:endParaRPr>
-          </a:p>
-        </p:txBody>
-      </p:sp>
-      <p:sp>
-        <p:nvSpPr>
-          <p:cNvPr id="6" name="文本框 5"/>
-          <p:cNvSpPr txBox="1"/>
-          <p:nvPr/>
-        </p:nvSpPr>
-        <p:spPr>
-          <a:xfrm>
-            <a:off x="2226388" y="159851"/>
-            <a:ext cx="6052718" cy="501650"/>
-          </a:xfrm>
-          <a:prstGeom prst="rect">
-            <a:avLst/>
-          </a:prstGeom>
-          <a:noFill/>
-        </p:spPr>
-        <p:txBody>
-          <a:bodyPr wrap="square" rtlCol="0">
-            <a:spAutoFit/>
-          </a:bodyPr>
-          <a:lstStyle/>
-          <a:p>
-            <a:r>
-              <a:rPr lang="zh-CN" sz="2665" dirty="0">
-                <a:solidFill>
-                  <a:srgbClr val="183A5D"/>
-                </a:solidFill>
-                <a:latin typeface="微软雅黑" panose="020B0503020204020204" pitchFamily="34" charset="-122"/>
-                <a:ea typeface="微软雅黑" panose="020B0503020204020204" pitchFamily="34" charset="-122"/>
-              </a:rPr>
-              <a:t>引言</a:t>
-            </a:r>
-            <a:endParaRPr lang="zh-CN" sz="2665" dirty="0">
-              <a:solidFill>
-                <a:srgbClr val="183A5D"/>
-              </a:solidFill>
-              <a:latin typeface="微软雅黑" panose="020B0503020204020204" pitchFamily="34" charset="-122"/>
-              <a:ea typeface="微软雅黑" panose="020B0503020204020204" pitchFamily="34" charset="-122"/>
-            </a:endParaRPr>
-          </a:p>
-        </p:txBody>
-      </p:sp>
-      <p:sp>
-        <p:nvSpPr>
-          <p:cNvPr id="5" name="矩形 4"/>
-          <p:cNvSpPr/>
-          <p:nvPr/>
-        </p:nvSpPr>
-        <p:spPr>
-          <a:xfrm>
-            <a:off x="2071117" y="950918"/>
-            <a:ext cx="8046720" cy="583565"/>
-          </a:xfrm>
-          <a:prstGeom prst="rect">
-            <a:avLst/>
-          </a:prstGeom>
-        </p:spPr>
-        <p:txBody>
-          <a:bodyPr wrap="none">
-            <a:spAutoFit/>
-          </a:bodyPr>
-          <a:lstStyle/>
-          <a:p>
-            <a:pPr lvl="1" algn="l"/>
-            <a:r>
-              <a:rPr lang="zh-CN" altLang="en-US" sz="3200" b="1" dirty="0">
-                <a:sym typeface="+mn-ea"/>
-              </a:rPr>
-              <a:t>统一建模语言</a:t>
-            </a:r>
-            <a:r>
-              <a:rPr lang="en-US" altLang="zh-CN" sz="3200" b="1" dirty="0">
-                <a:sym typeface="+mn-ea"/>
-              </a:rPr>
-              <a:t>(</a:t>
-            </a:r>
-            <a:r>
-              <a:rPr lang="en-US" altLang="zh-CN" sz="3200" b="1" dirty="0"/>
-              <a:t>Unified Modeling Language)</a:t>
-            </a:r>
-            <a:endParaRPr lang="zh-CN" altLang="en-US" sz="3200" b="1" dirty="0"/>
-          </a:p>
-        </p:txBody>
-      </p:sp>
-      <p:sp>
-        <p:nvSpPr>
-          <p:cNvPr id="10" name="圆角矩形 9"/>
-          <p:cNvSpPr/>
-          <p:nvPr/>
-        </p:nvSpPr>
-        <p:spPr>
-          <a:xfrm>
-            <a:off x="1080135" y="2281555"/>
-            <a:ext cx="10242550" cy="3083560"/>
-          </a:xfrm>
-          <a:prstGeom prst="roundRect">
-            <a:avLst/>
-          </a:prstGeom>
-          <a:solidFill>
-            <a:schemeClr val="accent1">
-              <a:lumMod val="40000"/>
-              <a:lumOff val="60000"/>
-            </a:schemeClr>
-          </a:solidFill>
-        </p:spPr>
-        <p:style>
-          <a:lnRef idx="2">
-            <a:schemeClr val="accent1">
-              <a:shade val="50000"/>
-            </a:schemeClr>
-          </a:lnRef>
-          <a:fillRef idx="1">
-            <a:schemeClr val="accent1"/>
-          </a:fillRef>
-          <a:effectRef idx="0">
-            <a:schemeClr val="accent1"/>
-          </a:effectRef>
-          <a:fontRef idx="minor">
-            <a:schemeClr val="lt1"/>
-          </a:fontRef>
-        </p:style>
-        <p:txBody>
-          <a:bodyPr rtlCol="0" anchor="ctr"/>
-          <a:lstStyle/>
-          <a:p>
-            <a:pPr algn="ctr"/>
-            <a:endParaRPr lang="zh-CN" altLang="en-US"/>
-          </a:p>
-        </p:txBody>
-      </p:sp>
-      <p:sp>
-        <p:nvSpPr>
-          <p:cNvPr id="9" name="文本框 8"/>
-          <p:cNvSpPr txBox="1"/>
-          <p:nvPr/>
-        </p:nvSpPr>
-        <p:spPr>
-          <a:xfrm>
-            <a:off x="2457450" y="2526665"/>
-            <a:ext cx="7488555" cy="2676525"/>
-          </a:xfrm>
-          <a:prstGeom prst="rect">
-            <a:avLst/>
-          </a:prstGeom>
-          <a:noFill/>
-        </p:spPr>
-        <p:txBody>
-          <a:bodyPr wrap="square" rtlCol="0">
-            <a:spAutoFit/>
-          </a:bodyPr>
-          <a:lstStyle/>
-          <a:p>
-            <a:pPr lvl="0"/>
-            <a:r>
-              <a:rPr lang="en-US" altLang="zh-CN" sz="2400" dirty="0"/>
-              <a:t>	</a:t>
-            </a:r>
-            <a:r>
-              <a:rPr lang="zh-CN" altLang="zh-CN" sz="2400" dirty="0"/>
-              <a:t>是一种能够描述问题、描述解决方案、起到沟通作用的语言。通俗地说，它是一种用文本、图形和符号的集合来描述现实生活中各类食物、活动及其之间关系的语言。</a:t>
-            </a:r>
-            <a:endParaRPr lang="zh-CN" altLang="zh-CN" sz="2400" dirty="0"/>
-          </a:p>
-          <a:p>
-            <a:pPr lvl="0"/>
-            <a:endParaRPr lang="zh-CN" altLang="zh-CN" sz="2400" dirty="0"/>
-          </a:p>
-          <a:p>
-            <a:pPr lvl="0"/>
-            <a:r>
-              <a:rPr lang="en-US" altLang="zh-CN" sz="2400" dirty="0"/>
-              <a:t>	</a:t>
-            </a:r>
-            <a:r>
-              <a:rPr lang="zh-CN" altLang="zh-CN" sz="2400" dirty="0">
-                <a:ln w="12700">
-                  <a:solidFill>
-                    <a:schemeClr val="accent3">
-                      <a:lumMod val="50000"/>
-                    </a:schemeClr>
-                  </a:solidFill>
-                  <a:prstDash val="solid"/>
-                </a:ln>
-                <a:pattFill prst="narHorz">
-                  <a:fgClr>
-                    <a:schemeClr val="accent3"/>
-                  </a:fgClr>
-                  <a:bgClr>
-                    <a:schemeClr val="accent3">
-                      <a:lumMod val="40000"/>
-                      <a:lumOff val="60000"/>
-                    </a:schemeClr>
-                  </a:bgClr>
-                </a:pattFill>
-                <a:effectLst>
-                  <a:innerShdw blurRad="177800">
-                    <a:schemeClr val="accent3">
-                      <a:lumMod val="50000"/>
-                    </a:schemeClr>
-                  </a:innerShdw>
-                </a:effectLst>
-              </a:rPr>
-              <a:t>本</a:t>
-            </a:r>
-            <a:r>
-              <a:rPr lang="en-US" altLang="zh-CN" sz="2400" dirty="0">
-                <a:ln w="12700">
-                  <a:solidFill>
-                    <a:schemeClr val="accent3">
-                      <a:lumMod val="50000"/>
-                    </a:schemeClr>
-                  </a:solidFill>
-                  <a:prstDash val="solid"/>
-                </a:ln>
-                <a:pattFill prst="narHorz">
-                  <a:fgClr>
-                    <a:schemeClr val="accent3"/>
-                  </a:fgClr>
-                  <a:bgClr>
-                    <a:schemeClr val="accent3">
-                      <a:lumMod val="40000"/>
-                      <a:lumOff val="60000"/>
-                    </a:schemeClr>
-                  </a:bgClr>
-                </a:pattFill>
-                <a:effectLst>
-                  <a:innerShdw blurRad="177800">
-                    <a:schemeClr val="accent3">
-                      <a:lumMod val="50000"/>
-                    </a:schemeClr>
-                  </a:innerShdw>
-                </a:effectLst>
-              </a:rPr>
-              <a:t>PPT</a:t>
-            </a:r>
-            <a:r>
-              <a:rPr lang="zh-CN" altLang="en-US" sz="2400" dirty="0">
-                <a:ln w="12700">
-                  <a:solidFill>
-                    <a:schemeClr val="accent3">
-                      <a:lumMod val="50000"/>
-                    </a:schemeClr>
-                  </a:solidFill>
-                  <a:prstDash val="solid"/>
-                </a:ln>
-                <a:pattFill prst="narHorz">
-                  <a:fgClr>
-                    <a:schemeClr val="accent3"/>
-                  </a:fgClr>
-                  <a:bgClr>
-                    <a:schemeClr val="accent3">
-                      <a:lumMod val="40000"/>
-                      <a:lumOff val="60000"/>
-                    </a:schemeClr>
-                  </a:bgClr>
-                </a:pattFill>
-                <a:effectLst>
-                  <a:innerShdw blurRad="177800">
-                    <a:schemeClr val="accent3">
-                      <a:lumMod val="50000"/>
-                    </a:schemeClr>
-                  </a:innerShdw>
-                </a:effectLst>
-              </a:rPr>
-              <a:t>主要讲解</a:t>
-            </a:r>
-            <a:r>
-              <a:rPr lang="en-US" altLang="zh-CN" sz="2400" dirty="0">
-                <a:ln w="12700">
-                  <a:solidFill>
-                    <a:schemeClr val="accent3">
-                      <a:lumMod val="50000"/>
-                    </a:schemeClr>
-                  </a:solidFill>
-                  <a:prstDash val="solid"/>
-                </a:ln>
-                <a:pattFill prst="narHorz">
-                  <a:fgClr>
-                    <a:schemeClr val="accent3"/>
-                  </a:fgClr>
-                  <a:bgClr>
-                    <a:schemeClr val="accent3">
-                      <a:lumMod val="40000"/>
-                      <a:lumOff val="60000"/>
-                    </a:schemeClr>
-                  </a:bgClr>
-                </a:pattFill>
-                <a:effectLst>
-                  <a:innerShdw blurRad="177800">
-                    <a:schemeClr val="accent3">
-                      <a:lumMod val="50000"/>
-                    </a:schemeClr>
-                  </a:innerShdw>
-                </a:effectLst>
-              </a:rPr>
-              <a:t>UML</a:t>
-            </a:r>
-            <a:r>
-              <a:rPr lang="zh-CN" altLang="en-US" sz="2400" dirty="0">
-                <a:ln w="12700">
-                  <a:solidFill>
-                    <a:schemeClr val="accent3">
-                      <a:lumMod val="50000"/>
-                    </a:schemeClr>
-                  </a:solidFill>
-                  <a:prstDash val="solid"/>
-                </a:ln>
-                <a:pattFill prst="narHorz">
-                  <a:fgClr>
-                    <a:schemeClr val="accent3"/>
-                  </a:fgClr>
-                  <a:bgClr>
-                    <a:schemeClr val="accent3">
-                      <a:lumMod val="40000"/>
-                      <a:lumOff val="60000"/>
-                    </a:schemeClr>
-                  </a:bgClr>
-                </a:pattFill>
-                <a:effectLst>
-                  <a:innerShdw blurRad="177800">
-                    <a:schemeClr val="accent3">
-                      <a:lumMod val="50000"/>
-                    </a:schemeClr>
-                  </a:innerShdw>
-                </a:effectLst>
-              </a:rPr>
-              <a:t>的用例图，类图，顺序图，状态机图，通信图，部署图</a:t>
-            </a:r>
-            <a:endParaRPr lang="zh-CN" altLang="en-US" sz="2400" dirty="0">
-              <a:ln w="12700">
-                <a:solidFill>
-                  <a:schemeClr val="accent3">
-                    <a:lumMod val="50000"/>
-                  </a:schemeClr>
-                </a:solidFill>
-                <a:prstDash val="solid"/>
-              </a:ln>
-              <a:pattFill prst="narHorz">
-                <a:fgClr>
-                  <a:schemeClr val="accent3"/>
-                </a:fgClr>
-                <a:bgClr>
-                  <a:schemeClr val="accent3">
-                    <a:lumMod val="40000"/>
-                    <a:lumOff val="60000"/>
-                  </a:schemeClr>
-                </a:bgClr>
-              </a:pattFill>
-              <a:effectLst>
-                <a:innerShdw blurRad="177800">
-                  <a:schemeClr val="accent3">
-                    <a:lumMod val="50000"/>
-                  </a:schemeClr>
-                </a:innerShdw>
-              </a:effectLst>
-            </a:endParaRPr>
-          </a:p>
-        </p:txBody>
-      </p:sp>
-    </p:spTree>
-  </p:cSld>
-  <p:clrMapOvr>
-    <a:masterClrMapping/>
-  </p:clrMapOvr>
-  <p:transition spd="slow" advClick="0" advTm="0">
-    <p:wipe/>
-  </p:transition>
-  <p:timing>
-    <p:tnLst>
-      <p:par>
-        <p:cTn id="1" dur="indefinite" restart="never" nodeType="tmRoot"/>
-      </p:par>
-    </p:tnLst>
-  </p:timing>
-</p:sld>
-</file>
-
-<file path=ppt/slides/slide30.xml><?xml version="1.0" encoding="utf-8"?>
+<file path=ppt/slides/slide32.xml><?xml version="1.0" encoding="utf-8"?>
 <p:sld xmlns:a="http://schemas.openxmlformats.org/drawingml/2006/main" xmlns:r="http://schemas.openxmlformats.org/officeDocument/2006/relationships" xmlns:p="http://schemas.openxmlformats.org/presentationml/2006/main">
   <p:cSld>
     <p:spTree>
@@ -18709,13 +19191,6 @@
               </a:rPr>
               <a:t>绩效考评与分工</a:t>
             </a:r>
-            <a:endParaRPr lang="zh-CN" altLang="en-US" sz="3200" b="1" dirty="0" smtClean="0">
-              <a:solidFill>
-                <a:schemeClr val="bg1"/>
-              </a:solidFill>
-              <a:latin typeface="微软雅黑" panose="020B0503020204020204" pitchFamily="34" charset="-122"/>
-              <a:ea typeface="微软雅黑" panose="020B0503020204020204" pitchFamily="34" charset="-122"/>
-            </a:endParaRPr>
           </a:p>
         </p:txBody>
       </p:sp>
@@ -18736,9 +19211,27 @@
                 <a:tableStyleId>{5C22544A-7EE6-4342-B048-85BDC9FD1C3A}</a:tableStyleId>
               </a:tblPr>
               <a:tblGrid>
-                <a:gridCol w="1895475"/>
-                <a:gridCol w="2937510"/>
-                <a:gridCol w="2938145"/>
+                <a:gridCol w="1895475">
+                  <a:extLst>
+                    <a:ext uri="{9D8B030D-6E8A-4147-A177-3AD203B41FA5}">
+                      <a16:colId xmlns:a16="http://schemas.microsoft.com/office/drawing/2014/main" val="20000"/>
+                    </a:ext>
+                  </a:extLst>
+                </a:gridCol>
+                <a:gridCol w="2937510">
+                  <a:extLst>
+                    <a:ext uri="{9D8B030D-6E8A-4147-A177-3AD203B41FA5}">
+                      <a16:colId xmlns:a16="http://schemas.microsoft.com/office/drawing/2014/main" val="20001"/>
+                    </a:ext>
+                  </a:extLst>
+                </a:gridCol>
+                <a:gridCol w="2938145">
+                  <a:extLst>
+                    <a:ext uri="{9D8B030D-6E8A-4147-A177-3AD203B41FA5}">
+                      <a16:colId xmlns:a16="http://schemas.microsoft.com/office/drawing/2014/main" val="20002"/>
+                    </a:ext>
+                  </a:extLst>
+                </a:gridCol>
               </a:tblGrid>
               <a:tr h="713740">
                 <a:tc>
@@ -18757,11 +19250,6 @@
                         </a:rPr>
                         <a:t>黄为波</a:t>
                       </a:r>
-                      <a:endParaRPr lang="zh-CN" altLang="en-US" b="0" dirty="0">
-                        <a:solidFill>
-                          <a:schemeClr val="tx1"/>
-                        </a:solidFill>
-                      </a:endParaRPr>
                     </a:p>
                   </a:txBody>
                   <a:tcPr>
@@ -18811,11 +19299,6 @@
                         </a:rPr>
                         <a:t>9.4</a:t>
                       </a:r>
-                      <a:endParaRPr lang="en-US" altLang="zh-CN" sz="2400" b="0" dirty="0" smtClean="0">
-                        <a:solidFill>
-                          <a:schemeClr val="tx1"/>
-                        </a:solidFill>
-                      </a:endParaRPr>
                     </a:p>
                   </a:txBody>
                   <a:tcPr>
@@ -18827,6 +19310,11 @@
                     </a:solidFill>
                   </a:tcPr>
                 </a:tc>
+                <a:extLst>
+                  <a:ext uri="{0D108BD9-81ED-4DB2-BD59-A6C34878D82A}">
+                    <a16:rowId xmlns:a16="http://schemas.microsoft.com/office/drawing/2014/main" val="10000"/>
+                  </a:ext>
+                </a:extLst>
               </a:tr>
               <a:tr h="716915">
                 <a:tc>
@@ -18845,11 +19333,6 @@
                         </a:rPr>
                         <a:t>苏雨豪</a:t>
                       </a:r>
-                      <a:endParaRPr lang="zh-CN" altLang="en-US" dirty="0" smtClean="0">
-                        <a:solidFill>
-                          <a:schemeClr val="tx1"/>
-                        </a:solidFill>
-                      </a:endParaRPr>
                     </a:p>
                   </a:txBody>
                   <a:tcPr/>
@@ -18878,11 +19361,6 @@
                         </a:rPr>
                         <a:t>制作</a:t>
                       </a:r>
-                      <a:endParaRPr lang="zh-CN" altLang="en-US" dirty="0" smtClean="0">
-                        <a:solidFill>
-                          <a:schemeClr val="tx1"/>
-                        </a:solidFill>
-                      </a:endParaRPr>
                     </a:p>
                   </a:txBody>
                   <a:tcPr/>
@@ -18903,15 +19381,15 @@
                         </a:rPr>
                         <a:t>9.5</a:t>
                       </a:r>
-                      <a:endParaRPr lang="en-US" altLang="zh-CN" dirty="0" smtClean="0">
-                        <a:solidFill>
-                          <a:schemeClr val="tx1"/>
-                        </a:solidFill>
-                      </a:endParaRPr>
                     </a:p>
                   </a:txBody>
                   <a:tcPr/>
                 </a:tc>
+                <a:extLst>
+                  <a:ext uri="{0D108BD9-81ED-4DB2-BD59-A6C34878D82A}">
+                    <a16:rowId xmlns:a16="http://schemas.microsoft.com/office/drawing/2014/main" val="10001"/>
+                  </a:ext>
+                </a:extLst>
               </a:tr>
               <a:tr h="805815">
                 <a:tc>
@@ -18930,11 +19408,6 @@
                         </a:rPr>
                         <a:t>陈子卿</a:t>
                       </a:r>
-                      <a:endParaRPr lang="zh-CN" dirty="0" smtClean="0">
-                        <a:solidFill>
-                          <a:schemeClr val="tx1"/>
-                        </a:solidFill>
-                      </a:endParaRPr>
                     </a:p>
                   </a:txBody>
                   <a:tcPr>
@@ -18962,11 +19435,6 @@
                         </a:rPr>
                         <a:t>负责1.1-1.3的PPT制作，</a:t>
                       </a:r>
-                      <a:endParaRPr lang="zh-CN" altLang="en-US" dirty="0" smtClean="0">
-                        <a:solidFill>
-                          <a:schemeClr val="tx1"/>
-                        </a:solidFill>
-                      </a:endParaRPr>
                     </a:p>
                     <a:p>
                       <a:pPr algn="l">
@@ -18980,11 +19448,6 @@
                         </a:rPr>
                         <a:t>1.4 uml结构ppt的制作</a:t>
                       </a:r>
-                      <a:endParaRPr lang="zh-CN" altLang="en-US" dirty="0" smtClean="0">
-                        <a:solidFill>
-                          <a:schemeClr val="tx1"/>
-                        </a:solidFill>
-                      </a:endParaRPr>
                     </a:p>
                   </a:txBody>
                   <a:tcPr>
@@ -19012,11 +19475,6 @@
                         </a:rPr>
                         <a:t>9.7</a:t>
                       </a:r>
-                      <a:endParaRPr lang="en-US" altLang="zh-CN" dirty="0" smtClean="0">
-                        <a:solidFill>
-                          <a:schemeClr val="tx1"/>
-                        </a:solidFill>
-                      </a:endParaRPr>
                     </a:p>
                   </a:txBody>
                   <a:tcPr>
@@ -19028,6 +19486,11 @@
                     </a:solidFill>
                   </a:tcPr>
                 </a:tc>
+                <a:extLst>
+                  <a:ext uri="{0D108BD9-81ED-4DB2-BD59-A6C34878D82A}">
+                    <a16:rowId xmlns:a16="http://schemas.microsoft.com/office/drawing/2014/main" val="10002"/>
+                  </a:ext>
+                </a:extLst>
               </a:tr>
               <a:tr h="733425">
                 <a:tc>
@@ -19046,11 +19509,6 @@
                         </a:rPr>
                         <a:t>蔡峰</a:t>
                       </a:r>
-                      <a:endParaRPr lang="zh-CN" altLang="en-US" dirty="0" smtClean="0">
-                        <a:solidFill>
-                          <a:schemeClr val="tx1"/>
-                        </a:solidFill>
-                      </a:endParaRPr>
                     </a:p>
                   </a:txBody>
                   <a:tcPr>
@@ -19094,11 +19552,6 @@
                         </a:rPr>
                         <a:t>系统开发阶段</a:t>
                       </a:r>
-                      <a:endParaRPr lang="zh-CN" altLang="en-US" dirty="0" smtClean="0">
-                        <a:solidFill>
-                          <a:schemeClr val="tx1"/>
-                        </a:solidFill>
-                      </a:endParaRPr>
                     </a:p>
                   </a:txBody>
                   <a:tcPr>
@@ -19154,6 +19607,11 @@
                     </a:solidFill>
                   </a:tcPr>
                 </a:tc>
+                <a:extLst>
+                  <a:ext uri="{0D108BD9-81ED-4DB2-BD59-A6C34878D82A}">
+                    <a16:rowId xmlns:a16="http://schemas.microsoft.com/office/drawing/2014/main" val="10003"/>
+                  </a:ext>
+                </a:extLst>
               </a:tr>
               <a:tr h="732790">
                 <a:tc>
@@ -19172,11 +19630,6 @@
                         </a:rPr>
                         <a:t>江亮儒</a:t>
                       </a:r>
-                      <a:endParaRPr lang="zh-CN" altLang="en-US" dirty="0" smtClean="0">
-                        <a:solidFill>
-                          <a:schemeClr val="tx1"/>
-                        </a:solidFill>
-                      </a:endParaRPr>
                     </a:p>
                   </a:txBody>
                   <a:tcPr>
@@ -19204,11 +19657,6 @@
                         </a:rPr>
                         <a:t>负责uml的图ppt</a:t>
                       </a:r>
-                      <a:endParaRPr lang="zh-CN" altLang="en-US" dirty="0" smtClean="0">
-                        <a:solidFill>
-                          <a:schemeClr val="tx1"/>
-                        </a:solidFill>
-                      </a:endParaRPr>
                     </a:p>
                   </a:txBody>
                   <a:tcPr>
@@ -19236,11 +19684,6 @@
                         </a:rPr>
                         <a:t>9.5</a:t>
                       </a:r>
-                      <a:endParaRPr lang="en-US" altLang="zh-CN" dirty="0" smtClean="0">
-                        <a:solidFill>
-                          <a:schemeClr val="tx1"/>
-                        </a:solidFill>
-                      </a:endParaRPr>
                     </a:p>
                   </a:txBody>
                   <a:tcPr>
@@ -19252,6 +19695,11 @@
                     </a:solidFill>
                   </a:tcPr>
                 </a:tc>
+                <a:extLst>
+                  <a:ext uri="{0D108BD9-81ED-4DB2-BD59-A6C34878D82A}">
+                    <a16:rowId xmlns:a16="http://schemas.microsoft.com/office/drawing/2014/main" val="10004"/>
+                  </a:ext>
+                </a:extLst>
               </a:tr>
             </a:tbl>
           </a:graphicData>
@@ -19262,13 +19710,13 @@
   <p:clrMapOvr>
     <a:masterClrMapping/>
   </p:clrMapOvr>
-  <mc:AlternateContent xmlns:mc="http://schemas.openxmlformats.org/markup-compatibility/2006">
-    <mc:Choice xmlns:p14="http://schemas.microsoft.com/office/powerpoint/2010/main" Requires="p14">
+  <mc:AlternateContent xmlns:mc="http://schemas.openxmlformats.org/markup-compatibility/2006" xmlns:p14="http://schemas.microsoft.com/office/powerpoint/2010/main">
+    <mc:Choice Requires="p14">
       <p:transition spd="slow" p14:dur="1200" advClick="0" advTm="0">
         <p14:prism/>
       </p:transition>
     </mc:Choice>
-    <mc:Fallback>
+    <mc:Fallback xmlns="">
       <p:transition spd="slow" advClick="0" advTm="0">
         <p:fade/>
       </p:transition>
@@ -19536,7 +19984,7 @@
 </p:sld>
 </file>
 
-<file path=ppt/slides/slide31.xml><?xml version="1.0" encoding="utf-8"?>
+<file path=ppt/slides/slide33.xml><?xml version="1.0" encoding="utf-8"?>
 <p:sld xmlns:a="http://schemas.openxmlformats.org/drawingml/2006/main" xmlns:r="http://schemas.openxmlformats.org/officeDocument/2006/relationships" xmlns:p="http://schemas.openxmlformats.org/presentationml/2006/main">
   <p:cSld>
     <p:spTree>
@@ -20152,16 +20600,6 @@
               </a:rPr>
               <a:t>汇报结束 感谢观看</a:t>
             </a:r>
-            <a:endParaRPr lang="zh-CN" altLang="en-US" sz="3600" b="1" dirty="0">
-              <a:solidFill>
-                <a:schemeClr val="tx1">
-                  <a:lumMod val="75000"/>
-                  <a:lumOff val="25000"/>
-                </a:schemeClr>
-              </a:solidFill>
-              <a:latin typeface="微软雅黑" panose="020B0503020204020204" pitchFamily="34" charset="-122"/>
-              <a:ea typeface="微软雅黑" panose="020B0503020204020204" pitchFamily="34" charset="-122"/>
-            </a:endParaRPr>
           </a:p>
         </p:txBody>
       </p:sp>
@@ -20323,16 +20761,16 @@
             <a:picLocks noChangeAspect="1"/>
           </p:cNvPicPr>
           <p:nvPr>
-            <a:audioFile r:link="rId1"/>
+            <a:audioFile r:link="rId2"/>
             <p:extLst>
               <p:ext uri="{DAA4B4D4-6D71-4841-9C94-3DE7FCFB9230}">
-                <p14:media xmlns:p14="http://schemas.microsoft.com/office/powerpoint/2010/main" r:embed="rId2"/>
+                <p14:media xmlns:p14="http://schemas.microsoft.com/office/powerpoint/2010/main" r:embed="rId1"/>
               </p:ext>
             </p:extLst>
           </p:nvPr>
         </p:nvPicPr>
         <p:blipFill>
-          <a:blip r:embed="rId3"/>
+          <a:blip r:embed="rId5"/>
           <a:stretch>
             <a:fillRect/>
           </a:stretch>
@@ -20380,14 +20818,6 @@
               </a:rPr>
               <a:t>浙江大学城市学院</a:t>
             </a:r>
-            <a:endParaRPr lang="zh-CN" altLang="en-US" kern="300" spc="2000">
-              <a:solidFill>
-                <a:schemeClr val="tx1"/>
-              </a:solidFill>
-              <a:uFillTx/>
-              <a:latin typeface="+中文标题" charset="0"/>
-              <a:ea typeface="+mj-ea"/>
-            </a:endParaRPr>
           </a:p>
         </p:txBody>
       </p:sp>
@@ -20396,13 +20826,13 @@
   <p:clrMapOvr>
     <a:masterClrMapping/>
   </p:clrMapOvr>
-  <mc:AlternateContent xmlns:mc="http://schemas.openxmlformats.org/markup-compatibility/2006">
-    <mc:Choice xmlns:p14="http://schemas.microsoft.com/office/powerpoint/2010/main" Requires="p14">
+  <mc:AlternateContent xmlns:mc="http://schemas.openxmlformats.org/markup-compatibility/2006" xmlns:p14="http://schemas.microsoft.com/office/powerpoint/2010/main">
+    <mc:Choice Requires="p14">
       <p:transition spd="slow" p14:dur="1600" advClick="0" advTm="0">
         <p:blinds dir="vert"/>
       </p:transition>
     </mc:Choice>
-    <mc:Fallback>
+    <mc:Fallback xmlns="">
       <p:transition spd="slow" advClick="0" advTm="0">
         <p:blinds dir="vert"/>
       </p:transition>
@@ -21277,7 +21707,6 @@
               <a:rPr lang="en-US" sz="2400" dirty="0"/>
               <a:t>2</a:t>
             </a:r>
-            <a:endParaRPr lang="en-US" sz="2400" dirty="0"/>
           </a:p>
         </p:txBody>
       </p:sp>
@@ -21364,7 +21793,7 @@
           <p:nvPr/>
         </p:nvPicPr>
         <p:blipFill>
-          <a:blip r:embed="rId1"/>
+          <a:blip r:embed="rId2"/>
           <a:stretch>
             <a:fillRect/>
           </a:stretch>
@@ -21440,12 +21869,6 @@
                 </a:rPr>
                 <a:t>　　用例图由以下几个元素组成：</a:t>
               </a:r>
-              <a:endParaRPr lang="zh-CN" altLang="en-US" dirty="0">
-                <a:solidFill>
-                  <a:srgbClr val="000000"/>
-                </a:solidFill>
-                <a:latin typeface="Verdana" panose="020B0604030504040204" pitchFamily="34" charset="0"/>
-              </a:endParaRPr>
             </a:p>
             <a:p>
               <a:r>
@@ -21458,13 +21881,6 @@
                 </a:rPr>
                 <a:t>	</a:t>
               </a:r>
-              <a:endParaRPr lang="en-US" altLang="zh-CN" b="0" i="0" dirty="0">
-                <a:solidFill>
-                  <a:srgbClr val="000000"/>
-                </a:solidFill>
-                <a:effectLst/>
-                <a:latin typeface="Verdana" panose="020B0604030504040204" pitchFamily="34" charset="0"/>
-              </a:endParaRPr>
             </a:p>
             <a:p>
               <a:r>
@@ -21487,13 +21903,6 @@
                 </a:rPr>
                 <a:t>参与者，也称为角色代表系统的用户</a:t>
               </a:r>
-              <a:endParaRPr lang="zh-CN" altLang="en-US" b="0" i="0" dirty="0">
-                <a:solidFill>
-                  <a:srgbClr val="000000"/>
-                </a:solidFill>
-                <a:effectLst/>
-                <a:latin typeface="Verdana" panose="020B0604030504040204" pitchFamily="34" charset="0"/>
-              </a:endParaRPr>
             </a:p>
             <a:p>
               <a:r>
@@ -21516,13 +21925,6 @@
                 </a:rPr>
                 <a:t>系统边界，确定系统的范围</a:t>
               </a:r>
-              <a:endParaRPr lang="zh-CN" altLang="en-US" b="0" i="0" dirty="0">
-                <a:solidFill>
-                  <a:srgbClr val="000000"/>
-                </a:solidFill>
-                <a:effectLst/>
-                <a:latin typeface="Verdana" panose="020B0604030504040204" pitchFamily="34" charset="0"/>
-              </a:endParaRPr>
             </a:p>
             <a:p>
               <a:r>
@@ -21545,13 +21947,6 @@
                 </a:rPr>
                 <a:t>用例，代表系统提供的服务</a:t>
               </a:r>
-              <a:endParaRPr lang="zh-CN" altLang="en-US" b="0" i="0" dirty="0">
-                <a:solidFill>
-                  <a:srgbClr val="000000"/>
-                </a:solidFill>
-                <a:effectLst/>
-                <a:latin typeface="Verdana" panose="020B0604030504040204" pitchFamily="34" charset="0"/>
-              </a:endParaRPr>
             </a:p>
             <a:p>
               <a:r>
@@ -21574,13 +21969,6 @@
                 </a:rPr>
                 <a:t>关联，表示参与者与用例的关系</a:t>
               </a:r>
-              <a:endParaRPr lang="zh-CN" altLang="en-US" b="0" i="0" dirty="0">
-                <a:solidFill>
-                  <a:srgbClr val="000000"/>
-                </a:solidFill>
-                <a:effectLst/>
-                <a:latin typeface="Verdana" panose="020B0604030504040204" pitchFamily="34" charset="0"/>
-              </a:endParaRPr>
             </a:p>
           </p:txBody>
         </p:sp>
@@ -21701,7 +22089,7 @@
           <p:nvPr/>
         </p:nvPicPr>
         <p:blipFill>
-          <a:blip r:embed="rId2"/>
+          <a:blip r:embed="rId3"/>
           <a:stretch>
             <a:fillRect/>
           </a:stretch>
@@ -21843,7 +22231,6 @@
               <a:rPr lang="en-US" sz="2400" dirty="0"/>
               <a:t>2</a:t>
             </a:r>
-            <a:endParaRPr lang="en-US" sz="2400" dirty="0"/>
           </a:p>
         </p:txBody>
       </p:sp>
@@ -21965,12 +22352,6 @@
                 </a:rPr>
                 <a:t>参与者的作用如下：</a:t>
               </a:r>
-              <a:endParaRPr lang="zh-CN" dirty="0">
-                <a:solidFill>
-                  <a:srgbClr val="000000"/>
-                </a:solidFill>
-                <a:latin typeface="Verdana" panose="020B0604030504040204" pitchFamily="34" charset="0"/>
-              </a:endParaRPr>
             </a:p>
             <a:p>
               <a:r>
@@ -21983,13 +22364,6 @@
                 </a:rPr>
                 <a:t>建立系统的外部用户模型</a:t>
               </a:r>
-              <a:endParaRPr lang="zh-CN" altLang="en-US" b="0" i="0" dirty="0">
-                <a:solidFill>
-                  <a:srgbClr val="000000"/>
-                </a:solidFill>
-                <a:effectLst/>
-                <a:latin typeface="Verdana" panose="020B0604030504040204" pitchFamily="34" charset="0"/>
-              </a:endParaRPr>
             </a:p>
             <a:p>
               <a:r>
@@ -22002,13 +22376,6 @@
                 </a:rPr>
                 <a:t>对系统边界之外的对象进行描述</a:t>
               </a:r>
-              <a:endParaRPr lang="zh-CN" altLang="en-US" b="0" i="0" dirty="0">
-                <a:solidFill>
-                  <a:srgbClr val="000000"/>
-                </a:solidFill>
-                <a:effectLst/>
-                <a:latin typeface="Verdana" panose="020B0604030504040204" pitchFamily="34" charset="0"/>
-              </a:endParaRPr>
             </a:p>
             <a:p>
               <a:endParaRPr lang="zh-CN" altLang="en-US" b="0" i="0" dirty="0">
@@ -22039,13 +22406,6 @@
                 </a:rPr>
                 <a:t>使用泛化关系可以在需求中更好的描述权限控制</a:t>
               </a:r>
-              <a:endParaRPr lang="zh-CN" altLang="en-US" b="0" i="0" dirty="0">
-                <a:solidFill>
-                  <a:srgbClr val="000000"/>
-                </a:solidFill>
-                <a:effectLst/>
-                <a:latin typeface="Verdana" panose="020B0604030504040204" pitchFamily="34" charset="0"/>
-              </a:endParaRPr>
             </a:p>
             <a:p>
               <a:endParaRPr lang="zh-CN" altLang="en-US" b="0" i="0" dirty="0">
@@ -22175,7 +22535,7 @@
           <p:nvPr/>
         </p:nvPicPr>
         <p:blipFill>
-          <a:blip r:embed="rId1"/>
+          <a:blip r:embed="rId2"/>
           <a:stretch>
             <a:fillRect/>
           </a:stretch>
@@ -22317,7 +22677,6 @@
               <a:rPr lang="en-US" sz="2400" dirty="0"/>
               <a:t>2</a:t>
             </a:r>
-            <a:endParaRPr lang="en-US" sz="2400" dirty="0"/>
           </a:p>
         </p:txBody>
       </p:sp>
@@ -22439,12 +22798,6 @@
                 </a:rPr>
                 <a:t>用例的一些特点：</a:t>
               </a:r>
-              <a:endParaRPr lang="zh-CN" dirty="0">
-                <a:solidFill>
-                  <a:srgbClr val="000000"/>
-                </a:solidFill>
-                <a:latin typeface="Verdana" panose="020B0604030504040204" pitchFamily="34" charset="0"/>
-              </a:endParaRPr>
             </a:p>
             <a:p>
               <a:r>
@@ -22465,12 +22818,6 @@
                 </a:rPr>
                 <a:t>是从系统使用角度描述系统中的信息，而不是系统内部实现方式</a:t>
               </a:r>
-              <a:endParaRPr lang="zh-CN" altLang="en-US" dirty="0">
-                <a:solidFill>
-                  <a:srgbClr val="000000"/>
-                </a:solidFill>
-                <a:latin typeface="Verdana" panose="020B0604030504040204" pitchFamily="34" charset="0"/>
-              </a:endParaRPr>
             </a:p>
             <a:p>
               <a:r>
@@ -22491,12 +22838,6 @@
                 </a:rPr>
                 <a:t>用例描述的是用户一些可见的需求，是面向对象分析与设计得七点，是类，对象，操作的来源</a:t>
               </a:r>
-              <a:endParaRPr lang="zh-CN" altLang="en-US" dirty="0">
-                <a:solidFill>
-                  <a:srgbClr val="000000"/>
-                </a:solidFill>
-                <a:latin typeface="Verdana" panose="020B0604030504040204" pitchFamily="34" charset="0"/>
-              </a:endParaRPr>
             </a:p>
             <a:p>
               <a:r>
@@ -22517,12 +22858,6 @@
                 </a:rPr>
                 <a:t>用例由摸个参与者来执行</a:t>
               </a:r>
-              <a:endParaRPr lang="zh-CN" altLang="en-US" dirty="0">
-                <a:solidFill>
-                  <a:srgbClr val="000000"/>
-                </a:solidFill>
-                <a:latin typeface="Verdana" panose="020B0604030504040204" pitchFamily="34" charset="0"/>
-              </a:endParaRPr>
             </a:p>
             <a:p>
               <a:r>
@@ -22543,12 +22878,6 @@
                 </a:rPr>
                 <a:t>用例把结果反馈给参与者</a:t>
               </a:r>
-              <a:endParaRPr lang="zh-CN" altLang="en-US" dirty="0">
-                <a:solidFill>
-                  <a:srgbClr val="000000"/>
-                </a:solidFill>
-                <a:latin typeface="Verdana" panose="020B0604030504040204" pitchFamily="34" charset="0"/>
-              </a:endParaRPr>
             </a:p>
             <a:p>
               <a:r>
@@ -22945,12 +23274,6 @@
                 </a:rPr>
                 <a:t>用例的描述</a:t>
               </a:r>
-              <a:endParaRPr lang="zh-CN" dirty="0">
-                <a:solidFill>
-                  <a:srgbClr val="000000"/>
-                </a:solidFill>
-                <a:latin typeface="Verdana" panose="020B0604030504040204" pitchFamily="34" charset="0"/>
-              </a:endParaRPr>
             </a:p>
             <a:p>
               <a:endParaRPr lang="zh-CN" altLang="en-US" b="0" i="0" dirty="0">
@@ -22972,13 +23295,6 @@
                 </a:rPr>
                 <a:t>对于用例需要有更详细的描述与说明，这样可以让别人对用例由更加详细的了解</a:t>
               </a:r>
-              <a:endParaRPr lang="zh-CN" altLang="en-US" b="0" i="0" dirty="0">
-                <a:solidFill>
-                  <a:srgbClr val="000000"/>
-                </a:solidFill>
-                <a:effectLst/>
-                <a:latin typeface="Verdana" panose="020B0604030504040204" pitchFamily="34" charset="0"/>
-              </a:endParaRPr>
             </a:p>
             <a:p>
               <a:endParaRPr lang="zh-CN" altLang="en-US" b="0" i="0" dirty="0">
@@ -23116,8 +23432,20 @@
                 <a:tableStyleId>{5C22544A-7EE6-4342-B048-85BDC9FD1C3A}</a:tableStyleId>
               </a:tblPr>
               <a:tblGrid>
-                <a:gridCol w="1596390"/>
-                <a:gridCol w="3658870"/>
+                <a:gridCol w="1596390">
+                  <a:extLst>
+                    <a:ext uri="{9D8B030D-6E8A-4147-A177-3AD203B41FA5}">
+                      <a16:colId xmlns:a16="http://schemas.microsoft.com/office/drawing/2014/main" val="20000"/>
+                    </a:ext>
+                  </a:extLst>
+                </a:gridCol>
+                <a:gridCol w="3658870">
+                  <a:extLst>
+                    <a:ext uri="{9D8B030D-6E8A-4147-A177-3AD203B41FA5}">
+                      <a16:colId xmlns:a16="http://schemas.microsoft.com/office/drawing/2014/main" val="20001"/>
+                    </a:ext>
+                  </a:extLst>
+                </a:gridCol>
               </a:tblGrid>
               <a:tr h="510540">
                 <a:tc>
@@ -23136,11 +23464,6 @@
                         </a:rPr>
                         <a:t>用例名</a:t>
                       </a:r>
-                      <a:endParaRPr lang="zh-CN" altLang="en-US" b="0">
-                        <a:solidFill>
-                          <a:schemeClr val="tx1"/>
-                        </a:solidFill>
-                      </a:endParaRPr>
                     </a:p>
                   </a:txBody>
                   <a:tcPr>
@@ -23168,11 +23491,6 @@
                         </a:rPr>
                         <a:t>新增图书</a:t>
                       </a:r>
-                      <a:endParaRPr lang="zh-CN" altLang="en-US" b="0">
-                        <a:solidFill>
-                          <a:schemeClr val="tx1"/>
-                        </a:solidFill>
-                      </a:endParaRPr>
                     </a:p>
                   </a:txBody>
                   <a:tcPr>
@@ -23184,6 +23502,11 @@
                     </a:solidFill>
                   </a:tcPr>
                 </a:tc>
+                <a:extLst>
+                  <a:ext uri="{0D108BD9-81ED-4DB2-BD59-A6C34878D82A}">
+                    <a16:rowId xmlns:a16="http://schemas.microsoft.com/office/drawing/2014/main" val="10000"/>
+                  </a:ext>
+                </a:extLst>
               </a:tr>
               <a:tr h="511175">
                 <a:tc>
@@ -23198,7 +23521,6 @@
                         <a:rPr lang="zh-CN" altLang="en-US"/>
                         <a:t>用例标识号</a:t>
                       </a:r>
-                      <a:endParaRPr lang="zh-CN" altLang="en-US"/>
                     </a:p>
                   </a:txBody>
                   <a:tcPr/>
@@ -23215,11 +23537,15 @@
                         <a:rPr lang="en-US" altLang="zh-CN"/>
                         <a:t>A001</a:t>
                       </a:r>
-                      <a:endParaRPr lang="en-US" altLang="zh-CN"/>
                     </a:p>
                   </a:txBody>
                   <a:tcPr/>
                 </a:tc>
+                <a:extLst>
+                  <a:ext uri="{0D108BD9-81ED-4DB2-BD59-A6C34878D82A}">
+                    <a16:rowId xmlns:a16="http://schemas.microsoft.com/office/drawing/2014/main" val="10001"/>
+                  </a:ext>
+                </a:extLst>
               </a:tr>
               <a:tr h="510540">
                 <a:tc>
@@ -23234,7 +23560,6 @@
                         <a:rPr lang="zh-CN" altLang="en-US"/>
                         <a:t>简要说明</a:t>
                       </a:r>
-                      <a:endParaRPr lang="zh-CN" altLang="en-US"/>
                     </a:p>
                   </a:txBody>
                   <a:tcPr/>
@@ -23251,11 +23576,15 @@
                         <a:rPr lang="zh-CN" altLang="en-US"/>
                         <a:t>在书库中新增图书</a:t>
                       </a:r>
-                      <a:endParaRPr lang="zh-CN" altLang="en-US"/>
                     </a:p>
                   </a:txBody>
                   <a:tcPr/>
                 </a:tc>
+                <a:extLst>
+                  <a:ext uri="{0D108BD9-81ED-4DB2-BD59-A6C34878D82A}">
+                    <a16:rowId xmlns:a16="http://schemas.microsoft.com/office/drawing/2014/main" val="10002"/>
+                  </a:ext>
+                </a:extLst>
               </a:tr>
               <a:tr h="731520">
                 <a:tc>
@@ -23270,7 +23599,6 @@
                         <a:rPr lang="zh-CN" altLang="en-US"/>
                         <a:t>前置条件</a:t>
                       </a:r>
-                      <a:endParaRPr lang="zh-CN" altLang="en-US"/>
                     </a:p>
                   </a:txBody>
                   <a:tcPr/>
@@ -23287,11 +23615,15 @@
                         <a:rPr lang="zh-CN" altLang="en-US"/>
                         <a:t>用户是管理员，并且需要进入系统</a:t>
                       </a:r>
-                      <a:endParaRPr lang="zh-CN" altLang="en-US"/>
                     </a:p>
                   </a:txBody>
                   <a:tcPr/>
                 </a:tc>
+                <a:extLst>
+                  <a:ext uri="{0D108BD9-81ED-4DB2-BD59-A6C34878D82A}">
+                    <a16:rowId xmlns:a16="http://schemas.microsoft.com/office/drawing/2014/main" val="10003"/>
+                  </a:ext>
+                </a:extLst>
               </a:tr>
               <a:tr h="731520">
                 <a:tc>
@@ -23306,7 +23638,6 @@
                         <a:rPr lang="zh-CN" altLang="en-US"/>
                         <a:t>基本事件流</a:t>
                       </a:r>
-                      <a:endParaRPr lang="zh-CN" altLang="en-US"/>
                     </a:p>
                   </a:txBody>
                   <a:tcPr/>
@@ -23323,11 +23654,15 @@
                         <a:rPr lang="zh-CN" altLang="en-US"/>
                         <a:t>管理员发出新增图书请求，系统要求管理员输入相关信息</a:t>
                       </a:r>
-                      <a:endParaRPr lang="zh-CN" altLang="en-US"/>
                     </a:p>
                   </a:txBody>
                   <a:tcPr/>
                 </a:tc>
+                <a:extLst>
+                  <a:ext uri="{0D108BD9-81ED-4DB2-BD59-A6C34878D82A}">
+                    <a16:rowId xmlns:a16="http://schemas.microsoft.com/office/drawing/2014/main" val="10004"/>
+                  </a:ext>
+                </a:extLst>
               </a:tr>
               <a:tr h="510540">
                 <a:tc>
@@ -23342,7 +23677,6 @@
                         <a:rPr lang="zh-CN" altLang="en-US"/>
                         <a:t>其他事件流</a:t>
                       </a:r>
-                      <a:endParaRPr lang="zh-CN" altLang="en-US"/>
                     </a:p>
                   </a:txBody>
                   <a:tcPr/>
@@ -23359,11 +23693,15 @@
                         <a:rPr lang="zh-CN" altLang="en-US"/>
                         <a:t>无</a:t>
                       </a:r>
-                      <a:endParaRPr lang="zh-CN" altLang="en-US"/>
                     </a:p>
                   </a:txBody>
                   <a:tcPr/>
                 </a:tc>
+                <a:extLst>
+                  <a:ext uri="{0D108BD9-81ED-4DB2-BD59-A6C34878D82A}">
+                    <a16:rowId xmlns:a16="http://schemas.microsoft.com/office/drawing/2014/main" val="10005"/>
+                  </a:ext>
+                </a:extLst>
               </a:tr>
               <a:tr h="1371600">
                 <a:tc>
@@ -23378,7 +23716,6 @@
                         <a:rPr lang="zh-CN" altLang="en-US"/>
                         <a:t>异常事件流</a:t>
                       </a:r>
-                      <a:endParaRPr lang="zh-CN" altLang="en-US"/>
                     </a:p>
                   </a:txBody>
                   <a:tcPr/>
@@ -23395,11 +23732,15 @@
                         <a:rPr lang="zh-CN" altLang="en-US"/>
                         <a:t>出现书号或者书籍同名现象，系统发出提示通知使用者是取消输入还是修改，修改之后再检查</a:t>
                       </a:r>
-                      <a:endParaRPr lang="zh-CN" altLang="en-US"/>
                     </a:p>
                   </a:txBody>
                   <a:tcPr/>
                 </a:tc>
+                <a:extLst>
+                  <a:ext uri="{0D108BD9-81ED-4DB2-BD59-A6C34878D82A}">
+                    <a16:rowId xmlns:a16="http://schemas.microsoft.com/office/drawing/2014/main" val="10006"/>
+                  </a:ext>
+                </a:extLst>
               </a:tr>
               <a:tr h="731520">
                 <a:tc>
@@ -23414,7 +23755,6 @@
                         <a:rPr lang="zh-CN" altLang="en-US"/>
                         <a:t>后置条件</a:t>
                       </a:r>
-                      <a:endParaRPr lang="zh-CN" altLang="en-US"/>
                     </a:p>
                   </a:txBody>
                   <a:tcPr/>
@@ -23431,11 +23771,15 @@
                         <a:rPr lang="zh-CN" altLang="en-US"/>
                         <a:t>完成新增图书，书库中增加此图书</a:t>
                       </a:r>
-                      <a:endParaRPr lang="zh-CN" altLang="en-US"/>
                     </a:p>
                   </a:txBody>
                   <a:tcPr/>
                 </a:tc>
+                <a:extLst>
+                  <a:ext uri="{0D108BD9-81ED-4DB2-BD59-A6C34878D82A}">
+                    <a16:rowId xmlns:a16="http://schemas.microsoft.com/office/drawing/2014/main" val="10007"/>
+                  </a:ext>
+                </a:extLst>
               </a:tr>
               <a:tr h="510540">
                 <a:tc>
@@ -23450,7 +23794,6 @@
                         <a:rPr lang="zh-CN" altLang="en-US"/>
                         <a:t>注释</a:t>
                       </a:r>
-                      <a:endParaRPr lang="zh-CN" altLang="en-US"/>
                     </a:p>
                   </a:txBody>
                   <a:tcPr/>
@@ -23468,6 +23811,11 @@
                   </a:txBody>
                   <a:tcPr/>
                 </a:tc>
+                <a:extLst>
+                  <a:ext uri="{0D108BD9-81ED-4DB2-BD59-A6C34878D82A}">
+                    <a16:rowId xmlns:a16="http://schemas.microsoft.com/office/drawing/2014/main" val="10008"/>
+                  </a:ext>
+                </a:extLst>
               </a:tr>
             </a:tbl>
           </a:graphicData>
@@ -23482,7 +23830,7 @@
           <p:nvPr/>
         </p:nvPicPr>
         <p:blipFill>
-          <a:blip r:embed="rId1"/>
+          <a:blip r:embed="rId2"/>
           <a:stretch>
             <a:fillRect/>
           </a:stretch>
@@ -23506,7 +23854,7 @@
           <p:nvPr/>
         </p:nvPicPr>
         <p:blipFill>
-          <a:blip r:embed="rId1"/>
+          <a:blip r:embed="rId2"/>
           <a:stretch>
             <a:fillRect/>
           </a:stretch>
@@ -23648,7 +23996,6 @@
               <a:rPr lang="en-US" sz="2400" dirty="0"/>
               <a:t>2</a:t>
             </a:r>
-            <a:endParaRPr lang="en-US" sz="2400" dirty="0"/>
           </a:p>
         </p:txBody>
       </p:sp>
@@ -23770,12 +24117,6 @@
                 </a:rPr>
                 <a:t>用例之间的可视化表示：</a:t>
               </a:r>
-              <a:endParaRPr lang="zh-CN" dirty="0">
-                <a:solidFill>
-                  <a:srgbClr val="000000"/>
-                </a:solidFill>
-                <a:latin typeface="Verdana" panose="020B0604030504040204" pitchFamily="34" charset="0"/>
-              </a:endParaRPr>
             </a:p>
             <a:p>
               <a:r>
@@ -23796,12 +24137,6 @@
                 </a:rPr>
                 <a:t>包含关系</a:t>
               </a:r>
-              <a:endParaRPr lang="zh-CN" altLang="en-US" dirty="0">
-                <a:solidFill>
-                  <a:srgbClr val="000000"/>
-                </a:solidFill>
-                <a:latin typeface="Verdana" panose="020B0604030504040204" pitchFamily="34" charset="0"/>
-              </a:endParaRPr>
             </a:p>
             <a:p>
               <a:r>
@@ -23822,12 +24157,6 @@
                 </a:rPr>
                 <a:t>扩展关系</a:t>
               </a:r>
-              <a:endParaRPr lang="zh-CN" altLang="en-US" dirty="0">
-                <a:solidFill>
-                  <a:srgbClr val="000000"/>
-                </a:solidFill>
-                <a:latin typeface="Verdana" panose="020B0604030504040204" pitchFamily="34" charset="0"/>
-              </a:endParaRPr>
             </a:p>
             <a:p>
               <a:r>
@@ -23848,12 +24177,6 @@
                 </a:rPr>
                 <a:t>泛化关系</a:t>
               </a:r>
-              <a:endParaRPr lang="zh-CN" altLang="en-US" dirty="0">
-                <a:solidFill>
-                  <a:srgbClr val="000000"/>
-                </a:solidFill>
-                <a:latin typeface="Verdana" panose="020B0604030504040204" pitchFamily="34" charset="0"/>
-              </a:endParaRPr>
             </a:p>
             <a:p>
               <a:r>
@@ -24010,7 +24333,7 @@
           <p:nvPr/>
         </p:nvPicPr>
         <p:blipFill>
-          <a:blip r:embed="rId1"/>
+          <a:blip r:embed="rId2"/>
           <a:stretch>
             <a:fillRect/>
           </a:stretch>
@@ -24152,7 +24475,6 @@
               <a:rPr lang="en-US" sz="2400" dirty="0"/>
               <a:t>3</a:t>
             </a:r>
-            <a:endParaRPr lang="en-US" sz="2400" dirty="0"/>
           </a:p>
         </p:txBody>
       </p:sp>
@@ -24410,7 +24732,7 @@
           <p:nvPr/>
         </p:nvPicPr>
         <p:blipFill>
-          <a:blip r:embed="rId1"/>
+          <a:blip r:embed="rId2"/>
           <a:stretch>
             <a:fillRect/>
           </a:stretch>
@@ -24434,7 +24756,7 @@
           <p:nvPr/>
         </p:nvPicPr>
         <p:blipFill>
-          <a:blip r:embed="rId2"/>
+          <a:blip r:embed="rId3"/>
           <a:stretch>
             <a:fillRect/>
           </a:stretch>
@@ -24745,6 +25067,8 @@
       </a:bgFillStyleLst>
     </a:fmtScheme>
   </a:themeElements>
+  <a:objectDefaults/>
+  <a:extraClrSchemeLst/>
   <a:extLst>
     <a:ext uri="{05A4C25C-085E-4340-85A3-A5531E510DB2}">
       <thm15:themeFamily xmlns:thm15="http://schemas.microsoft.com/office/thememl/2012/main" name="Office Theme" id="{62F939B6-93AF-4DB8-9C6B-D6C7DFDC589F}" vid="{4A3C46E8-61CC-4603-A589-7422A47A8E4A}"/>
@@ -25033,6 +25357,8 @@
       </a:bgFillStyleLst>
     </a:fmtScheme>
   </a:themeElements>
+  <a:objectDefaults/>
+  <a:extraClrSchemeLst/>
   <a:extLst>
     <a:ext uri="{05A4C25C-085E-4340-85A3-A5531E510DB2}">
       <thm15:themeFamily xmlns:thm15="http://schemas.microsoft.com/office/thememl/2012/main" name="Office Theme" id="{62F939B6-93AF-4DB8-9C6B-D6C7DFDC589F}" vid="{4A3C46E8-61CC-4603-A589-7422A47A8E4A}"/>
@@ -25321,6 +25647,8 @@
       </a:bgFillStyleLst>
     </a:fmtScheme>
   </a:themeElements>
+  <a:objectDefaults/>
+  <a:extraClrSchemeLst/>
   <a:extLst>
     <a:ext uri="{05A4C25C-085E-4340-85A3-A5531E510DB2}">
       <thm15:themeFamily xmlns:thm15="http://schemas.microsoft.com/office/thememl/2012/main" name="Office Theme" id="{62F939B6-93AF-4DB8-9C6B-D6C7DFDC589F}" vid="{4A3C46E8-61CC-4603-A589-7422A47A8E4A}"/>

--- a/受控文档/00-PPT/PRD2018-G11-UML图.pptx
+++ b/受控文档/00-PPT/PRD2018-G11-UML图.pptx
@@ -5,47 +5,47 @@
     <p:sldMasterId id="2147483648" r:id="rId1"/>
   </p:sldMasterIdLst>
   <p:notesMasterIdLst>
-    <p:notesMasterId r:id="rId35"/>
+    <p:notesMasterId r:id="rId4"/>
   </p:notesMasterIdLst>
   <p:handoutMasterIdLst>
-    <p:handoutMasterId r:id="rId36"/>
+    <p:handoutMasterId r:id="rId37"/>
   </p:handoutMasterIdLst>
   <p:sldIdLst>
-    <p:sldId id="370" r:id="rId2"/>
-    <p:sldId id="492" r:id="rId3"/>
-    <p:sldId id="439" r:id="rId4"/>
-    <p:sldId id="506" r:id="rId5"/>
-    <p:sldId id="507" r:id="rId6"/>
-    <p:sldId id="545" r:id="rId7"/>
-    <p:sldId id="546" r:id="rId8"/>
-    <p:sldId id="547" r:id="rId9"/>
-    <p:sldId id="548" r:id="rId10"/>
-    <p:sldId id="549" r:id="rId11"/>
-    <p:sldId id="508" r:id="rId12"/>
-    <p:sldId id="550" r:id="rId13"/>
-    <p:sldId id="551" r:id="rId14"/>
-    <p:sldId id="552" r:id="rId15"/>
-    <p:sldId id="553" r:id="rId16"/>
-    <p:sldId id="554" r:id="rId17"/>
-    <p:sldId id="555" r:id="rId18"/>
-    <p:sldId id="556" r:id="rId19"/>
-    <p:sldId id="576" r:id="rId20"/>
-    <p:sldId id="577" r:id="rId21"/>
-    <p:sldId id="578" r:id="rId22"/>
-    <p:sldId id="579" r:id="rId23"/>
-    <p:sldId id="580" r:id="rId24"/>
-    <p:sldId id="581" r:id="rId25"/>
-    <p:sldId id="561" r:id="rId26"/>
-    <p:sldId id="562" r:id="rId27"/>
-    <p:sldId id="564" r:id="rId28"/>
-    <p:sldId id="566" r:id="rId29"/>
-    <p:sldId id="582" r:id="rId30"/>
-    <p:sldId id="583" r:id="rId31"/>
-    <p:sldId id="455" r:id="rId32"/>
-    <p:sldId id="532" r:id="rId33"/>
-    <p:sldId id="436" r:id="rId34"/>
+    <p:sldId id="370" r:id="rId3"/>
+    <p:sldId id="492" r:id="rId5"/>
+    <p:sldId id="439" r:id="rId6"/>
+    <p:sldId id="506" r:id="rId7"/>
+    <p:sldId id="507" r:id="rId8"/>
+    <p:sldId id="545" r:id="rId9"/>
+    <p:sldId id="546" r:id="rId10"/>
+    <p:sldId id="547" r:id="rId11"/>
+    <p:sldId id="548" r:id="rId12"/>
+    <p:sldId id="549" r:id="rId13"/>
+    <p:sldId id="508" r:id="rId14"/>
+    <p:sldId id="550" r:id="rId15"/>
+    <p:sldId id="551" r:id="rId16"/>
+    <p:sldId id="552" r:id="rId17"/>
+    <p:sldId id="553" r:id="rId18"/>
+    <p:sldId id="554" r:id="rId19"/>
+    <p:sldId id="555" r:id="rId20"/>
+    <p:sldId id="556" r:id="rId21"/>
+    <p:sldId id="576" r:id="rId22"/>
+    <p:sldId id="577" r:id="rId23"/>
+    <p:sldId id="578" r:id="rId24"/>
+    <p:sldId id="579" r:id="rId25"/>
+    <p:sldId id="580" r:id="rId26"/>
+    <p:sldId id="581" r:id="rId27"/>
+    <p:sldId id="561" r:id="rId28"/>
+    <p:sldId id="562" r:id="rId29"/>
+    <p:sldId id="564" r:id="rId30"/>
+    <p:sldId id="566" r:id="rId31"/>
+    <p:sldId id="582" r:id="rId32"/>
+    <p:sldId id="583" r:id="rId33"/>
+    <p:sldId id="455" r:id="rId34"/>
+    <p:sldId id="532" r:id="rId35"/>
+    <p:sldId id="436" r:id="rId36"/>
   </p:sldIdLst>
-  <p:sldSz cx="12190413" cy="6859588"/>
+  <p:sldSz cx="12190095" cy="6859270"/>
   <p:notesSz cx="6858000" cy="9144000"/>
   <p:defaultTextStyle>
     <a:defPPr>
@@ -142,51 +142,6 @@
       </a:defRPr>
     </a:lvl9pPr>
   </p:defaultTextStyle>
-  <p:extLst>
-    <p:ext uri="{EFAFB233-063F-42B5-8137-9DF3F51BA10A}">
-      <p15:sldGuideLst xmlns:p15="http://schemas.microsoft.com/office/powerpoint/2012/main">
-        <p15:guide id="1" orient="horz" pos="2160">
-          <p15:clr>
-            <a:srgbClr val="A4A3A4"/>
-          </p15:clr>
-        </p15:guide>
-        <p15:guide id="2" orient="horz" pos="3884">
-          <p15:clr>
-            <a:srgbClr val="A4A3A4"/>
-          </p15:clr>
-        </p15:guide>
-        <p15:guide id="3" pos="3839">
-          <p15:clr>
-            <a:srgbClr val="A4A3A4"/>
-          </p15:clr>
-        </p15:guide>
-        <p15:guide id="4" pos="7170">
-          <p15:clr>
-            <a:srgbClr val="A4A3A4"/>
-          </p15:clr>
-        </p15:guide>
-        <p15:guide id="5" pos="554">
-          <p15:clr>
-            <a:srgbClr val="A4A3A4"/>
-          </p15:clr>
-        </p15:guide>
-      </p15:sldGuideLst>
-    </p:ext>
-    <p:ext uri="{2D200454-40CA-4A62-9FC3-DE9A4176ACB9}">
-      <p15:notesGuideLst xmlns:p15="http://schemas.microsoft.com/office/powerpoint/2012/main">
-        <p15:guide id="1" orient="horz" pos="2880">
-          <p15:clr>
-            <a:srgbClr val="A4A3A4"/>
-          </p15:clr>
-        </p15:guide>
-        <p15:guide id="2" pos="2160">
-          <p15:clr>
-            <a:srgbClr val="A4A3A4"/>
-          </p15:clr>
-        </p15:guide>
-      </p15:notesGuideLst>
-    </p:ext>
-  </p:extLst>
 </p:presentation>
 </file>
 
@@ -272,7 +227,6 @@
           <a:p>
             <a:fld id="{5D1C15E6-6BD2-4E4B-B1D4-218C26E1B228}" type="datetimeFigureOut">
               <a:rPr lang="zh-CN" altLang="en-US" smtClean="0"/>
-              <a:t>2018/10/28</a:t>
             </a:fld>
             <a:endParaRPr lang="zh-CN" altLang="en-US"/>
           </a:p>
@@ -338,7 +292,6 @@
           <a:p>
             <a:fld id="{E655EDCA-2189-4435-B38B-6F3C2C044356}" type="slidenum">
               <a:rPr lang="zh-CN" altLang="en-US" smtClean="0"/>
-              <a:t>‹#›</a:t>
             </a:fld>
             <a:endParaRPr lang="zh-CN" altLang="en-US"/>
           </a:p>
@@ -432,7 +385,6 @@
           <a:p>
             <a:fld id="{0B17430C-5A66-4BD0-A971-34190B6C6019}" type="datetimeFigureOut">
               <a:rPr lang="zh-CN" altLang="en-US" smtClean="0"/>
-              <a:t>2018/10/28</a:t>
             </a:fld>
             <a:endParaRPr lang="zh-CN" altLang="en-US"/>
           </a:p>
@@ -499,6 +451,7 @@
               <a:rPr lang="zh-CN" altLang="en-US" smtClean="0"/>
               <a:t>单击此处编辑母版文本样式</a:t>
             </a:r>
+            <a:endParaRPr lang="zh-CN" altLang="en-US" smtClean="0"/>
           </a:p>
           <a:p>
             <a:pPr lvl="1"/>
@@ -506,6 +459,7 @@
               <a:rPr lang="zh-CN" altLang="en-US" smtClean="0"/>
               <a:t>第二级</a:t>
             </a:r>
+            <a:endParaRPr lang="zh-CN" altLang="en-US" smtClean="0"/>
           </a:p>
           <a:p>
             <a:pPr lvl="2"/>
@@ -513,6 +467,7 @@
               <a:rPr lang="zh-CN" altLang="en-US" smtClean="0"/>
               <a:t>第三级</a:t>
             </a:r>
+            <a:endParaRPr lang="zh-CN" altLang="en-US" smtClean="0"/>
           </a:p>
           <a:p>
             <a:pPr lvl="3"/>
@@ -520,6 +475,7 @@
               <a:rPr lang="zh-CN" altLang="en-US" smtClean="0"/>
               <a:t>第四级</a:t>
             </a:r>
+            <a:endParaRPr lang="zh-CN" altLang="en-US" smtClean="0"/>
           </a:p>
           <a:p>
             <a:pPr lvl="4"/>
@@ -591,7 +547,6 @@
           <a:p>
             <a:fld id="{74AC173A-3DA8-4893-B28A-1E15F55C330A}" type="slidenum">
               <a:rPr lang="zh-CN" altLang="en-US" smtClean="0"/>
-              <a:t>‹#›</a:t>
             </a:fld>
             <a:endParaRPr lang="zh-CN" altLang="en-US"/>
           </a:p>
@@ -760,7 +715,6 @@
           <a:p>
             <a:fld id="{74AC173A-3DA8-4893-B28A-1E15F55C330A}" type="slidenum">
               <a:rPr lang="zh-CN" altLang="en-US" smtClean="0"/>
-              <a:t>1</a:t>
             </a:fld>
             <a:endParaRPr lang="zh-CN" altLang="en-US"/>
           </a:p>
@@ -839,7 +793,6 @@
           <a:p>
             <a:fld id="{74AC173A-3DA8-4893-B28A-1E15F55C330A}" type="slidenum">
               <a:rPr lang="zh-CN" altLang="en-US" smtClean="0"/>
-              <a:t>2</a:t>
             </a:fld>
             <a:endParaRPr lang="zh-CN" altLang="en-US"/>
           </a:p>
@@ -918,7 +871,6 @@
           <a:p>
             <a:fld id="{74AC173A-3DA8-4893-B28A-1E15F55C330A}" type="slidenum">
               <a:rPr lang="zh-CN" altLang="en-US" smtClean="0"/>
-              <a:t>31</a:t>
             </a:fld>
             <a:endParaRPr lang="zh-CN" altLang="en-US"/>
           </a:p>
@@ -997,7 +949,6 @@
           <a:p>
             <a:fld id="{74AC173A-3DA8-4893-B28A-1E15F55C330A}" type="slidenum">
               <a:rPr lang="zh-CN" altLang="en-US" smtClean="0"/>
-              <a:t>32</a:t>
             </a:fld>
             <a:endParaRPr lang="zh-CN" altLang="en-US"/>
           </a:p>
@@ -1076,7 +1027,6 @@
           <a:p>
             <a:fld id="{74AC173A-3DA8-4893-B28A-1E15F55C330A}" type="slidenum">
               <a:rPr lang="zh-CN" altLang="en-US" smtClean="0"/>
-              <a:t>33</a:t>
             </a:fld>
             <a:endParaRPr lang="zh-CN" altLang="en-US"/>
           </a:p>
@@ -1288,7 +1238,6 @@
                 <a:latin typeface="微软雅黑" panose="020B0503020204020204" pitchFamily="34" charset="-122"/>
                 <a:ea typeface="微软雅黑" panose="020B0503020204020204" pitchFamily="34" charset="-122"/>
               </a:rPr>
-              <a:t>‹#›</a:t>
             </a:fld>
             <a:r>
               <a:rPr lang="zh-CN" altLang="en-US" sz="1800" dirty="0" smtClean="0">
@@ -2218,7 +2167,6 @@
           <a:p>
             <a:fld id="{530820CF-B880-4189-942D-D702A7CBA730}" type="datetimeFigureOut">
               <a:rPr lang="zh-CN" altLang="en-US" smtClean="0"/>
-              <a:t>2018/10/28</a:t>
             </a:fld>
             <a:endParaRPr lang="zh-CN" altLang="en-US"/>
           </a:p>
@@ -2276,7 +2224,6 @@
           <a:p>
             <a:fld id="{0C913308-F349-4B6D-A68A-DD1791B4A57B}" type="slidenum">
               <a:rPr lang="zh-CN" altLang="en-US" smtClean="0"/>
-              <a:t>‹#›</a:t>
             </a:fld>
             <a:endParaRPr lang="zh-CN" altLang="en-US"/>
           </a:p>
@@ -2335,7 +2282,6 @@
           <a:p>
             <a:fld id="{530820CF-B880-4189-942D-D702A7CBA730}" type="datetimeFigureOut">
               <a:rPr lang="zh-CN" altLang="en-US" smtClean="0"/>
-              <a:t>2018/10/28</a:t>
             </a:fld>
             <a:endParaRPr lang="zh-CN" altLang="en-US"/>
           </a:p>
@@ -2393,7 +2339,6 @@
           <a:p>
             <a:fld id="{0C913308-F349-4B6D-A68A-DD1791B4A57B}" type="slidenum">
               <a:rPr lang="zh-CN" altLang="en-US" smtClean="0"/>
-              <a:t>‹#›</a:t>
             </a:fld>
             <a:endParaRPr lang="zh-CN" altLang="en-US"/>
           </a:p>
@@ -3202,6 +3147,13 @@
               </a:rPr>
               <a:t>图</a:t>
             </a:r>
+            <a:endParaRPr lang="zh-CN" altLang="en-US" sz="5400" dirty="0" smtClean="0">
+              <a:solidFill>
+                <a:srgbClr val="38B1BF"/>
+              </a:solidFill>
+              <a:latin typeface="微软雅黑" panose="020B0503020204020204" pitchFamily="34" charset="-122"/>
+              <a:ea typeface="微软雅黑" panose="020B0503020204020204" pitchFamily="34" charset="-122"/>
+            </a:endParaRPr>
           </a:p>
           <a:p>
             <a:pPr fontAlgn="auto">
@@ -3219,6 +3171,13 @@
               </a:rPr>
               <a:t>用例图，类图，状态机图，通信图，顺序图，部署图</a:t>
             </a:r>
+            <a:endParaRPr lang="zh-CN" altLang="en-US" sz="2000" dirty="0" smtClean="0">
+              <a:solidFill>
+                <a:srgbClr val="38B1BF"/>
+              </a:solidFill>
+              <a:latin typeface="微软雅黑" panose="020B0503020204020204" pitchFamily="34" charset="-122"/>
+              <a:ea typeface="微软雅黑" panose="020B0503020204020204" pitchFamily="34" charset="-122"/>
+            </a:endParaRPr>
           </a:p>
         </p:txBody>
       </p:sp>
@@ -3518,6 +3477,14 @@
               </a:rPr>
               <a:t>浙江大学城市学院</a:t>
             </a:r>
+            <a:endParaRPr lang="zh-CN" altLang="en-US" kern="300" spc="2000">
+              <a:solidFill>
+                <a:schemeClr val="tx1"/>
+              </a:solidFill>
+              <a:uFillTx/>
+              <a:latin typeface="+中文标题" charset="0"/>
+              <a:ea typeface="+mj-ea"/>
+            </a:endParaRPr>
           </a:p>
         </p:txBody>
       </p:sp>
@@ -3526,13 +3493,13 @@
   <p:clrMapOvr>
     <a:masterClrMapping/>
   </p:clrMapOvr>
-  <mc:AlternateContent xmlns:mc="http://schemas.openxmlformats.org/markup-compatibility/2006" xmlns:p14="http://schemas.microsoft.com/office/powerpoint/2010/main">
-    <mc:Choice Requires="p14">
+  <mc:AlternateContent xmlns:mc="http://schemas.openxmlformats.org/markup-compatibility/2006">
+    <mc:Choice xmlns:p14="http://schemas.microsoft.com/office/powerpoint/2010/main" Requires="p14">
       <p:transition spd="slow" p14:dur="1600" advClick="0" advTm="0">
         <p:blinds dir="vert"/>
       </p:transition>
     </mc:Choice>
-    <mc:Fallback xmlns="">
+    <mc:Fallback>
       <p:transition spd="slow" advClick="0" advTm="0">
         <p:blinds dir="vert"/>
       </p:transition>
@@ -4444,6 +4411,7 @@
               <a:rPr lang="en-US" sz="2400" dirty="0"/>
               <a:t>3</a:t>
             </a:r>
+            <a:endParaRPr lang="en-US" sz="2400" dirty="0"/>
           </a:p>
         </p:txBody>
       </p:sp>
@@ -4701,7 +4669,7 @@
           <p:nvPr/>
         </p:nvPicPr>
         <p:blipFill>
-          <a:blip r:embed="rId2"/>
+          <a:blip r:embed="rId1"/>
           <a:stretch>
             <a:fillRect/>
           </a:stretch>
@@ -4725,7 +4693,7 @@
           <p:nvPr/>
         </p:nvPicPr>
         <p:blipFill>
-          <a:blip r:embed="rId3"/>
+          <a:blip r:embed="rId2"/>
           <a:stretch>
             <a:fillRect/>
           </a:stretch>
@@ -4867,6 +4835,7 @@
               <a:rPr lang="en-US" sz="2400" dirty="0"/>
               <a:t>3</a:t>
             </a:r>
+            <a:endParaRPr lang="en-US" sz="2400" dirty="0"/>
           </a:p>
         </p:txBody>
       </p:sp>
@@ -4934,6 +4903,13 @@
               </a:rPr>
               <a:t>类图</a:t>
             </a:r>
+            <a:endParaRPr lang="zh-CN" altLang="en-US" sz="2665" dirty="0">
+              <a:solidFill>
+                <a:srgbClr val="183A5D"/>
+              </a:solidFill>
+              <a:latin typeface="微软雅黑" panose="020B0503020204020204" pitchFamily="34" charset="-122"/>
+              <a:ea typeface="微软雅黑" panose="020B0503020204020204" pitchFamily="34" charset="-122"/>
+            </a:endParaRPr>
           </a:p>
         </p:txBody>
       </p:sp>
@@ -4982,6 +4958,13 @@
                 </a:rPr>
                 <a:t>关联关系</a:t>
               </a:r>
+              <a:endParaRPr lang="zh-CN" altLang="en-US" b="0" i="0" dirty="0">
+                <a:solidFill>
+                  <a:srgbClr val="000000"/>
+                </a:solidFill>
+                <a:effectLst/>
+                <a:latin typeface="Verdana" panose="020B0604030504040204" pitchFamily="34" charset="0"/>
+              </a:endParaRPr>
             </a:p>
             <a:p>
               <a:r>
@@ -5004,6 +4987,13 @@
                 </a:rPr>
                 <a:t>直接使用名称</a:t>
               </a:r>
+              <a:endParaRPr lang="zh-CN" altLang="en-US" b="0" i="0" dirty="0">
+                <a:solidFill>
+                  <a:srgbClr val="000000"/>
+                </a:solidFill>
+                <a:effectLst/>
+                <a:latin typeface="Verdana" panose="020B0604030504040204" pitchFamily="34" charset="0"/>
+              </a:endParaRPr>
             </a:p>
             <a:p>
               <a:r>
@@ -5026,6 +5016,13 @@
                 </a:rPr>
                 <a:t>角色，即玩家可以名为拥有者，英雄可以为被拥有者，学生为学习者，教师为教学者。</a:t>
               </a:r>
+              <a:endParaRPr lang="zh-CN" altLang="en-US" b="0" i="0" dirty="0">
+                <a:solidFill>
+                  <a:srgbClr val="000000"/>
+                </a:solidFill>
+                <a:effectLst/>
+                <a:latin typeface="Verdana" panose="020B0604030504040204" pitchFamily="34" charset="0"/>
+              </a:endParaRPr>
             </a:p>
           </p:txBody>
         </p:sp>
@@ -5146,7 +5143,7 @@
           <p:nvPr/>
         </p:nvPicPr>
         <p:blipFill>
-          <a:blip r:embed="rId2"/>
+          <a:blip r:embed="rId1"/>
           <a:stretch>
             <a:fillRect/>
           </a:stretch>
@@ -5288,6 +5285,7 @@
               <a:rPr lang="en-US" sz="2400" dirty="0"/>
               <a:t>3</a:t>
             </a:r>
+            <a:endParaRPr lang="en-US" sz="2400" dirty="0"/>
           </a:p>
         </p:txBody>
       </p:sp>
@@ -5430,6 +5428,13 @@
                 </a:rPr>
                 <a:t>多重性</a:t>
               </a:r>
+              <a:endParaRPr lang="zh-CN" altLang="en-US" b="0" i="0" dirty="0">
+                <a:solidFill>
+                  <a:srgbClr val="000000"/>
+                </a:solidFill>
+                <a:effectLst/>
+                <a:latin typeface="Verdana" panose="020B0604030504040204" pitchFamily="34" charset="0"/>
+              </a:endParaRPr>
             </a:p>
             <a:p>
               <a:endParaRPr lang="zh-CN" altLang="en-US" b="0" i="0" dirty="0">
@@ -5559,7 +5564,7 @@
           <p:nvPr/>
         </p:nvPicPr>
         <p:blipFill>
-          <a:blip r:embed="rId2"/>
+          <a:blip r:embed="rId1"/>
           <a:stretch>
             <a:fillRect/>
           </a:stretch>
@@ -5701,6 +5706,7 @@
               <a:rPr lang="en-US" sz="2400" dirty="0"/>
               <a:t>3</a:t>
             </a:r>
+            <a:endParaRPr lang="en-US" sz="2400" dirty="0"/>
           </a:p>
         </p:txBody>
       </p:sp>
@@ -5834,6 +5840,13 @@
                 </a:rPr>
                 <a:t>聚合</a:t>
               </a:r>
+              <a:endParaRPr lang="zh-CN" altLang="en-US" b="0" i="0" dirty="0">
+                <a:solidFill>
+                  <a:srgbClr val="000000"/>
+                </a:solidFill>
+                <a:effectLst/>
+                <a:latin typeface="Verdana" panose="020B0604030504040204" pitchFamily="34" charset="0"/>
+              </a:endParaRPr>
             </a:p>
             <a:p>
               <a:endParaRPr lang="zh-CN" altLang="en-US" b="0" i="0" dirty="0">
@@ -5963,7 +5976,7 @@
           <p:nvPr/>
         </p:nvPicPr>
         <p:blipFill>
-          <a:blip r:embed="rId2"/>
+          <a:blip r:embed="rId1"/>
           <a:stretch>
             <a:fillRect/>
           </a:stretch>
@@ -6105,6 +6118,7 @@
               <a:rPr lang="en-US" sz="2400" dirty="0"/>
               <a:t>3</a:t>
             </a:r>
+            <a:endParaRPr lang="en-US" sz="2400" dirty="0"/>
           </a:p>
         </p:txBody>
       </p:sp>
@@ -6247,6 +6261,13 @@
                 </a:rPr>
                 <a:t>组合</a:t>
               </a:r>
+              <a:endParaRPr lang="zh-CN" altLang="en-US" b="0" i="0" dirty="0">
+                <a:solidFill>
+                  <a:srgbClr val="000000"/>
+                </a:solidFill>
+                <a:effectLst/>
+                <a:latin typeface="Verdana" panose="020B0604030504040204" pitchFamily="34" charset="0"/>
+              </a:endParaRPr>
             </a:p>
             <a:p>
               <a:endParaRPr lang="zh-CN" altLang="en-US" b="0" i="0" dirty="0">
@@ -6397,6 +6418,7 @@
               <a:rPr lang="zh-CN" altLang="en-US"/>
               <a:t>一个对象可以被几个其他聚集对象所拥有。如果一个对象只归属于一个聚集对象，那么它和聚集对象之间的关系就称为组合（composition）。例如：“一个学生有一个名字”就是组合关系，“一个学生有一个地址”就是聚集关系，因为一个地址可以被几个学生所共享。</a:t>
             </a:r>
+            <a:endParaRPr lang="zh-CN" altLang="en-US"/>
           </a:p>
           <a:p>
             <a:r>
@@ -6546,6 +6568,7 @@
               <a:rPr lang="en-US" sz="2400" dirty="0"/>
               <a:t>3</a:t>
             </a:r>
+            <a:endParaRPr lang="en-US" sz="2400" dirty="0"/>
           </a:p>
         </p:txBody>
       </p:sp>
@@ -6688,6 +6711,13 @@
                 </a:rPr>
                 <a:t>导航性（单向与双向）</a:t>
               </a:r>
+              <a:endParaRPr lang="zh-CN" altLang="en-US" b="0" i="0" dirty="0">
+                <a:solidFill>
+                  <a:srgbClr val="000000"/>
+                </a:solidFill>
+                <a:effectLst/>
+                <a:latin typeface="Verdana" panose="020B0604030504040204" pitchFamily="34" charset="0"/>
+              </a:endParaRPr>
             </a:p>
             <a:p>
               <a:endParaRPr lang="zh-CN" altLang="en-US" b="0" i="0" dirty="0">
@@ -6817,7 +6847,7 @@
           <p:nvPr/>
         </p:nvPicPr>
         <p:blipFill>
-          <a:blip r:embed="rId2"/>
+          <a:blip r:embed="rId1"/>
           <a:stretch>
             <a:fillRect/>
           </a:stretch>
@@ -6841,7 +6871,7 @@
           <p:nvPr/>
         </p:nvPicPr>
         <p:blipFill>
-          <a:blip r:embed="rId3"/>
+          <a:blip r:embed="rId2"/>
           <a:stretch>
             <a:fillRect/>
           </a:stretch>
@@ -6983,6 +7013,7 @@
               <a:rPr lang="en-US" sz="2400" dirty="0"/>
               <a:t>3</a:t>
             </a:r>
+            <a:endParaRPr lang="en-US" sz="2400" dirty="0"/>
           </a:p>
         </p:txBody>
       </p:sp>
@@ -7125,6 +7156,13 @@
                 </a:rPr>
                 <a:t>关联类</a:t>
               </a:r>
+              <a:endParaRPr lang="zh-CN" altLang="en-US" b="0" i="0" dirty="0">
+                <a:solidFill>
+                  <a:srgbClr val="000000"/>
+                </a:solidFill>
+                <a:effectLst/>
+                <a:latin typeface="Verdana" panose="020B0604030504040204" pitchFamily="34" charset="0"/>
+              </a:endParaRPr>
             </a:p>
             <a:p>
               <a:endParaRPr lang="zh-CN" altLang="en-US" b="0" i="0" dirty="0">
@@ -7254,7 +7292,7 @@
           <p:nvPr/>
         </p:nvPicPr>
         <p:blipFill>
-          <a:blip r:embed="rId2"/>
+          <a:blip r:embed="rId1"/>
           <a:stretch>
             <a:fillRect/>
           </a:stretch>
@@ -7396,6 +7434,7 @@
               <a:rPr lang="en-US" sz="2400" dirty="0"/>
               <a:t>3</a:t>
             </a:r>
+            <a:endParaRPr lang="en-US" sz="2400" dirty="0"/>
           </a:p>
         </p:txBody>
       </p:sp>
@@ -7538,6 +7577,13 @@
                 </a:rPr>
                 <a:t>约束</a:t>
               </a:r>
+              <a:endParaRPr lang="zh-CN" altLang="en-US" b="0" i="0" dirty="0">
+                <a:solidFill>
+                  <a:srgbClr val="000000"/>
+                </a:solidFill>
+                <a:effectLst/>
+                <a:latin typeface="Verdana" panose="020B0604030504040204" pitchFamily="34" charset="0"/>
+              </a:endParaRPr>
             </a:p>
             <a:p>
               <a:endParaRPr lang="zh-CN" altLang="en-US" b="0" i="0" dirty="0">
@@ -7667,7 +7713,7 @@
           <p:nvPr/>
         </p:nvPicPr>
         <p:blipFill>
-          <a:blip r:embed="rId2"/>
+          <a:blip r:embed="rId1"/>
           <a:stretch>
             <a:fillRect/>
           </a:stretch>
@@ -7809,6 +7855,7 @@
               <a:rPr lang="en-US" sz="2400" dirty="0"/>
               <a:t>3</a:t>
             </a:r>
+            <a:endParaRPr lang="en-US" sz="2400" dirty="0"/>
           </a:p>
         </p:txBody>
       </p:sp>
@@ -7951,6 +7998,13 @@
                 </a:rPr>
                 <a:t>实现关系</a:t>
               </a:r>
+              <a:endParaRPr lang="zh-CN" altLang="en-US" b="0" i="0" dirty="0">
+                <a:solidFill>
+                  <a:srgbClr val="000000"/>
+                </a:solidFill>
+                <a:effectLst/>
+                <a:latin typeface="Verdana" panose="020B0604030504040204" pitchFamily="34" charset="0"/>
+              </a:endParaRPr>
             </a:p>
             <a:p>
               <a:endParaRPr lang="zh-CN" altLang="en-US" b="0" i="0" dirty="0">
@@ -8080,7 +8134,7 @@
           <p:nvPr/>
         </p:nvPicPr>
         <p:blipFill>
-          <a:blip r:embed="rId2"/>
+          <a:blip r:embed="rId1"/>
           <a:stretch>
             <a:fillRect/>
           </a:stretch>
@@ -8498,6 +8552,7 @@
               <a:rPr lang="zh-CN" altLang="en-US" dirty="0"/>
               <a:t>顺序图是用来描述对象自身及对象间信息传递顺序的视图。它用来表示用例中的行为顺序。当执行一个用例行为时，顺序图中的每条消息对应了一个类操作或状态机中引起转换的触发事件。它着重显示了参与相互作用的对象和所交换消息的顺序。</a:t>
             </a:r>
+            <a:endParaRPr lang="zh-CN" altLang="en-US" dirty="0"/>
           </a:p>
           <a:p>
             <a:pPr indent="457200"/>
@@ -8517,6 +8572,7 @@
               <a:rPr lang="zh-CN" altLang="en-US" dirty="0"/>
               <a:t>个标记符：对象、生命线、消息和激活。</a:t>
             </a:r>
+            <a:endParaRPr lang="zh-CN" altLang="en-US" dirty="0"/>
           </a:p>
         </p:txBody>
       </p:sp>
@@ -8529,7 +8585,7 @@
           <p:nvPr/>
         </p:nvPicPr>
         <p:blipFill>
-          <a:blip r:embed="rId2">
+          <a:blip r:embed="rId1">
             <a:extLst>
               <a:ext uri="{28A0092B-C50C-407E-A947-70E740481C1C}">
                 <a14:useLocalDpi xmlns:a14="http://schemas.microsoft.com/office/drawing/2010/main" val="0"/>
@@ -10507,13 +10563,13 @@
   <p:clrMapOvr>
     <a:masterClrMapping/>
   </p:clrMapOvr>
-  <mc:AlternateContent xmlns:mc="http://schemas.openxmlformats.org/markup-compatibility/2006" xmlns:p14="http://schemas.microsoft.com/office/powerpoint/2010/main">
-    <mc:Choice Requires="p14">
+  <mc:AlternateContent xmlns:mc="http://schemas.openxmlformats.org/markup-compatibility/2006">
+    <mc:Choice xmlns:p14="http://schemas.microsoft.com/office/powerpoint/2010/main" Requires="p14">
       <p:transition spd="slow" p14:dur="1200" advClick="0" advTm="0">
         <p14:prism/>
       </p:transition>
     </mc:Choice>
-    <mc:Fallback xmlns="">
+    <mc:Fallback>
       <p:transition spd="slow" advClick="0" advTm="0">
         <p:fade/>
       </p:transition>
@@ -12469,7 +12525,7 @@
           <p:nvPr/>
         </p:nvPicPr>
         <p:blipFill>
-          <a:blip r:embed="rId2">
+          <a:blip r:embed="rId1">
             <a:extLst>
               <a:ext uri="{28A0092B-C50C-407E-A947-70E740481C1C}">
                 <a14:useLocalDpi xmlns:a14="http://schemas.microsoft.com/office/drawing/2010/main" val="0"/>
@@ -12920,6 +12976,7 @@
               <a:rPr lang="zh-CN" altLang="en-US" dirty="0"/>
               <a:t>对象是特定行为与属性的集合。</a:t>
             </a:r>
+            <a:endParaRPr lang="zh-CN" altLang="en-US" dirty="0"/>
           </a:p>
           <a:p>
             <a:pPr>
@@ -12931,6 +12988,7 @@
               <a:rPr lang="zh-CN" altLang="en-US" dirty="0"/>
               <a:t>对象的表示方式有三种：</a:t>
             </a:r>
+            <a:endParaRPr lang="zh-CN" altLang="en-US" dirty="0"/>
           </a:p>
           <a:p>
             <a:pPr>
@@ -12986,6 +13044,7 @@
               <a:rPr lang="zh-CN" altLang="en-US" dirty="0"/>
               <a:t>只有对象名</a:t>
             </a:r>
+            <a:endParaRPr lang="zh-CN" altLang="en-US" dirty="0"/>
           </a:p>
         </p:txBody>
       </p:sp>
@@ -12998,7 +13057,7 @@
           <p:nvPr/>
         </p:nvPicPr>
         <p:blipFill>
-          <a:blip r:embed="rId2">
+          <a:blip r:embed="rId1">
             <a:extLst>
               <a:ext uri="{28A0092B-C50C-407E-A947-70E740481C1C}">
                 <a14:useLocalDpi xmlns:a14="http://schemas.microsoft.com/office/drawing/2010/main" val="0"/>
@@ -13573,6 +13632,11 @@
                   </a:rPr>
                   <a:t>激活</a:t>
                 </a:r>
+                <a:endParaRPr lang="zh-CN" altLang="en-US" sz="1350" dirty="0">
+                  <a:solidFill>
+                    <a:prstClr val="white"/>
+                  </a:solidFill>
+                </a:endParaRPr>
               </a:p>
             </p:txBody>
           </p:sp>
@@ -13604,6 +13668,7 @@
               <a:rPr lang="zh-CN" altLang="en-US" dirty="0"/>
               <a:t>生命线用于描述对象的存在周期，对象下方的虚线就是改对象的生命线。</a:t>
             </a:r>
+            <a:endParaRPr lang="zh-CN" altLang="en-US" dirty="0"/>
           </a:p>
         </p:txBody>
       </p:sp>
@@ -13616,7 +13681,7 @@
           <p:nvPr/>
         </p:nvPicPr>
         <p:blipFill>
-          <a:blip r:embed="rId2">
+          <a:blip r:embed="rId1">
             <a:extLst>
               <a:ext uri="{28A0092B-C50C-407E-A947-70E740481C1C}">
                 <a14:useLocalDpi xmlns:a14="http://schemas.microsoft.com/office/drawing/2010/main" val="0"/>
@@ -13670,7 +13735,7 @@
           <p:nvPr/>
         </p:nvPicPr>
         <p:blipFill>
-          <a:blip r:embed="rId3">
+          <a:blip r:embed="rId2">
             <a:extLst>
               <a:ext uri="{28A0092B-C50C-407E-A947-70E740481C1C}">
                 <a14:useLocalDpi xmlns:a14="http://schemas.microsoft.com/office/drawing/2010/main" val="0"/>
@@ -13741,6 +13806,7 @@
               <a:rPr lang="zh-CN" altLang="en-US" dirty="0"/>
               <a:t>控制焦点是指活动者或对象处于执行状态的时间段。</a:t>
             </a:r>
+            <a:endParaRPr lang="zh-CN" altLang="en-US" dirty="0"/>
           </a:p>
         </p:txBody>
       </p:sp>
@@ -14119,6 +14185,11 @@
                   </a:rPr>
                   <a:t>消息</a:t>
                 </a:r>
+                <a:endParaRPr lang="zh-CN" altLang="en-US" sz="1350" dirty="0">
+                  <a:solidFill>
+                    <a:prstClr val="white"/>
+                  </a:solidFill>
+                </a:endParaRPr>
               </a:p>
             </p:txBody>
           </p:sp>
@@ -14205,6 +14276,7 @@
               <a:rPr lang="zh-CN" altLang="en-US" sz="1600" dirty="0"/>
               <a:t>异步消息：一个对象向另一个对象发出异步消息后，这个对象可以进行其他的操作，不需要等到另一个对象的响应。</a:t>
             </a:r>
+            <a:endParaRPr lang="zh-CN" altLang="en-US" sz="1600" dirty="0"/>
           </a:p>
           <a:p>
             <a:r>
@@ -14229,6 +14301,7 @@
               <a:rPr lang="zh-CN" altLang="en-US" sz="1600" dirty="0"/>
               <a:t>返回消息：同步消息的返回消息</a:t>
             </a:r>
+            <a:endParaRPr lang="zh-CN" altLang="en-US" sz="1600" dirty="0"/>
           </a:p>
           <a:p>
             <a:r>
@@ -14284,7 +14357,7 @@
           <p:nvPr/>
         </p:nvPicPr>
         <p:blipFill>
-          <a:blip r:embed="rId2">
+          <a:blip r:embed="rId1">
             <a:extLst>
               <a:ext uri="{28A0092B-C50C-407E-A947-70E740481C1C}">
                 <a14:useLocalDpi xmlns:a14="http://schemas.microsoft.com/office/drawing/2010/main" val="0"/>
@@ -14338,7 +14411,7 @@
           <p:nvPr/>
         </p:nvPicPr>
         <p:blipFill>
-          <a:blip r:embed="rId3">
+          <a:blip r:embed="rId2">
             <a:extLst>
               <a:ext uri="{28A0092B-C50C-407E-A947-70E740481C1C}">
                 <a14:useLocalDpi xmlns:a14="http://schemas.microsoft.com/office/drawing/2010/main" val="0"/>
@@ -14392,7 +14465,7 @@
           <p:nvPr/>
         </p:nvPicPr>
         <p:blipFill>
-          <a:blip r:embed="rId4">
+          <a:blip r:embed="rId3">
             <a:extLst>
               <a:ext uri="{28A0092B-C50C-407E-A947-70E740481C1C}">
                 <a14:useLocalDpi xmlns:a14="http://schemas.microsoft.com/office/drawing/2010/main" val="0"/>
@@ -14446,7 +14519,7 @@
           <p:nvPr/>
         </p:nvPicPr>
         <p:blipFill>
-          <a:blip r:embed="rId5">
+          <a:blip r:embed="rId4">
             <a:extLst>
               <a:ext uri="{28A0092B-C50C-407E-A947-70E740481C1C}">
                 <a14:useLocalDpi xmlns:a14="http://schemas.microsoft.com/office/drawing/2010/main" val="0"/>
@@ -14877,7 +14950,7 @@
           <p:nvPr/>
         </p:nvPicPr>
         <p:blipFill>
-          <a:blip r:embed="rId2">
+          <a:blip r:embed="rId1">
             <a:extLst>
               <a:ext uri="{28A0092B-C50C-407E-A947-70E740481C1C}">
                 <a14:useLocalDpi xmlns:a14="http://schemas.microsoft.com/office/drawing/2010/main" val="0"/>
@@ -14935,6 +15008,7 @@
               <a:rPr lang="zh-CN" altLang="en-US" dirty="0"/>
               <a:t>画顺序图的步骤：</a:t>
             </a:r>
+            <a:endParaRPr lang="zh-CN" altLang="en-US" dirty="0"/>
           </a:p>
           <a:p>
             <a:endParaRPr lang="zh-CN" altLang="en-US" dirty="0"/>
@@ -14948,6 +15022,7 @@
               <a:rPr lang="zh-CN" altLang="en-US" dirty="0"/>
               <a:t>确定交互的范围</a:t>
             </a:r>
+            <a:endParaRPr lang="zh-CN" altLang="en-US" dirty="0"/>
           </a:p>
           <a:p>
             <a:endParaRPr lang="zh-CN" altLang="en-US" dirty="0"/>
@@ -14961,6 +15036,7 @@
               <a:rPr lang="zh-CN" altLang="en-US" dirty="0"/>
               <a:t>确定参与交互的活动者与对象</a:t>
             </a:r>
+            <a:endParaRPr lang="zh-CN" altLang="en-US" dirty="0"/>
           </a:p>
           <a:p>
             <a:endParaRPr lang="zh-CN" altLang="en-US" dirty="0"/>
@@ -14974,6 +15050,7 @@
               <a:rPr lang="zh-CN" altLang="en-US" dirty="0"/>
               <a:t>确定活动者、对象的生存周期</a:t>
             </a:r>
+            <a:endParaRPr lang="zh-CN" altLang="en-US" dirty="0"/>
           </a:p>
           <a:p>
             <a:endParaRPr lang="zh-CN" altLang="en-US" dirty="0"/>
@@ -14987,6 +15064,7 @@
               <a:rPr lang="zh-CN" altLang="en-US" dirty="0"/>
               <a:t>确定交互中产生的消息</a:t>
             </a:r>
+            <a:endParaRPr lang="zh-CN" altLang="en-US" dirty="0"/>
           </a:p>
           <a:p>
             <a:endParaRPr lang="zh-CN" altLang="en-US" dirty="0"/>
@@ -15000,6 +15078,7 @@
               <a:rPr lang="zh-CN" altLang="en-US" dirty="0"/>
               <a:t>细化消息的内容</a:t>
             </a:r>
+            <a:endParaRPr lang="zh-CN" altLang="en-US" dirty="0"/>
           </a:p>
         </p:txBody>
       </p:sp>
@@ -15130,6 +15209,7 @@
               <a:rPr lang="en-US" sz="2400" dirty="0"/>
               <a:t>6</a:t>
             </a:r>
+            <a:endParaRPr lang="en-US" sz="2400" dirty="0"/>
           </a:p>
         </p:txBody>
       </p:sp>
@@ -15197,6 +15277,13 @@
               </a:rPr>
               <a:t>通信图</a:t>
             </a:r>
+            <a:endParaRPr lang="zh-CN" altLang="zh-CN" sz="2665" dirty="0">
+              <a:solidFill>
+                <a:srgbClr val="183A5D"/>
+              </a:solidFill>
+              <a:latin typeface="微软雅黑" panose="020B0503020204020204" pitchFamily="34" charset="-122"/>
+              <a:ea typeface="微软雅黑" panose="020B0503020204020204" pitchFamily="34" charset="-122"/>
+            </a:endParaRPr>
           </a:p>
         </p:txBody>
       </p:sp>
@@ -15282,6 +15369,13 @@
                 </a:rPr>
                 <a:t>	</a:t>
               </a:r>
+              <a:endParaRPr lang="en-US" altLang="zh-CN" b="0" i="0" dirty="0">
+                <a:solidFill>
+                  <a:schemeClr val="accent4"/>
+                </a:solidFill>
+                <a:effectLst/>
+                <a:latin typeface="Verdana" panose="020B0604030504040204" pitchFamily="34" charset="0"/>
+              </a:endParaRPr>
             </a:p>
             <a:p>
               <a:endParaRPr lang="en-US" altLang="zh-CN" b="0" i="0" dirty="0">
@@ -15411,7 +15505,7 @@
           <p:nvPr/>
         </p:nvPicPr>
         <p:blipFill>
-          <a:blip r:embed="rId2"/>
+          <a:blip r:embed="rId1"/>
           <a:stretch>
             <a:fillRect/>
           </a:stretch>
@@ -15553,6 +15647,7 @@
               <a:rPr lang="en-US" sz="2400" dirty="0"/>
               <a:t>6</a:t>
             </a:r>
+            <a:endParaRPr lang="en-US" sz="2400" dirty="0"/>
           </a:p>
         </p:txBody>
       </p:sp>
@@ -15620,6 +15715,13 @@
               </a:rPr>
               <a:t>通信图</a:t>
             </a:r>
+            <a:endParaRPr lang="zh-CN" altLang="zh-CN" sz="2665" dirty="0">
+              <a:solidFill>
+                <a:srgbClr val="183A5D"/>
+              </a:solidFill>
+              <a:latin typeface="微软雅黑" panose="020B0503020204020204" pitchFamily="34" charset="-122"/>
+              <a:ea typeface="微软雅黑" panose="020B0503020204020204" pitchFamily="34" charset="-122"/>
+            </a:endParaRPr>
           </a:p>
         </p:txBody>
       </p:sp>
@@ -15674,6 +15776,7 @@
                 <a:rPr dirty="0"/>
                 <a:t>。</a:t>
               </a:r>
+              <a:endParaRPr dirty="0"/>
             </a:p>
             <a:p>
               <a:endParaRPr dirty="0"/>
@@ -15729,6 +15832,7 @@
                 <a:rPr dirty="0"/>
                 <a:t>，但时间次序必须从顺序号来获得。</a:t>
               </a:r>
+              <a:endParaRPr dirty="0"/>
             </a:p>
             <a:p>
               <a:endParaRPr dirty="0"/>
@@ -15765,6 +15869,7 @@
                 <a:rPr dirty="0"/>
                 <a:t>。</a:t>
               </a:r>
+              <a:endParaRPr dirty="0"/>
             </a:p>
             <a:p>
               <a:endParaRPr dirty="0"/>
@@ -15788,6 +15893,13 @@
                 </a:rPr>
                 <a:t>	</a:t>
               </a:r>
+              <a:endParaRPr lang="en-US" altLang="zh-CN" b="0" i="0" dirty="0">
+                <a:solidFill>
+                  <a:schemeClr val="accent4"/>
+                </a:solidFill>
+                <a:effectLst/>
+                <a:latin typeface="Verdana" panose="020B0604030504040204" pitchFamily="34" charset="0"/>
+              </a:endParaRPr>
             </a:p>
             <a:p>
               <a:endParaRPr lang="en-US" altLang="zh-CN" b="0" i="0" dirty="0">
@@ -15917,7 +16029,7 @@
           <p:nvPr/>
         </p:nvPicPr>
         <p:blipFill>
-          <a:blip r:embed="rId2"/>
+          <a:blip r:embed="rId1"/>
           <a:stretch>
             <a:fillRect/>
           </a:stretch>
@@ -16059,6 +16171,7 @@
               <a:rPr lang="en-US" sz="2400" dirty="0"/>
               <a:t>6</a:t>
             </a:r>
+            <a:endParaRPr lang="en-US" sz="2400" dirty="0"/>
           </a:p>
         </p:txBody>
       </p:sp>
@@ -16126,6 +16239,13 @@
               </a:rPr>
               <a:t>通信图</a:t>
             </a:r>
+            <a:endParaRPr lang="zh-CN" sz="2665" dirty="0">
+              <a:solidFill>
+                <a:srgbClr val="183A5D"/>
+              </a:solidFill>
+              <a:latin typeface="微软雅黑" panose="020B0503020204020204" pitchFamily="34" charset="-122"/>
+              <a:ea typeface="微软雅黑" panose="020B0503020204020204" pitchFamily="34" charset="-122"/>
+            </a:endParaRPr>
           </a:p>
         </p:txBody>
       </p:sp>
@@ -16245,7 +16365,7 @@
           <p:nvPr/>
         </p:nvPicPr>
         <p:blipFill>
-          <a:blip r:embed="rId2"/>
+          <a:blip r:embed="rId1"/>
           <a:stretch>
             <a:fillRect/>
           </a:stretch>
@@ -16319,6 +16439,7 @@
               <a:rPr lang="zh-CN" altLang="en-US"/>
               <a:t>1，通信图由以下基本元素组成：执行者(Actor)、对象(Object)、连接(Link，也称为链)、消息(Message)和守护条件(Condition)。</a:t>
             </a:r>
+            <a:endParaRPr lang="zh-CN" altLang="en-US"/>
           </a:p>
           <a:p>
             <a:endParaRPr lang="zh-CN" altLang="en-US"/>
@@ -16328,6 +16449,7 @@
               <a:rPr lang="zh-CN" altLang="en-US"/>
               <a:t>2，在UML中，使用实线表示两个对象之间的连接；通信图中的消息，由在连接上方的带有标记的箭头表示，同时可以用数字注明消息的次序。</a:t>
             </a:r>
+            <a:endParaRPr lang="zh-CN" altLang="en-US"/>
           </a:p>
         </p:txBody>
       </p:sp>
@@ -16371,6 +16493,7 @@
               <a:rPr lang="zh-CN" altLang="en-US"/>
               <a:t>连接</a:t>
             </a:r>
+            <a:endParaRPr lang="zh-CN" altLang="en-US"/>
           </a:p>
         </p:txBody>
       </p:sp>
@@ -16447,6 +16570,7 @@
               <a:rPr lang="zh-CN" altLang="en-US"/>
               <a:t>执行者</a:t>
             </a:r>
+            <a:endParaRPr lang="zh-CN" altLang="en-US"/>
           </a:p>
         </p:txBody>
       </p:sp>
@@ -16523,6 +16647,7 @@
               <a:rPr lang="zh-CN" altLang="en-US"/>
               <a:t>消息</a:t>
             </a:r>
+            <a:endParaRPr lang="zh-CN" altLang="en-US"/>
           </a:p>
         </p:txBody>
       </p:sp>
@@ -16599,6 +16724,7 @@
               <a:rPr lang="zh-CN" altLang="en-US"/>
               <a:t>对象</a:t>
             </a:r>
+            <a:endParaRPr lang="zh-CN" altLang="en-US"/>
           </a:p>
         </p:txBody>
       </p:sp>
@@ -16762,6 +16888,7 @@
               <a:rPr lang="en-US" sz="2400" dirty="0"/>
               <a:t>6</a:t>
             </a:r>
+            <a:endParaRPr lang="en-US" sz="2400" dirty="0"/>
           </a:p>
         </p:txBody>
       </p:sp>
@@ -16883,6 +17010,12 @@
                 </a:rPr>
                 <a:t>绘画技巧：</a:t>
               </a:r>
+              <a:endParaRPr lang="zh-CN" dirty="0">
+                <a:solidFill>
+                  <a:srgbClr val="000000"/>
+                </a:solidFill>
+                <a:latin typeface="Verdana" panose="020B0604030504040204" pitchFamily="34" charset="0"/>
+              </a:endParaRPr>
             </a:p>
             <a:p>
               <a:r>
@@ -16921,6 +17054,13 @@
                 </a:rPr>
                 <a:t>；</a:t>
               </a:r>
+              <a:endParaRPr lang="zh-CN" altLang="en-US" b="0" i="0" dirty="0">
+                <a:solidFill>
+                  <a:srgbClr val="000000"/>
+                </a:solidFill>
+                <a:effectLst/>
+                <a:latin typeface="Verdana" panose="020B0604030504040204" pitchFamily="34" charset="0"/>
+              </a:endParaRPr>
             </a:p>
             <a:p>
               <a:endParaRPr lang="zh-CN" altLang="en-US" b="0" i="0" dirty="0">
@@ -16968,6 +17108,13 @@
                 </a:rPr>
                 <a:t>，因此无法显式表示对象的创建和销毁；</a:t>
               </a:r>
+              <a:endParaRPr lang="zh-CN" altLang="en-US" b="0" i="0" dirty="0">
+                <a:solidFill>
+                  <a:srgbClr val="000000"/>
+                </a:solidFill>
+                <a:effectLst/>
+                <a:latin typeface="Verdana" panose="020B0604030504040204" pitchFamily="34" charset="0"/>
+              </a:endParaRPr>
             </a:p>
             <a:p>
               <a:endParaRPr lang="zh-CN" altLang="en-US" b="0" i="0" dirty="0">
@@ -17015,6 +17162,13 @@
                 </a:rPr>
                 <a:t>，用于说明交互过程中消息的时间顺序；</a:t>
               </a:r>
+              <a:endParaRPr lang="zh-CN" altLang="en-US" b="0" i="0" dirty="0">
+                <a:solidFill>
+                  <a:srgbClr val="000000"/>
+                </a:solidFill>
+                <a:effectLst/>
+                <a:latin typeface="Verdana" panose="020B0604030504040204" pitchFamily="34" charset="0"/>
+              </a:endParaRPr>
             </a:p>
             <a:p>
               <a:endParaRPr lang="zh-CN" altLang="en-US" b="0" i="0" dirty="0">
@@ -17062,6 +17216,13 @@
                 </a:rPr>
                 <a:t>，即强调参与交互的对象的组织。</a:t>
               </a:r>
+              <a:endParaRPr lang="zh-CN" altLang="en-US" b="0" i="0" dirty="0">
+                <a:solidFill>
+                  <a:srgbClr val="000000"/>
+                </a:solidFill>
+                <a:effectLst/>
+                <a:latin typeface="Verdana" panose="020B0604030504040204" pitchFamily="34" charset="0"/>
+              </a:endParaRPr>
             </a:p>
             <a:p>
               <a:endParaRPr lang="zh-CN" altLang="en-US" b="0" i="0" dirty="0">
@@ -17519,7 +17680,7 @@
               <a:lnSpc>
                 <a:spcPct val="120000"/>
               </a:lnSpc>
-              <a:buFont typeface="Arial" charset="0"/>
+              <a:buFont typeface="Arial" panose="020B0604020202020204" pitchFamily="34" charset="0"/>
               <a:buNone/>
             </a:pPr>
             <a:r>
@@ -17541,7 +17702,7 @@
               <a:lnSpc>
                 <a:spcPct val="120000"/>
               </a:lnSpc>
-              <a:buFont typeface="Arial" charset="0"/>
+              <a:buFont typeface="Arial" panose="020B0604020202020204" pitchFamily="34" charset="0"/>
               <a:buNone/>
             </a:pPr>
             <a:r>
@@ -17559,7 +17720,7 @@
               <a:lnSpc>
                 <a:spcPct val="120000"/>
               </a:lnSpc>
-              <a:buFont typeface="Arial" charset="0"/>
+              <a:buFont typeface="Arial" panose="020B0604020202020204" pitchFamily="34" charset="0"/>
               <a:buNone/>
             </a:pPr>
             <a:endParaRPr lang="en-US" altLang="zh-CN" sz="2000" dirty="0"/>
@@ -17602,15 +17763,11 @@
               <a:rPr lang="zh-CN" altLang="en-US" sz="2000" dirty="0"/>
               <a:t>结点，组件，关系</a:t>
             </a:r>
+            <a:endParaRPr lang="zh-CN" altLang="en-US" sz="2000" dirty="0"/>
           </a:p>
         </p:txBody>
       </p:sp>
     </p:spTree>
-    <p:extLst>
-      <p:ext uri="{BB962C8B-B14F-4D97-AF65-F5344CB8AC3E}">
-        <p14:creationId xmlns:p14="http://schemas.microsoft.com/office/powerpoint/2010/main" val="366192706"/>
-      </p:ext>
-    </p:extLst>
   </p:cSld>
   <p:clrMapOvr>
     <a:masterClrMapping/>
@@ -17805,6 +17962,13 @@
               </a:rPr>
               <a:t>引言</a:t>
             </a:r>
+            <a:endParaRPr lang="zh-CN" sz="2665" dirty="0">
+              <a:solidFill>
+                <a:srgbClr val="183A5D"/>
+              </a:solidFill>
+              <a:latin typeface="微软雅黑" panose="020B0503020204020204" pitchFamily="34" charset="-122"/>
+              <a:ea typeface="微软雅黑" panose="020B0503020204020204" pitchFamily="34" charset="-122"/>
+            </a:endParaRPr>
           </a:p>
         </p:txBody>
       </p:sp>
@@ -17927,6 +18091,7 @@
               <a:rPr lang="zh-CN" altLang="zh-CN" sz="2400" dirty="0"/>
               <a:t>是一种能够描述问题、描述解决方案、起到沟通作用的语言。通俗地说，它是一种用文本、图形和符号的集合来描述现实生活中各类食物、活动及其之间关系的语言。</a:t>
             </a:r>
+            <a:endParaRPr lang="zh-CN" altLang="zh-CN" sz="2400" dirty="0"/>
           </a:p>
           <a:p>
             <a:pPr lvl="0"/>
@@ -18093,6 +18258,34 @@
               </a:rPr>
               <a:t>的用例图，类图，顺序图，状态机图，通信图，部署图</a:t>
             </a:r>
+            <a:endParaRPr lang="zh-CN" altLang="en-US" sz="2400" dirty="0">
+              <a:ln w="12700">
+                <a:solidFill>
+                  <a:schemeClr val="accent3">
+                    <a:lumMod val="50000"/>
+                  </a:schemeClr>
+                </a:solidFill>
+                <a:prstDash val="solid"/>
+              </a:ln>
+              <a:pattFill prst="narHorz">
+                <a:fgClr>
+                  <a:schemeClr val="accent3"/>
+                </a:fgClr>
+                <a:bgClr>
+                  <a:schemeClr val="accent3">
+                    <a:lumMod val="40000"/>
+                    <a:lumOff val="60000"/>
+                  </a:schemeClr>
+                </a:bgClr>
+              </a:pattFill>
+              <a:effectLst>
+                <a:innerShdw blurRad="177800">
+                  <a:schemeClr val="accent3">
+                    <a:lumMod val="50000"/>
+                  </a:schemeClr>
+                </a:innerShdw>
+              </a:effectLst>
+            </a:endParaRPr>
           </a:p>
         </p:txBody>
       </p:sp>
@@ -18311,6 +18504,7 @@
               <a:rPr lang="zh-CN" altLang="en-US" dirty="0"/>
               <a:t>图显示网络的物理布局，系统中涉及的处理器、设备、连接和过程。处理器是网络中处理功能所在的机器，包括服务器和工作站，不包括打印机扫描仪之类的设备。处理器用来运行进程（执行代码）。一个项目只有一个部署图。</a:t>
             </a:r>
+            <a:endParaRPr lang="zh-CN" altLang="en-US" dirty="0"/>
           </a:p>
         </p:txBody>
       </p:sp>
@@ -18323,7 +18517,7 @@
           <p:nvPr/>
         </p:nvPicPr>
         <p:blipFill>
-          <a:blip r:embed="rId2"/>
+          <a:blip r:embed="rId1"/>
           <a:stretch>
             <a:fillRect/>
           </a:stretch>
@@ -18339,11 +18533,6 @@
         </p:spPr>
       </p:pic>
     </p:spTree>
-    <p:extLst>
-      <p:ext uri="{BB962C8B-B14F-4D97-AF65-F5344CB8AC3E}">
-        <p14:creationId xmlns:p14="http://schemas.microsoft.com/office/powerpoint/2010/main" val="1982852395"/>
-      </p:ext>
-    </p:extLst>
   </p:cSld>
   <p:clrMapOvr>
     <a:masterClrMapping/>
@@ -18498,20 +18687,8 @@
                 <a:tableStyleId>{5C22544A-7EE6-4342-B048-85BDC9FD1C3A}</a:tableStyleId>
               </a:tblPr>
               <a:tblGrid>
-                <a:gridCol w="2738864">
-                  <a:extLst>
-                    <a:ext uri="{9D8B030D-6E8A-4147-A177-3AD203B41FA5}">
-                      <a16:colId xmlns:a16="http://schemas.microsoft.com/office/drawing/2014/main" val="20000"/>
-                    </a:ext>
-                  </a:extLst>
-                </a:gridCol>
-                <a:gridCol w="4245610">
-                  <a:extLst>
-                    <a:ext uri="{9D8B030D-6E8A-4147-A177-3AD203B41FA5}">
-                      <a16:colId xmlns:a16="http://schemas.microsoft.com/office/drawing/2014/main" val="20001"/>
-                    </a:ext>
-                  </a:extLst>
-                </a:gridCol>
+                <a:gridCol w="2738864"/>
+                <a:gridCol w="4245610"/>
               </a:tblGrid>
               <a:tr h="1322630">
                 <a:tc>
@@ -18543,6 +18720,11 @@
                         </a:rPr>
                         <a:t>UML用户指南（第2版·修订版）</a:t>
                       </a:r>
+                      <a:endParaRPr sz="2400" b="0" dirty="0" smtClean="0">
+                        <a:solidFill>
+                          <a:schemeClr val="tx1"/>
+                        </a:solidFill>
+                      </a:endParaRPr>
                     </a:p>
                     <a:p>
                       <a:pPr algn="l">
@@ -18618,6 +18800,11 @@
                         </a:rPr>
                         <a:t>Ivar Jacobson</a:t>
                       </a:r>
+                      <a:endParaRPr lang="en-US" altLang="zh-CN" sz="2400" b="0" dirty="0" smtClean="0">
+                        <a:solidFill>
+                          <a:schemeClr val="tx1"/>
+                        </a:solidFill>
+                      </a:endParaRPr>
                     </a:p>
                     <a:p>
                       <a:pPr algn="l"/>
@@ -18685,6 +18872,11 @@
                         </a:rPr>
                         <a:t>版</a:t>
                       </a:r>
+                      <a:endParaRPr lang="zh-CN" altLang="en-US" sz="2400" b="0" dirty="0" smtClean="0">
+                        <a:solidFill>
+                          <a:schemeClr val="tx1"/>
+                        </a:solidFill>
+                      </a:endParaRPr>
                     </a:p>
                   </a:txBody>
                   <a:tcPr>
@@ -18696,11 +18888,6 @@
                     </a:solidFill>
                   </a:tcPr>
                 </a:tc>
-                <a:extLst>
-                  <a:ext uri="{0D108BD9-81ED-4DB2-BD59-A6C34878D82A}">
-                    <a16:rowId xmlns:a16="http://schemas.microsoft.com/office/drawing/2014/main" val="10000"/>
-                  </a:ext>
-                </a:extLst>
               </a:tr>
               <a:tr h="894720">
                 <a:tc>
@@ -18719,6 +18906,11 @@
                         </a:rPr>
                         <a:t>UML2基础、建模与设计教程</a:t>
                       </a:r>
+                      <a:endParaRPr dirty="0" smtClean="0">
+                        <a:solidFill>
+                          <a:schemeClr val="tx1"/>
+                        </a:solidFill>
+                      </a:endParaRPr>
                     </a:p>
                   </a:txBody>
                   <a:tcPr/>
@@ -18792,11 +18984,6 @@
                   </a:txBody>
                   <a:tcPr/>
                 </a:tc>
-                <a:extLst>
-                  <a:ext uri="{0D108BD9-81ED-4DB2-BD59-A6C34878D82A}">
-                    <a16:rowId xmlns:a16="http://schemas.microsoft.com/office/drawing/2014/main" val="10001"/>
-                  </a:ext>
-                </a:extLst>
               </a:tr>
             </a:tbl>
           </a:graphicData>
@@ -18807,13 +18994,13 @@
   <p:clrMapOvr>
     <a:masterClrMapping/>
   </p:clrMapOvr>
-  <mc:AlternateContent xmlns:mc="http://schemas.openxmlformats.org/markup-compatibility/2006" xmlns:p14="http://schemas.microsoft.com/office/powerpoint/2010/main">
-    <mc:Choice Requires="p14">
+  <mc:AlternateContent xmlns:mc="http://schemas.openxmlformats.org/markup-compatibility/2006">
+    <mc:Choice xmlns:p14="http://schemas.microsoft.com/office/powerpoint/2010/main" Requires="p14">
       <p:transition spd="slow" p14:dur="1200" advClick="0" advTm="0">
         <p14:prism/>
       </p:transition>
     </mc:Choice>
-    <mc:Fallback xmlns="">
+    <mc:Fallback>
       <p:transition spd="slow" advClick="0" advTm="0">
         <p:fade/>
       </p:transition>
@@ -19191,6 +19378,13 @@
               </a:rPr>
               <a:t>绩效考评与分工</a:t>
             </a:r>
+            <a:endParaRPr lang="zh-CN" altLang="en-US" sz="3200" b="1" dirty="0" smtClean="0">
+              <a:solidFill>
+                <a:schemeClr val="bg1"/>
+              </a:solidFill>
+              <a:latin typeface="微软雅黑" panose="020B0503020204020204" pitchFamily="34" charset="-122"/>
+              <a:ea typeface="微软雅黑" panose="020B0503020204020204" pitchFamily="34" charset="-122"/>
+            </a:endParaRPr>
           </a:p>
         </p:txBody>
       </p:sp>
@@ -19211,27 +19405,9 @@
                 <a:tableStyleId>{5C22544A-7EE6-4342-B048-85BDC9FD1C3A}</a:tableStyleId>
               </a:tblPr>
               <a:tblGrid>
-                <a:gridCol w="1895475">
-                  <a:extLst>
-                    <a:ext uri="{9D8B030D-6E8A-4147-A177-3AD203B41FA5}">
-                      <a16:colId xmlns:a16="http://schemas.microsoft.com/office/drawing/2014/main" val="20000"/>
-                    </a:ext>
-                  </a:extLst>
-                </a:gridCol>
-                <a:gridCol w="2937510">
-                  <a:extLst>
-                    <a:ext uri="{9D8B030D-6E8A-4147-A177-3AD203B41FA5}">
-                      <a16:colId xmlns:a16="http://schemas.microsoft.com/office/drawing/2014/main" val="20001"/>
-                    </a:ext>
-                  </a:extLst>
-                </a:gridCol>
-                <a:gridCol w="2938145">
-                  <a:extLst>
-                    <a:ext uri="{9D8B030D-6E8A-4147-A177-3AD203B41FA5}">
-                      <a16:colId xmlns:a16="http://schemas.microsoft.com/office/drawing/2014/main" val="20002"/>
-                    </a:ext>
-                  </a:extLst>
-                </a:gridCol>
+                <a:gridCol w="1895475"/>
+                <a:gridCol w="2937510"/>
+                <a:gridCol w="2938145"/>
               </a:tblGrid>
               <a:tr h="713740">
                 <a:tc>
@@ -19250,6 +19426,11 @@
                         </a:rPr>
                         <a:t>黄为波</a:t>
                       </a:r>
+                      <a:endParaRPr lang="zh-CN" altLang="en-US" b="0" dirty="0">
+                        <a:solidFill>
+                          <a:schemeClr val="tx1"/>
+                        </a:solidFill>
+                      </a:endParaRPr>
                     </a:p>
                   </a:txBody>
                   <a:tcPr>
@@ -19267,6 +19448,14 @@
                     <a:lstStyle/>
                     <a:p>
                       <a:pPr algn="l"/>
+                      <a:r>
+                        <a:rPr lang="zh-CN" altLang="en-US" sz="2400" b="0" dirty="0" smtClean="0">
+                          <a:solidFill>
+                            <a:schemeClr val="tx1"/>
+                          </a:solidFill>
+                        </a:rPr>
+                        <a:t>用例图、类图</a:t>
+                      </a:r>
                       <a:endParaRPr lang="zh-CN" altLang="en-US" sz="2400" b="0" dirty="0" smtClean="0">
                         <a:solidFill>
                           <a:schemeClr val="tx1"/>
@@ -19297,8 +19486,13 @@
                             <a:schemeClr val="tx1"/>
                           </a:solidFill>
                         </a:rPr>
-                        <a:t>9.4</a:t>
+                        <a:t>9.7</a:t>
                       </a:r>
+                      <a:endParaRPr lang="en-US" altLang="zh-CN" sz="2400" b="0" dirty="0" smtClean="0">
+                        <a:solidFill>
+                          <a:schemeClr val="tx1"/>
+                        </a:solidFill>
+                      </a:endParaRPr>
                     </a:p>
                   </a:txBody>
                   <a:tcPr>
@@ -19310,11 +19504,6 @@
                     </a:solidFill>
                   </a:tcPr>
                 </a:tc>
-                <a:extLst>
-                  <a:ext uri="{0D108BD9-81ED-4DB2-BD59-A6C34878D82A}">
-                    <a16:rowId xmlns:a16="http://schemas.microsoft.com/office/drawing/2014/main" val="10000"/>
-                  </a:ext>
-                </a:extLst>
               </a:tr>
               <a:tr h="716915">
                 <a:tc>
@@ -19333,6 +19522,36 @@
                         </a:rPr>
                         <a:t>苏雨豪</a:t>
                       </a:r>
+                      <a:endParaRPr lang="zh-CN" altLang="en-US" dirty="0" smtClean="0">
+                        <a:solidFill>
+                          <a:schemeClr val="tx1"/>
+                        </a:solidFill>
+                      </a:endParaRPr>
+                    </a:p>
+                  </a:txBody>
+                  <a:tcPr/>
+                </a:tc>
+                <a:tc>
+                  <a:txBody>
+                    <a:bodyPr/>
+                    <a:lstStyle/>
+                    <a:p>
+                      <a:pPr algn="l">
+                        <a:buNone/>
+                      </a:pPr>
+                      <a:r>
+                        <a:rPr lang="zh-CN" dirty="0" smtClean="0">
+                          <a:solidFill>
+                            <a:schemeClr val="tx1"/>
+                          </a:solidFill>
+                        </a:rPr>
+                        <a:t>状态机图</a:t>
+                      </a:r>
+                      <a:endParaRPr lang="zh-CN" dirty="0" smtClean="0">
+                        <a:solidFill>
+                          <a:schemeClr val="tx1"/>
+                        </a:solidFill>
+                      </a:endParaRPr>
                     </a:p>
                   </a:txBody>
                   <a:tcPr/>
@@ -19351,45 +19570,17 @@
                             <a:schemeClr val="tx1"/>
                           </a:solidFill>
                         </a:rPr>
-                        <a:t>负责 1.7uml新特性ppt</a:t>
+                        <a:t>9.3</a:t>
                       </a:r>
-                      <a:r>
-                        <a:rPr lang="zh-CN" altLang="en-US" dirty="0" smtClean="0">
-                          <a:solidFill>
-                            <a:schemeClr val="tx1"/>
-                          </a:solidFill>
-                        </a:rPr>
-                        <a:t>制作</a:t>
-                      </a:r>
+                      <a:endParaRPr lang="en-US" altLang="zh-CN" dirty="0" smtClean="0">
+                        <a:solidFill>
+                          <a:schemeClr val="tx1"/>
+                        </a:solidFill>
+                      </a:endParaRPr>
                     </a:p>
                   </a:txBody>
                   <a:tcPr/>
                 </a:tc>
-                <a:tc>
-                  <a:txBody>
-                    <a:bodyPr/>
-                    <a:lstStyle/>
-                    <a:p>
-                      <a:pPr algn="l">
-                        <a:buNone/>
-                      </a:pPr>
-                      <a:r>
-                        <a:rPr lang="en-US" altLang="zh-CN" dirty="0" smtClean="0">
-                          <a:solidFill>
-                            <a:schemeClr val="tx1"/>
-                          </a:solidFill>
-                        </a:rPr>
-                        <a:t>9.5</a:t>
-                      </a:r>
-                    </a:p>
-                  </a:txBody>
-                  <a:tcPr/>
-                </a:tc>
-                <a:extLst>
-                  <a:ext uri="{0D108BD9-81ED-4DB2-BD59-A6C34878D82A}">
-                    <a16:rowId xmlns:a16="http://schemas.microsoft.com/office/drawing/2014/main" val="10001"/>
-                  </a:ext>
-                </a:extLst>
               </a:tr>
               <a:tr h="805815">
                 <a:tc>
@@ -19408,6 +19599,11 @@
                         </a:rPr>
                         <a:t>陈子卿</a:t>
                       </a:r>
+                      <a:endParaRPr lang="zh-CN" dirty="0" smtClean="0">
+                        <a:solidFill>
+                          <a:schemeClr val="tx1"/>
+                        </a:solidFill>
+                      </a:endParaRPr>
                     </a:p>
                   </a:txBody>
                   <a:tcPr>
@@ -19433,21 +19629,13 @@
                             <a:schemeClr val="tx1"/>
                           </a:solidFill>
                         </a:rPr>
-                        <a:t>负责1.1-1.3的PPT制作，</a:t>
+                        <a:t>通信图</a:t>
                       </a:r>
-                    </a:p>
-                    <a:p>
-                      <a:pPr algn="l">
-                        <a:buNone/>
-                      </a:pPr>
-                      <a:r>
-                        <a:rPr lang="zh-CN" altLang="en-US" dirty="0" smtClean="0">
-                          <a:solidFill>
-                            <a:schemeClr val="tx1"/>
-                          </a:solidFill>
-                        </a:rPr>
-                        <a:t>1.4 uml结构ppt的制作</a:t>
-                      </a:r>
+                      <a:endParaRPr lang="zh-CN" altLang="en-US" dirty="0" smtClean="0">
+                        <a:solidFill>
+                          <a:schemeClr val="tx1"/>
+                        </a:solidFill>
+                      </a:endParaRPr>
                     </a:p>
                   </a:txBody>
                   <a:tcPr>
@@ -19473,8 +19661,13 @@
                             <a:schemeClr val="tx1"/>
                           </a:solidFill>
                         </a:rPr>
-                        <a:t>9.7</a:t>
+                        <a:t>9.6</a:t>
                       </a:r>
+                      <a:endParaRPr lang="en-US" altLang="zh-CN" dirty="0" smtClean="0">
+                        <a:solidFill>
+                          <a:schemeClr val="tx1"/>
+                        </a:solidFill>
+                      </a:endParaRPr>
                     </a:p>
                   </a:txBody>
                   <a:tcPr>
@@ -19486,11 +19679,6 @@
                     </a:solidFill>
                   </a:tcPr>
                 </a:tc>
-                <a:extLst>
-                  <a:ext uri="{0D108BD9-81ED-4DB2-BD59-A6C34878D82A}">
-                    <a16:rowId xmlns:a16="http://schemas.microsoft.com/office/drawing/2014/main" val="10002"/>
-                  </a:ext>
-                </a:extLst>
               </a:tr>
               <a:tr h="733425">
                 <a:tc>
@@ -19509,6 +19697,11 @@
                         </a:rPr>
                         <a:t>蔡峰</a:t>
                       </a:r>
+                      <a:endParaRPr lang="zh-CN" altLang="en-US" dirty="0" smtClean="0">
+                        <a:solidFill>
+                          <a:schemeClr val="tx1"/>
+                        </a:solidFill>
+                      </a:endParaRPr>
                     </a:p>
                   </a:txBody>
                   <a:tcPr>
@@ -19529,29 +19722,18 @@
                         <a:buNone/>
                       </a:pPr>
                       <a:r>
-                        <a:rPr lang="zh-CN" altLang="en-US" dirty="0" smtClean="0">
+                        <a:rPr lang="zh-CN" dirty="0" smtClean="0">
                           <a:solidFill>
                             <a:schemeClr val="tx1"/>
                           </a:solidFill>
                         </a:rPr>
-                        <a:t>负责uml视图ppt，</a:t>
+                        <a:t>顺序图</a:t>
                       </a:r>
-                      <a:r>
-                        <a:rPr lang="en-US" altLang="zh-CN" dirty="0" smtClean="0">
-                          <a:solidFill>
-                            <a:schemeClr val="tx1"/>
-                          </a:solidFill>
-                        </a:rPr>
-                        <a:t>uml</a:t>
-                      </a:r>
-                      <a:r>
-                        <a:rPr lang="zh-CN" altLang="en-US" dirty="0" smtClean="0">
-                          <a:solidFill>
-                            <a:schemeClr val="tx1"/>
-                          </a:solidFill>
-                        </a:rPr>
-                        <a:t>系统开发阶段</a:t>
-                      </a:r>
+                      <a:endParaRPr lang="zh-CN" dirty="0" smtClean="0">
+                        <a:solidFill>
+                          <a:schemeClr val="tx1"/>
+                        </a:solidFill>
+                      </a:endParaRPr>
                     </a:p>
                   </a:txBody>
                   <a:tcPr>
@@ -19578,7 +19760,7 @@
                           </a:solidFill>
                           <a:sym typeface="+mn-ea"/>
                         </a:rPr>
-                        <a:t>9.4</a:t>
+                        <a:t>9.5</a:t>
                       </a:r>
                       <a:endParaRPr lang="en-US" altLang="zh-CN" sz="2100" b="0" dirty="0" smtClean="0">
                         <a:solidFill>
@@ -19607,11 +19789,6 @@
                     </a:solidFill>
                   </a:tcPr>
                 </a:tc>
-                <a:extLst>
-                  <a:ext uri="{0D108BD9-81ED-4DB2-BD59-A6C34878D82A}">
-                    <a16:rowId xmlns:a16="http://schemas.microsoft.com/office/drawing/2014/main" val="10003"/>
-                  </a:ext>
-                </a:extLst>
               </a:tr>
               <a:tr h="732790">
                 <a:tc>
@@ -19630,6 +19807,11 @@
                         </a:rPr>
                         <a:t>江亮儒</a:t>
                       </a:r>
+                      <a:endParaRPr lang="zh-CN" altLang="en-US" dirty="0" smtClean="0">
+                        <a:solidFill>
+                          <a:schemeClr val="tx1"/>
+                        </a:solidFill>
+                      </a:endParaRPr>
                     </a:p>
                   </a:txBody>
                   <a:tcPr>
@@ -19655,8 +19837,13 @@
                             <a:schemeClr val="tx1"/>
                           </a:solidFill>
                         </a:rPr>
-                        <a:t>负责uml的图ppt</a:t>
+                        <a:t>部署图</a:t>
                       </a:r>
+                      <a:endParaRPr lang="zh-CN" altLang="en-US" dirty="0" smtClean="0">
+                        <a:solidFill>
+                          <a:schemeClr val="tx1"/>
+                        </a:solidFill>
+                      </a:endParaRPr>
                     </a:p>
                   </a:txBody>
                   <a:tcPr>
@@ -19682,8 +19869,13 @@
                             <a:schemeClr val="tx1"/>
                           </a:solidFill>
                         </a:rPr>
-                        <a:t>9.5</a:t>
+                        <a:t>9.4</a:t>
                       </a:r>
+                      <a:endParaRPr lang="en-US" altLang="zh-CN" dirty="0" smtClean="0">
+                        <a:solidFill>
+                          <a:schemeClr val="tx1"/>
+                        </a:solidFill>
+                      </a:endParaRPr>
                     </a:p>
                   </a:txBody>
                   <a:tcPr>
@@ -19695,11 +19887,6 @@
                     </a:solidFill>
                   </a:tcPr>
                 </a:tc>
-                <a:extLst>
-                  <a:ext uri="{0D108BD9-81ED-4DB2-BD59-A6C34878D82A}">
-                    <a16:rowId xmlns:a16="http://schemas.microsoft.com/office/drawing/2014/main" val="10004"/>
-                  </a:ext>
-                </a:extLst>
               </a:tr>
             </a:tbl>
           </a:graphicData>
@@ -19710,13 +19897,13 @@
   <p:clrMapOvr>
     <a:masterClrMapping/>
   </p:clrMapOvr>
-  <mc:AlternateContent xmlns:mc="http://schemas.openxmlformats.org/markup-compatibility/2006" xmlns:p14="http://schemas.microsoft.com/office/powerpoint/2010/main">
-    <mc:Choice Requires="p14">
+  <mc:AlternateContent xmlns:mc="http://schemas.openxmlformats.org/markup-compatibility/2006">
+    <mc:Choice xmlns:p14="http://schemas.microsoft.com/office/powerpoint/2010/main" Requires="p14">
       <p:transition spd="slow" p14:dur="1200" advClick="0" advTm="0">
         <p14:prism/>
       </p:transition>
     </mc:Choice>
-    <mc:Fallback xmlns="">
+    <mc:Fallback>
       <p:transition spd="slow" advClick="0" advTm="0">
         <p:fade/>
       </p:transition>
@@ -20600,6 +20787,16 @@
               </a:rPr>
               <a:t>汇报结束 感谢观看</a:t>
             </a:r>
+            <a:endParaRPr lang="zh-CN" altLang="en-US" sz="3600" b="1" dirty="0">
+              <a:solidFill>
+                <a:schemeClr val="tx1">
+                  <a:lumMod val="75000"/>
+                  <a:lumOff val="25000"/>
+                </a:schemeClr>
+              </a:solidFill>
+              <a:latin typeface="微软雅黑" panose="020B0503020204020204" pitchFamily="34" charset="-122"/>
+              <a:ea typeface="微软雅黑" panose="020B0503020204020204" pitchFamily="34" charset="-122"/>
+            </a:endParaRPr>
           </a:p>
         </p:txBody>
       </p:sp>
@@ -20761,16 +20958,16 @@
             <a:picLocks noChangeAspect="1"/>
           </p:cNvPicPr>
           <p:nvPr>
-            <a:audioFile r:link="rId2"/>
+            <a:audioFile r:link="rId1"/>
             <p:extLst>
               <p:ext uri="{DAA4B4D4-6D71-4841-9C94-3DE7FCFB9230}">
-                <p14:media xmlns:p14="http://schemas.microsoft.com/office/powerpoint/2010/main" r:embed="rId1"/>
+                <p14:media xmlns:p14="http://schemas.microsoft.com/office/powerpoint/2010/main" r:embed="rId2"/>
               </p:ext>
             </p:extLst>
           </p:nvPr>
         </p:nvPicPr>
         <p:blipFill>
-          <a:blip r:embed="rId5"/>
+          <a:blip r:embed="rId3"/>
           <a:stretch>
             <a:fillRect/>
           </a:stretch>
@@ -20818,6 +21015,14 @@
               </a:rPr>
               <a:t>浙江大学城市学院</a:t>
             </a:r>
+            <a:endParaRPr lang="zh-CN" altLang="en-US" kern="300" spc="2000">
+              <a:solidFill>
+                <a:schemeClr val="tx1"/>
+              </a:solidFill>
+              <a:uFillTx/>
+              <a:latin typeface="+中文标题" charset="0"/>
+              <a:ea typeface="+mj-ea"/>
+            </a:endParaRPr>
           </a:p>
         </p:txBody>
       </p:sp>
@@ -20826,13 +21031,13 @@
   <p:clrMapOvr>
     <a:masterClrMapping/>
   </p:clrMapOvr>
-  <mc:AlternateContent xmlns:mc="http://schemas.openxmlformats.org/markup-compatibility/2006" xmlns:p14="http://schemas.microsoft.com/office/powerpoint/2010/main">
-    <mc:Choice Requires="p14">
+  <mc:AlternateContent xmlns:mc="http://schemas.openxmlformats.org/markup-compatibility/2006">
+    <mc:Choice xmlns:p14="http://schemas.microsoft.com/office/powerpoint/2010/main" Requires="p14">
       <p:transition spd="slow" p14:dur="1600" advClick="0" advTm="0">
         <p:blinds dir="vert"/>
       </p:transition>
     </mc:Choice>
-    <mc:Fallback xmlns="">
+    <mc:Fallback>
       <p:transition spd="slow" advClick="0" advTm="0">
         <p:blinds dir="vert"/>
       </p:transition>
@@ -21707,6 +21912,7 @@
               <a:rPr lang="en-US" sz="2400" dirty="0"/>
               <a:t>2</a:t>
             </a:r>
+            <a:endParaRPr lang="en-US" sz="2400" dirty="0"/>
           </a:p>
         </p:txBody>
       </p:sp>
@@ -21793,7 +21999,7 @@
           <p:nvPr/>
         </p:nvPicPr>
         <p:blipFill>
-          <a:blip r:embed="rId2"/>
+          <a:blip r:embed="rId1"/>
           <a:stretch>
             <a:fillRect/>
           </a:stretch>
@@ -21869,6 +22075,12 @@
                 </a:rPr>
                 <a:t>　　用例图由以下几个元素组成：</a:t>
               </a:r>
+              <a:endParaRPr lang="zh-CN" altLang="en-US" dirty="0">
+                <a:solidFill>
+                  <a:srgbClr val="000000"/>
+                </a:solidFill>
+                <a:latin typeface="Verdana" panose="020B0604030504040204" pitchFamily="34" charset="0"/>
+              </a:endParaRPr>
             </a:p>
             <a:p>
               <a:r>
@@ -21881,6 +22093,13 @@
                 </a:rPr>
                 <a:t>	</a:t>
               </a:r>
+              <a:endParaRPr lang="en-US" altLang="zh-CN" b="0" i="0" dirty="0">
+                <a:solidFill>
+                  <a:srgbClr val="000000"/>
+                </a:solidFill>
+                <a:effectLst/>
+                <a:latin typeface="Verdana" panose="020B0604030504040204" pitchFamily="34" charset="0"/>
+              </a:endParaRPr>
             </a:p>
             <a:p>
               <a:r>
@@ -21903,6 +22122,13 @@
                 </a:rPr>
                 <a:t>参与者，也称为角色代表系统的用户</a:t>
               </a:r>
+              <a:endParaRPr lang="zh-CN" altLang="en-US" b="0" i="0" dirty="0">
+                <a:solidFill>
+                  <a:srgbClr val="000000"/>
+                </a:solidFill>
+                <a:effectLst/>
+                <a:latin typeface="Verdana" panose="020B0604030504040204" pitchFamily="34" charset="0"/>
+              </a:endParaRPr>
             </a:p>
             <a:p>
               <a:r>
@@ -21925,6 +22151,13 @@
                 </a:rPr>
                 <a:t>系统边界，确定系统的范围</a:t>
               </a:r>
+              <a:endParaRPr lang="zh-CN" altLang="en-US" b="0" i="0" dirty="0">
+                <a:solidFill>
+                  <a:srgbClr val="000000"/>
+                </a:solidFill>
+                <a:effectLst/>
+                <a:latin typeface="Verdana" panose="020B0604030504040204" pitchFamily="34" charset="0"/>
+              </a:endParaRPr>
             </a:p>
             <a:p>
               <a:r>
@@ -21947,6 +22180,13 @@
                 </a:rPr>
                 <a:t>用例，代表系统提供的服务</a:t>
               </a:r>
+              <a:endParaRPr lang="zh-CN" altLang="en-US" b="0" i="0" dirty="0">
+                <a:solidFill>
+                  <a:srgbClr val="000000"/>
+                </a:solidFill>
+                <a:effectLst/>
+                <a:latin typeface="Verdana" panose="020B0604030504040204" pitchFamily="34" charset="0"/>
+              </a:endParaRPr>
             </a:p>
             <a:p>
               <a:r>
@@ -21969,6 +22209,13 @@
                 </a:rPr>
                 <a:t>关联，表示参与者与用例的关系</a:t>
               </a:r>
+              <a:endParaRPr lang="zh-CN" altLang="en-US" b="0" i="0" dirty="0">
+                <a:solidFill>
+                  <a:srgbClr val="000000"/>
+                </a:solidFill>
+                <a:effectLst/>
+                <a:latin typeface="Verdana" panose="020B0604030504040204" pitchFamily="34" charset="0"/>
+              </a:endParaRPr>
             </a:p>
           </p:txBody>
         </p:sp>
@@ -22089,7 +22336,7 @@
           <p:nvPr/>
         </p:nvPicPr>
         <p:blipFill>
-          <a:blip r:embed="rId3"/>
+          <a:blip r:embed="rId2"/>
           <a:stretch>
             <a:fillRect/>
           </a:stretch>
@@ -22231,6 +22478,7 @@
               <a:rPr lang="en-US" sz="2400" dirty="0"/>
               <a:t>2</a:t>
             </a:r>
+            <a:endParaRPr lang="en-US" sz="2400" dirty="0"/>
           </a:p>
         </p:txBody>
       </p:sp>
@@ -22352,6 +22600,12 @@
                 </a:rPr>
                 <a:t>参与者的作用如下：</a:t>
               </a:r>
+              <a:endParaRPr lang="zh-CN" dirty="0">
+                <a:solidFill>
+                  <a:srgbClr val="000000"/>
+                </a:solidFill>
+                <a:latin typeface="Verdana" panose="020B0604030504040204" pitchFamily="34" charset="0"/>
+              </a:endParaRPr>
             </a:p>
             <a:p>
               <a:r>
@@ -22364,6 +22618,13 @@
                 </a:rPr>
                 <a:t>建立系统的外部用户模型</a:t>
               </a:r>
+              <a:endParaRPr lang="zh-CN" altLang="en-US" b="0" i="0" dirty="0">
+                <a:solidFill>
+                  <a:srgbClr val="000000"/>
+                </a:solidFill>
+                <a:effectLst/>
+                <a:latin typeface="Verdana" panose="020B0604030504040204" pitchFamily="34" charset="0"/>
+              </a:endParaRPr>
             </a:p>
             <a:p>
               <a:r>
@@ -22376,6 +22637,13 @@
                 </a:rPr>
                 <a:t>对系统边界之外的对象进行描述</a:t>
               </a:r>
+              <a:endParaRPr lang="zh-CN" altLang="en-US" b="0" i="0" dirty="0">
+                <a:solidFill>
+                  <a:srgbClr val="000000"/>
+                </a:solidFill>
+                <a:effectLst/>
+                <a:latin typeface="Verdana" panose="020B0604030504040204" pitchFamily="34" charset="0"/>
+              </a:endParaRPr>
             </a:p>
             <a:p>
               <a:endParaRPr lang="zh-CN" altLang="en-US" b="0" i="0" dirty="0">
@@ -22406,6 +22674,13 @@
                 </a:rPr>
                 <a:t>使用泛化关系可以在需求中更好的描述权限控制</a:t>
               </a:r>
+              <a:endParaRPr lang="zh-CN" altLang="en-US" b="0" i="0" dirty="0">
+                <a:solidFill>
+                  <a:srgbClr val="000000"/>
+                </a:solidFill>
+                <a:effectLst/>
+                <a:latin typeface="Verdana" panose="020B0604030504040204" pitchFamily="34" charset="0"/>
+              </a:endParaRPr>
             </a:p>
             <a:p>
               <a:endParaRPr lang="zh-CN" altLang="en-US" b="0" i="0" dirty="0">
@@ -22535,7 +22810,7 @@
           <p:nvPr/>
         </p:nvPicPr>
         <p:blipFill>
-          <a:blip r:embed="rId2"/>
+          <a:blip r:embed="rId1"/>
           <a:stretch>
             <a:fillRect/>
           </a:stretch>
@@ -22677,6 +22952,7 @@
               <a:rPr lang="en-US" sz="2400" dirty="0"/>
               <a:t>2</a:t>
             </a:r>
+            <a:endParaRPr lang="en-US" sz="2400" dirty="0"/>
           </a:p>
         </p:txBody>
       </p:sp>
@@ -22798,6 +23074,12 @@
                 </a:rPr>
                 <a:t>用例的一些特点：</a:t>
               </a:r>
+              <a:endParaRPr lang="zh-CN" dirty="0">
+                <a:solidFill>
+                  <a:srgbClr val="000000"/>
+                </a:solidFill>
+                <a:latin typeface="Verdana" panose="020B0604030504040204" pitchFamily="34" charset="0"/>
+              </a:endParaRPr>
             </a:p>
             <a:p>
               <a:r>
@@ -22818,6 +23100,12 @@
                 </a:rPr>
                 <a:t>是从系统使用角度描述系统中的信息，而不是系统内部实现方式</a:t>
               </a:r>
+              <a:endParaRPr lang="zh-CN" altLang="en-US" dirty="0">
+                <a:solidFill>
+                  <a:srgbClr val="000000"/>
+                </a:solidFill>
+                <a:latin typeface="Verdana" panose="020B0604030504040204" pitchFamily="34" charset="0"/>
+              </a:endParaRPr>
             </a:p>
             <a:p>
               <a:r>
@@ -22838,6 +23126,12 @@
                 </a:rPr>
                 <a:t>用例描述的是用户一些可见的需求，是面向对象分析与设计得七点，是类，对象，操作的来源</a:t>
               </a:r>
+              <a:endParaRPr lang="zh-CN" altLang="en-US" dirty="0">
+                <a:solidFill>
+                  <a:srgbClr val="000000"/>
+                </a:solidFill>
+                <a:latin typeface="Verdana" panose="020B0604030504040204" pitchFamily="34" charset="0"/>
+              </a:endParaRPr>
             </a:p>
             <a:p>
               <a:r>
@@ -22858,6 +23152,12 @@
                 </a:rPr>
                 <a:t>用例由摸个参与者来执行</a:t>
               </a:r>
+              <a:endParaRPr lang="zh-CN" altLang="en-US" dirty="0">
+                <a:solidFill>
+                  <a:srgbClr val="000000"/>
+                </a:solidFill>
+                <a:latin typeface="Verdana" panose="020B0604030504040204" pitchFamily="34" charset="0"/>
+              </a:endParaRPr>
             </a:p>
             <a:p>
               <a:r>
@@ -22878,6 +23178,12 @@
                 </a:rPr>
                 <a:t>用例把结果反馈给参与者</a:t>
               </a:r>
+              <a:endParaRPr lang="zh-CN" altLang="en-US" dirty="0">
+                <a:solidFill>
+                  <a:srgbClr val="000000"/>
+                </a:solidFill>
+                <a:latin typeface="Verdana" panose="020B0604030504040204" pitchFamily="34" charset="0"/>
+              </a:endParaRPr>
             </a:p>
             <a:p>
               <a:r>
@@ -23274,6 +23580,12 @@
                 </a:rPr>
                 <a:t>用例的描述</a:t>
               </a:r>
+              <a:endParaRPr lang="zh-CN" dirty="0">
+                <a:solidFill>
+                  <a:srgbClr val="000000"/>
+                </a:solidFill>
+                <a:latin typeface="Verdana" panose="020B0604030504040204" pitchFamily="34" charset="0"/>
+              </a:endParaRPr>
             </a:p>
             <a:p>
               <a:endParaRPr lang="zh-CN" altLang="en-US" b="0" i="0" dirty="0">
@@ -23295,6 +23607,13 @@
                 </a:rPr>
                 <a:t>对于用例需要有更详细的描述与说明，这样可以让别人对用例由更加详细的了解</a:t>
               </a:r>
+              <a:endParaRPr lang="zh-CN" altLang="en-US" b="0" i="0" dirty="0">
+                <a:solidFill>
+                  <a:srgbClr val="000000"/>
+                </a:solidFill>
+                <a:effectLst/>
+                <a:latin typeface="Verdana" panose="020B0604030504040204" pitchFamily="34" charset="0"/>
+              </a:endParaRPr>
             </a:p>
             <a:p>
               <a:endParaRPr lang="zh-CN" altLang="en-US" b="0" i="0" dirty="0">
@@ -23432,20 +23751,8 @@
                 <a:tableStyleId>{5C22544A-7EE6-4342-B048-85BDC9FD1C3A}</a:tableStyleId>
               </a:tblPr>
               <a:tblGrid>
-                <a:gridCol w="1596390">
-                  <a:extLst>
-                    <a:ext uri="{9D8B030D-6E8A-4147-A177-3AD203B41FA5}">
-                      <a16:colId xmlns:a16="http://schemas.microsoft.com/office/drawing/2014/main" val="20000"/>
-                    </a:ext>
-                  </a:extLst>
-                </a:gridCol>
-                <a:gridCol w="3658870">
-                  <a:extLst>
-                    <a:ext uri="{9D8B030D-6E8A-4147-A177-3AD203B41FA5}">
-                      <a16:colId xmlns:a16="http://schemas.microsoft.com/office/drawing/2014/main" val="20001"/>
-                    </a:ext>
-                  </a:extLst>
-                </a:gridCol>
+                <a:gridCol w="1596390"/>
+                <a:gridCol w="3658870"/>
               </a:tblGrid>
               <a:tr h="510540">
                 <a:tc>
@@ -23464,6 +23771,11 @@
                         </a:rPr>
                         <a:t>用例名</a:t>
                       </a:r>
+                      <a:endParaRPr lang="zh-CN" altLang="en-US" b="0">
+                        <a:solidFill>
+                          <a:schemeClr val="tx1"/>
+                        </a:solidFill>
+                      </a:endParaRPr>
                     </a:p>
                   </a:txBody>
                   <a:tcPr>
@@ -23491,6 +23803,11 @@
                         </a:rPr>
                         <a:t>新增图书</a:t>
                       </a:r>
+                      <a:endParaRPr lang="zh-CN" altLang="en-US" b="0">
+                        <a:solidFill>
+                          <a:schemeClr val="tx1"/>
+                        </a:solidFill>
+                      </a:endParaRPr>
                     </a:p>
                   </a:txBody>
                   <a:tcPr>
@@ -23502,11 +23819,6 @@
                     </a:solidFill>
                   </a:tcPr>
                 </a:tc>
-                <a:extLst>
-                  <a:ext uri="{0D108BD9-81ED-4DB2-BD59-A6C34878D82A}">
-                    <a16:rowId xmlns:a16="http://schemas.microsoft.com/office/drawing/2014/main" val="10000"/>
-                  </a:ext>
-                </a:extLst>
               </a:tr>
               <a:tr h="511175">
                 <a:tc>
@@ -23521,6 +23833,7 @@
                         <a:rPr lang="zh-CN" altLang="en-US"/>
                         <a:t>用例标识号</a:t>
                       </a:r>
+                      <a:endParaRPr lang="zh-CN" altLang="en-US"/>
                     </a:p>
                   </a:txBody>
                   <a:tcPr/>
@@ -23537,15 +23850,11 @@
                         <a:rPr lang="en-US" altLang="zh-CN"/>
                         <a:t>A001</a:t>
                       </a:r>
+                      <a:endParaRPr lang="en-US" altLang="zh-CN"/>
                     </a:p>
                   </a:txBody>
                   <a:tcPr/>
                 </a:tc>
-                <a:extLst>
-                  <a:ext uri="{0D108BD9-81ED-4DB2-BD59-A6C34878D82A}">
-                    <a16:rowId xmlns:a16="http://schemas.microsoft.com/office/drawing/2014/main" val="10001"/>
-                  </a:ext>
-                </a:extLst>
               </a:tr>
               <a:tr h="510540">
                 <a:tc>
@@ -23560,6 +23869,7 @@
                         <a:rPr lang="zh-CN" altLang="en-US"/>
                         <a:t>简要说明</a:t>
                       </a:r>
+                      <a:endParaRPr lang="zh-CN" altLang="en-US"/>
                     </a:p>
                   </a:txBody>
                   <a:tcPr/>
@@ -23576,15 +23886,11 @@
                         <a:rPr lang="zh-CN" altLang="en-US"/>
                         <a:t>在书库中新增图书</a:t>
                       </a:r>
+                      <a:endParaRPr lang="zh-CN" altLang="en-US"/>
                     </a:p>
                   </a:txBody>
                   <a:tcPr/>
                 </a:tc>
-                <a:extLst>
-                  <a:ext uri="{0D108BD9-81ED-4DB2-BD59-A6C34878D82A}">
-                    <a16:rowId xmlns:a16="http://schemas.microsoft.com/office/drawing/2014/main" val="10002"/>
-                  </a:ext>
-                </a:extLst>
               </a:tr>
               <a:tr h="731520">
                 <a:tc>
@@ -23599,6 +23905,7 @@
                         <a:rPr lang="zh-CN" altLang="en-US"/>
                         <a:t>前置条件</a:t>
                       </a:r>
+                      <a:endParaRPr lang="zh-CN" altLang="en-US"/>
                     </a:p>
                   </a:txBody>
                   <a:tcPr/>
@@ -23615,15 +23922,11 @@
                         <a:rPr lang="zh-CN" altLang="en-US"/>
                         <a:t>用户是管理员，并且需要进入系统</a:t>
                       </a:r>
+                      <a:endParaRPr lang="zh-CN" altLang="en-US"/>
                     </a:p>
                   </a:txBody>
                   <a:tcPr/>
                 </a:tc>
-                <a:extLst>
-                  <a:ext uri="{0D108BD9-81ED-4DB2-BD59-A6C34878D82A}">
-                    <a16:rowId xmlns:a16="http://schemas.microsoft.com/office/drawing/2014/main" val="10003"/>
-                  </a:ext>
-                </a:extLst>
               </a:tr>
               <a:tr h="731520">
                 <a:tc>
@@ -23638,6 +23941,7 @@
                         <a:rPr lang="zh-CN" altLang="en-US"/>
                         <a:t>基本事件流</a:t>
                       </a:r>
+                      <a:endParaRPr lang="zh-CN" altLang="en-US"/>
                     </a:p>
                   </a:txBody>
                   <a:tcPr/>
@@ -23654,15 +23958,11 @@
                         <a:rPr lang="zh-CN" altLang="en-US"/>
                         <a:t>管理员发出新增图书请求，系统要求管理员输入相关信息</a:t>
                       </a:r>
+                      <a:endParaRPr lang="zh-CN" altLang="en-US"/>
                     </a:p>
                   </a:txBody>
                   <a:tcPr/>
                 </a:tc>
-                <a:extLst>
-                  <a:ext uri="{0D108BD9-81ED-4DB2-BD59-A6C34878D82A}">
-                    <a16:rowId xmlns:a16="http://schemas.microsoft.com/office/drawing/2014/main" val="10004"/>
-                  </a:ext>
-                </a:extLst>
               </a:tr>
               <a:tr h="510540">
                 <a:tc>
@@ -23677,6 +23977,7 @@
                         <a:rPr lang="zh-CN" altLang="en-US"/>
                         <a:t>其他事件流</a:t>
                       </a:r>
+                      <a:endParaRPr lang="zh-CN" altLang="en-US"/>
                     </a:p>
                   </a:txBody>
                   <a:tcPr/>
@@ -23693,15 +23994,11 @@
                         <a:rPr lang="zh-CN" altLang="en-US"/>
                         <a:t>无</a:t>
                       </a:r>
+                      <a:endParaRPr lang="zh-CN" altLang="en-US"/>
                     </a:p>
                   </a:txBody>
                   <a:tcPr/>
                 </a:tc>
-                <a:extLst>
-                  <a:ext uri="{0D108BD9-81ED-4DB2-BD59-A6C34878D82A}">
-                    <a16:rowId xmlns:a16="http://schemas.microsoft.com/office/drawing/2014/main" val="10005"/>
-                  </a:ext>
-                </a:extLst>
               </a:tr>
               <a:tr h="1371600">
                 <a:tc>
@@ -23716,6 +24013,7 @@
                         <a:rPr lang="zh-CN" altLang="en-US"/>
                         <a:t>异常事件流</a:t>
                       </a:r>
+                      <a:endParaRPr lang="zh-CN" altLang="en-US"/>
                     </a:p>
                   </a:txBody>
                   <a:tcPr/>
@@ -23732,15 +24030,11 @@
                         <a:rPr lang="zh-CN" altLang="en-US"/>
                         <a:t>出现书号或者书籍同名现象，系统发出提示通知使用者是取消输入还是修改，修改之后再检查</a:t>
                       </a:r>
+                      <a:endParaRPr lang="zh-CN" altLang="en-US"/>
                     </a:p>
                   </a:txBody>
                   <a:tcPr/>
                 </a:tc>
-                <a:extLst>
-                  <a:ext uri="{0D108BD9-81ED-4DB2-BD59-A6C34878D82A}">
-                    <a16:rowId xmlns:a16="http://schemas.microsoft.com/office/drawing/2014/main" val="10006"/>
-                  </a:ext>
-                </a:extLst>
               </a:tr>
               <a:tr h="731520">
                 <a:tc>
@@ -23755,6 +24049,7 @@
                         <a:rPr lang="zh-CN" altLang="en-US"/>
                         <a:t>后置条件</a:t>
                       </a:r>
+                      <a:endParaRPr lang="zh-CN" altLang="en-US"/>
                     </a:p>
                   </a:txBody>
                   <a:tcPr/>
@@ -23771,15 +24066,11 @@
                         <a:rPr lang="zh-CN" altLang="en-US"/>
                         <a:t>完成新增图书，书库中增加此图书</a:t>
                       </a:r>
+                      <a:endParaRPr lang="zh-CN" altLang="en-US"/>
                     </a:p>
                   </a:txBody>
                   <a:tcPr/>
                 </a:tc>
-                <a:extLst>
-                  <a:ext uri="{0D108BD9-81ED-4DB2-BD59-A6C34878D82A}">
-                    <a16:rowId xmlns:a16="http://schemas.microsoft.com/office/drawing/2014/main" val="10007"/>
-                  </a:ext>
-                </a:extLst>
               </a:tr>
               <a:tr h="510540">
                 <a:tc>
@@ -23794,6 +24085,7 @@
                         <a:rPr lang="zh-CN" altLang="en-US"/>
                         <a:t>注释</a:t>
                       </a:r>
+                      <a:endParaRPr lang="zh-CN" altLang="en-US"/>
                     </a:p>
                   </a:txBody>
                   <a:tcPr/>
@@ -23811,11 +24103,6 @@
                   </a:txBody>
                   <a:tcPr/>
                 </a:tc>
-                <a:extLst>
-                  <a:ext uri="{0D108BD9-81ED-4DB2-BD59-A6C34878D82A}">
-                    <a16:rowId xmlns:a16="http://schemas.microsoft.com/office/drawing/2014/main" val="10008"/>
-                  </a:ext>
-                </a:extLst>
               </a:tr>
             </a:tbl>
           </a:graphicData>
@@ -23830,7 +24117,7 @@
           <p:nvPr/>
         </p:nvPicPr>
         <p:blipFill>
-          <a:blip r:embed="rId2"/>
+          <a:blip r:embed="rId1"/>
           <a:stretch>
             <a:fillRect/>
           </a:stretch>
@@ -23854,7 +24141,7 @@
           <p:nvPr/>
         </p:nvPicPr>
         <p:blipFill>
-          <a:blip r:embed="rId2"/>
+          <a:blip r:embed="rId1"/>
           <a:stretch>
             <a:fillRect/>
           </a:stretch>
@@ -23996,6 +24283,7 @@
               <a:rPr lang="en-US" sz="2400" dirty="0"/>
               <a:t>2</a:t>
             </a:r>
+            <a:endParaRPr lang="en-US" sz="2400" dirty="0"/>
           </a:p>
         </p:txBody>
       </p:sp>
@@ -24117,6 +24405,12 @@
                 </a:rPr>
                 <a:t>用例之间的可视化表示：</a:t>
               </a:r>
+              <a:endParaRPr lang="zh-CN" dirty="0">
+                <a:solidFill>
+                  <a:srgbClr val="000000"/>
+                </a:solidFill>
+                <a:latin typeface="Verdana" panose="020B0604030504040204" pitchFamily="34" charset="0"/>
+              </a:endParaRPr>
             </a:p>
             <a:p>
               <a:r>
@@ -24137,6 +24431,12 @@
                 </a:rPr>
                 <a:t>包含关系</a:t>
               </a:r>
+              <a:endParaRPr lang="zh-CN" altLang="en-US" dirty="0">
+                <a:solidFill>
+                  <a:srgbClr val="000000"/>
+                </a:solidFill>
+                <a:latin typeface="Verdana" panose="020B0604030504040204" pitchFamily="34" charset="0"/>
+              </a:endParaRPr>
             </a:p>
             <a:p>
               <a:r>
@@ -24157,6 +24457,12 @@
                 </a:rPr>
                 <a:t>扩展关系</a:t>
               </a:r>
+              <a:endParaRPr lang="zh-CN" altLang="en-US" dirty="0">
+                <a:solidFill>
+                  <a:srgbClr val="000000"/>
+                </a:solidFill>
+                <a:latin typeface="Verdana" panose="020B0604030504040204" pitchFamily="34" charset="0"/>
+              </a:endParaRPr>
             </a:p>
             <a:p>
               <a:r>
@@ -24177,6 +24483,12 @@
                 </a:rPr>
                 <a:t>泛化关系</a:t>
               </a:r>
+              <a:endParaRPr lang="zh-CN" altLang="en-US" dirty="0">
+                <a:solidFill>
+                  <a:srgbClr val="000000"/>
+                </a:solidFill>
+                <a:latin typeface="Verdana" panose="020B0604030504040204" pitchFamily="34" charset="0"/>
+              </a:endParaRPr>
             </a:p>
             <a:p>
               <a:r>
@@ -24333,7 +24645,7 @@
           <p:nvPr/>
         </p:nvPicPr>
         <p:blipFill>
-          <a:blip r:embed="rId2"/>
+          <a:blip r:embed="rId1"/>
           <a:stretch>
             <a:fillRect/>
           </a:stretch>
@@ -24475,6 +24787,7 @@
               <a:rPr lang="en-US" sz="2400" dirty="0"/>
               <a:t>3</a:t>
             </a:r>
+            <a:endParaRPr lang="en-US" sz="2400" dirty="0"/>
           </a:p>
         </p:txBody>
       </p:sp>
@@ -24732,7 +25045,7 @@
           <p:nvPr/>
         </p:nvPicPr>
         <p:blipFill>
-          <a:blip r:embed="rId2"/>
+          <a:blip r:embed="rId1"/>
           <a:stretch>
             <a:fillRect/>
           </a:stretch>
@@ -24756,7 +25069,7 @@
           <p:nvPr/>
         </p:nvPicPr>
         <p:blipFill>
-          <a:blip r:embed="rId3"/>
+          <a:blip r:embed="rId2"/>
           <a:stretch>
             <a:fillRect/>
           </a:stretch>
@@ -25067,8 +25380,6 @@
       </a:bgFillStyleLst>
     </a:fmtScheme>
   </a:themeElements>
-  <a:objectDefaults/>
-  <a:extraClrSchemeLst/>
   <a:extLst>
     <a:ext uri="{05A4C25C-085E-4340-85A3-A5531E510DB2}">
       <thm15:themeFamily xmlns:thm15="http://schemas.microsoft.com/office/thememl/2012/main" name="Office Theme" id="{62F939B6-93AF-4DB8-9C6B-D6C7DFDC589F}" vid="{4A3C46E8-61CC-4603-A589-7422A47A8E4A}"/>
@@ -25357,8 +25668,6 @@
       </a:bgFillStyleLst>
     </a:fmtScheme>
   </a:themeElements>
-  <a:objectDefaults/>
-  <a:extraClrSchemeLst/>
   <a:extLst>
     <a:ext uri="{05A4C25C-085E-4340-85A3-A5531E510DB2}">
       <thm15:themeFamily xmlns:thm15="http://schemas.microsoft.com/office/thememl/2012/main" name="Office Theme" id="{62F939B6-93AF-4DB8-9C6B-D6C7DFDC589F}" vid="{4A3C46E8-61CC-4603-A589-7422A47A8E4A}"/>
@@ -25647,8 +25956,6 @@
       </a:bgFillStyleLst>
     </a:fmtScheme>
   </a:themeElements>
-  <a:objectDefaults/>
-  <a:extraClrSchemeLst/>
   <a:extLst>
     <a:ext uri="{05A4C25C-085E-4340-85A3-A5531E510DB2}">
       <thm15:themeFamily xmlns:thm15="http://schemas.microsoft.com/office/thememl/2012/main" name="Office Theme" id="{62F939B6-93AF-4DB8-9C6B-D6C7DFDC589F}" vid="{4A3C46E8-61CC-4603-A589-7422A47A8E4A}"/>
